--- a/System-Development-Life-Cycle final.pptx
+++ b/System-Development-Life-Cycle final.pptx
@@ -10,16 +10,16 @@
     <p:sldId id="257" r:id="rId4"/>
     <p:sldId id="258" r:id="rId5"/>
     <p:sldId id="259" r:id="rId6"/>
-    <p:sldId id="260" r:id="rId7"/>
-    <p:sldId id="264" r:id="rId8"/>
-    <p:sldId id="265" r:id="rId9"/>
-    <p:sldId id="266" r:id="rId10"/>
-    <p:sldId id="267" r:id="rId11"/>
-    <p:sldId id="268" r:id="rId12"/>
-    <p:sldId id="261" r:id="rId13"/>
-    <p:sldId id="262" r:id="rId14"/>
-    <p:sldId id="270" r:id="rId15"/>
-    <p:sldId id="271" r:id="rId16"/>
+    <p:sldId id="264" r:id="rId7"/>
+    <p:sldId id="265" r:id="rId8"/>
+    <p:sldId id="266" r:id="rId9"/>
+    <p:sldId id="267" r:id="rId10"/>
+    <p:sldId id="268" r:id="rId11"/>
+    <p:sldId id="261" r:id="rId12"/>
+    <p:sldId id="262" r:id="rId13"/>
+    <p:sldId id="270" r:id="rId14"/>
+    <p:sldId id="271" r:id="rId15"/>
+    <p:sldId id="260" r:id="rId16"/>
     <p:sldId id="263" r:id="rId17"/>
   </p:sldIdLst>
   <p:sldSz cx="12192000" cy="6858000"/>
@@ -125,6 +125,3592 @@
     </p:ext>
   </p:extLst>
 </p:presentation>
+</file>
+
+<file path=ppt/diagrams/colors1.xml><?xml version="1.0" encoding="utf-8"?>
+<dgm:colorsDef xmlns:dgm="http://schemas.openxmlformats.org/drawingml/2006/diagram" xmlns:a="http://schemas.openxmlformats.org/drawingml/2006/main" uniqueId="urn:microsoft.com/office/officeart/2005/8/colors/colorful1">
+  <dgm:title val=""/>
+  <dgm:desc val=""/>
+  <dgm:catLst>
+    <dgm:cat type="colorful" pri="10100"/>
+  </dgm:catLst>
+  <dgm:styleLbl name="node0">
+    <dgm:fillClrLst meth="repeat">
+      <a:schemeClr val="accent1"/>
+    </dgm:fillClrLst>
+    <dgm:linClrLst meth="repeat">
+      <a:schemeClr val="lt1"/>
+    </dgm:linClrLst>
+    <dgm:effectClrLst/>
+    <dgm:txLinClrLst/>
+    <dgm:txFillClrLst/>
+    <dgm:txEffectClrLst/>
+  </dgm:styleLbl>
+  <dgm:styleLbl name="node1">
+    <dgm:fillClrLst meth="repeat">
+      <a:schemeClr val="accent2"/>
+      <a:schemeClr val="accent3"/>
+      <a:schemeClr val="accent4"/>
+      <a:schemeClr val="accent5"/>
+      <a:schemeClr val="accent6"/>
+    </dgm:fillClrLst>
+    <dgm:linClrLst meth="repeat">
+      <a:schemeClr val="lt1"/>
+    </dgm:linClrLst>
+    <dgm:effectClrLst/>
+    <dgm:txLinClrLst/>
+    <dgm:txFillClrLst/>
+    <dgm:txEffectClrLst/>
+  </dgm:styleLbl>
+  <dgm:styleLbl name="alignNode1">
+    <dgm:fillClrLst meth="repeat">
+      <a:schemeClr val="accent2"/>
+      <a:schemeClr val="accent3"/>
+      <a:schemeClr val="accent4"/>
+      <a:schemeClr val="accent5"/>
+      <a:schemeClr val="accent6"/>
+    </dgm:fillClrLst>
+    <dgm:linClrLst meth="repeat">
+      <a:schemeClr val="accent2"/>
+      <a:schemeClr val="accent3"/>
+      <a:schemeClr val="accent4"/>
+      <a:schemeClr val="accent5"/>
+      <a:schemeClr val="accent6"/>
+    </dgm:linClrLst>
+    <dgm:effectClrLst/>
+    <dgm:txLinClrLst/>
+    <dgm:txFillClrLst/>
+    <dgm:txEffectClrLst/>
+  </dgm:styleLbl>
+  <dgm:styleLbl name="lnNode1">
+    <dgm:fillClrLst meth="repeat">
+      <a:schemeClr val="accent2"/>
+      <a:schemeClr val="accent3"/>
+      <a:schemeClr val="accent4"/>
+      <a:schemeClr val="accent5"/>
+      <a:schemeClr val="accent6"/>
+    </dgm:fillClrLst>
+    <dgm:linClrLst meth="repeat">
+      <a:schemeClr val="lt1"/>
+    </dgm:linClrLst>
+    <dgm:effectClrLst/>
+    <dgm:txLinClrLst/>
+    <dgm:txFillClrLst/>
+    <dgm:txEffectClrLst/>
+  </dgm:styleLbl>
+  <dgm:styleLbl name="vennNode1">
+    <dgm:fillClrLst meth="repeat">
+      <a:schemeClr val="accent2">
+        <a:alpha val="50000"/>
+      </a:schemeClr>
+      <a:schemeClr val="accent3">
+        <a:alpha val="50000"/>
+      </a:schemeClr>
+      <a:schemeClr val="accent4">
+        <a:alpha val="50000"/>
+      </a:schemeClr>
+      <a:schemeClr val="accent5">
+        <a:alpha val="50000"/>
+      </a:schemeClr>
+      <a:schemeClr val="accent6">
+        <a:alpha val="50000"/>
+      </a:schemeClr>
+    </dgm:fillClrLst>
+    <dgm:linClrLst meth="repeat">
+      <a:schemeClr val="lt1"/>
+    </dgm:linClrLst>
+    <dgm:effectClrLst/>
+    <dgm:txLinClrLst/>
+    <dgm:txFillClrLst/>
+    <dgm:txEffectClrLst/>
+  </dgm:styleLbl>
+  <dgm:styleLbl name="node2">
+    <dgm:fillClrLst>
+      <a:schemeClr val="accent2"/>
+    </dgm:fillClrLst>
+    <dgm:linClrLst meth="repeat">
+      <a:schemeClr val="lt1"/>
+    </dgm:linClrLst>
+    <dgm:effectClrLst/>
+    <dgm:txLinClrLst/>
+    <dgm:txFillClrLst/>
+    <dgm:txEffectClrLst/>
+  </dgm:styleLbl>
+  <dgm:styleLbl name="node3">
+    <dgm:fillClrLst>
+      <a:schemeClr val="accent3"/>
+    </dgm:fillClrLst>
+    <dgm:linClrLst meth="repeat">
+      <a:schemeClr val="lt1"/>
+    </dgm:linClrLst>
+    <dgm:effectClrLst/>
+    <dgm:txLinClrLst/>
+    <dgm:txFillClrLst/>
+    <dgm:txEffectClrLst/>
+  </dgm:styleLbl>
+  <dgm:styleLbl name="node4">
+    <dgm:fillClrLst>
+      <a:schemeClr val="accent4"/>
+    </dgm:fillClrLst>
+    <dgm:linClrLst meth="repeat">
+      <a:schemeClr val="lt1"/>
+    </dgm:linClrLst>
+    <dgm:effectClrLst/>
+    <dgm:txLinClrLst/>
+    <dgm:txFillClrLst/>
+    <dgm:txEffectClrLst/>
+  </dgm:styleLbl>
+  <dgm:styleLbl name="fgImgPlace1">
+    <dgm:fillClrLst meth="repeat">
+      <a:schemeClr val="accent2">
+        <a:tint val="50000"/>
+      </a:schemeClr>
+      <a:schemeClr val="accent3">
+        <a:tint val="50000"/>
+      </a:schemeClr>
+      <a:schemeClr val="accent4">
+        <a:tint val="50000"/>
+      </a:schemeClr>
+      <a:schemeClr val="accent5">
+        <a:tint val="50000"/>
+      </a:schemeClr>
+      <a:schemeClr val="accent6">
+        <a:tint val="50000"/>
+      </a:schemeClr>
+    </dgm:fillClrLst>
+    <dgm:linClrLst meth="repeat">
+      <a:schemeClr val="lt1"/>
+    </dgm:linClrLst>
+    <dgm:effectClrLst/>
+    <dgm:txLinClrLst/>
+    <dgm:txFillClrLst meth="repeat">
+      <a:schemeClr val="lt1"/>
+    </dgm:txFillClrLst>
+    <dgm:txEffectClrLst/>
+  </dgm:styleLbl>
+  <dgm:styleLbl name="alignImgPlace1">
+    <dgm:fillClrLst>
+      <a:schemeClr val="accent1">
+        <a:tint val="50000"/>
+      </a:schemeClr>
+      <a:schemeClr val="accent2">
+        <a:tint val="20000"/>
+      </a:schemeClr>
+    </dgm:fillClrLst>
+    <dgm:linClrLst meth="repeat">
+      <a:schemeClr val="lt1"/>
+    </dgm:linClrLst>
+    <dgm:effectClrLst/>
+    <dgm:txLinClrLst/>
+    <dgm:txFillClrLst meth="repeat">
+      <a:schemeClr val="lt1"/>
+    </dgm:txFillClrLst>
+    <dgm:txEffectClrLst/>
+  </dgm:styleLbl>
+  <dgm:styleLbl name="bgImgPlace1">
+    <dgm:fillClrLst>
+      <a:schemeClr val="accent1">
+        <a:tint val="50000"/>
+      </a:schemeClr>
+      <a:schemeClr val="accent2">
+        <a:tint val="20000"/>
+      </a:schemeClr>
+    </dgm:fillClrLst>
+    <dgm:linClrLst meth="repeat">
+      <a:schemeClr val="lt1"/>
+    </dgm:linClrLst>
+    <dgm:effectClrLst/>
+    <dgm:txLinClrLst/>
+    <dgm:txFillClrLst meth="repeat">
+      <a:schemeClr val="lt1"/>
+    </dgm:txFillClrLst>
+    <dgm:txEffectClrLst/>
+  </dgm:styleLbl>
+  <dgm:styleLbl name="sibTrans2D1">
+    <dgm:fillClrLst meth="repeat">
+      <a:schemeClr val="accent2"/>
+      <a:schemeClr val="accent3"/>
+      <a:schemeClr val="accent4"/>
+      <a:schemeClr val="accent5"/>
+      <a:schemeClr val="accent6"/>
+    </dgm:fillClrLst>
+    <dgm:linClrLst meth="cycle">
+      <a:schemeClr val="lt1"/>
+    </dgm:linClrLst>
+    <dgm:effectClrLst/>
+    <dgm:txLinClrLst/>
+    <dgm:txFillClrLst/>
+    <dgm:txEffectClrLst/>
+  </dgm:styleLbl>
+  <dgm:styleLbl name="fgSibTrans2D1">
+    <dgm:fillClrLst meth="repeat">
+      <a:schemeClr val="accent2"/>
+      <a:schemeClr val="accent3"/>
+      <a:schemeClr val="accent4"/>
+      <a:schemeClr val="accent5"/>
+      <a:schemeClr val="accent6"/>
+    </dgm:fillClrLst>
+    <dgm:linClrLst meth="cycle">
+      <a:schemeClr val="lt1"/>
+    </dgm:linClrLst>
+    <dgm:effectClrLst/>
+    <dgm:txLinClrLst/>
+    <dgm:txFillClrLst meth="repeat">
+      <a:schemeClr val="lt1"/>
+    </dgm:txFillClrLst>
+    <dgm:txEffectClrLst/>
+  </dgm:styleLbl>
+  <dgm:styleLbl name="bgSibTrans2D1">
+    <dgm:fillClrLst meth="repeat">
+      <a:schemeClr val="accent2"/>
+      <a:schemeClr val="accent3"/>
+      <a:schemeClr val="accent4"/>
+      <a:schemeClr val="accent5"/>
+      <a:schemeClr val="accent6"/>
+    </dgm:fillClrLst>
+    <dgm:linClrLst meth="cycle">
+      <a:schemeClr val="lt1"/>
+    </dgm:linClrLst>
+    <dgm:effectClrLst/>
+    <dgm:txLinClrLst/>
+    <dgm:txFillClrLst meth="repeat">
+      <a:schemeClr val="lt1"/>
+    </dgm:txFillClrLst>
+    <dgm:txEffectClrLst/>
+  </dgm:styleLbl>
+  <dgm:styleLbl name="sibTrans1D1">
+    <dgm:fillClrLst meth="repeat">
+      <a:schemeClr val="accent2"/>
+      <a:schemeClr val="accent3"/>
+      <a:schemeClr val="accent4"/>
+      <a:schemeClr val="accent5"/>
+      <a:schemeClr val="accent6"/>
+    </dgm:fillClrLst>
+    <dgm:linClrLst meth="repeat">
+      <a:schemeClr val="accent2"/>
+      <a:schemeClr val="accent3"/>
+      <a:schemeClr val="accent4"/>
+      <a:schemeClr val="accent5"/>
+      <a:schemeClr val="accent6"/>
+    </dgm:linClrLst>
+    <dgm:effectClrLst/>
+    <dgm:txLinClrLst/>
+    <dgm:txFillClrLst meth="repeat">
+      <a:schemeClr val="tx1"/>
+    </dgm:txFillClrLst>
+    <dgm:txEffectClrLst/>
+  </dgm:styleLbl>
+  <dgm:styleLbl name="callout">
+    <dgm:fillClrLst meth="repeat">
+      <a:schemeClr val="accent2"/>
+    </dgm:fillClrLst>
+    <dgm:linClrLst meth="repeat">
+      <a:schemeClr val="accent2">
+        <a:tint val="50000"/>
+      </a:schemeClr>
+    </dgm:linClrLst>
+    <dgm:effectClrLst/>
+    <dgm:txLinClrLst/>
+    <dgm:txFillClrLst meth="repeat">
+      <a:schemeClr val="tx1"/>
+    </dgm:txFillClrLst>
+    <dgm:txEffectClrLst/>
+  </dgm:styleLbl>
+  <dgm:styleLbl name="asst0">
+    <dgm:fillClrLst meth="repeat">
+      <a:schemeClr val="accent1"/>
+    </dgm:fillClrLst>
+    <dgm:linClrLst meth="repeat">
+      <a:schemeClr val="lt1"/>
+    </dgm:linClrLst>
+    <dgm:effectClrLst/>
+    <dgm:txLinClrLst/>
+    <dgm:txFillClrLst/>
+    <dgm:txEffectClrLst/>
+  </dgm:styleLbl>
+  <dgm:styleLbl name="asst1">
+    <dgm:fillClrLst meth="repeat">
+      <a:schemeClr val="accent2"/>
+    </dgm:fillClrLst>
+    <dgm:linClrLst meth="repeat">
+      <a:schemeClr val="lt1"/>
+    </dgm:linClrLst>
+    <dgm:effectClrLst/>
+    <dgm:txLinClrLst/>
+    <dgm:txFillClrLst/>
+    <dgm:txEffectClrLst/>
+  </dgm:styleLbl>
+  <dgm:styleLbl name="asst2">
+    <dgm:fillClrLst>
+      <a:schemeClr val="accent3"/>
+    </dgm:fillClrLst>
+    <dgm:linClrLst meth="repeat">
+      <a:schemeClr val="lt1"/>
+    </dgm:linClrLst>
+    <dgm:effectClrLst/>
+    <dgm:txLinClrLst/>
+    <dgm:txFillClrLst/>
+    <dgm:txEffectClrLst/>
+  </dgm:styleLbl>
+  <dgm:styleLbl name="asst3">
+    <dgm:fillClrLst>
+      <a:schemeClr val="accent4"/>
+    </dgm:fillClrLst>
+    <dgm:linClrLst meth="repeat">
+      <a:schemeClr val="lt1"/>
+    </dgm:linClrLst>
+    <dgm:effectClrLst/>
+    <dgm:txLinClrLst/>
+    <dgm:txFillClrLst/>
+    <dgm:txEffectClrLst/>
+  </dgm:styleLbl>
+  <dgm:styleLbl name="asst4">
+    <dgm:fillClrLst>
+      <a:schemeClr val="accent5"/>
+    </dgm:fillClrLst>
+    <dgm:linClrLst meth="repeat">
+      <a:schemeClr val="lt1"/>
+    </dgm:linClrLst>
+    <dgm:effectClrLst/>
+    <dgm:txLinClrLst/>
+    <dgm:txFillClrLst/>
+    <dgm:txEffectClrLst/>
+  </dgm:styleLbl>
+  <dgm:styleLbl name="parChTrans2D1">
+    <dgm:fillClrLst meth="repeat">
+      <a:schemeClr val="accent2"/>
+    </dgm:fillClrLst>
+    <dgm:linClrLst meth="repeat">
+      <a:schemeClr val="lt1"/>
+    </dgm:linClrLst>
+    <dgm:effectClrLst/>
+    <dgm:txLinClrLst/>
+    <dgm:txFillClrLst meth="repeat">
+      <a:schemeClr val="lt1"/>
+    </dgm:txFillClrLst>
+    <dgm:txEffectClrLst/>
+  </dgm:styleLbl>
+  <dgm:styleLbl name="parChTrans2D2">
+    <dgm:fillClrLst meth="repeat">
+      <a:schemeClr val="accent3"/>
+    </dgm:fillClrLst>
+    <dgm:linClrLst meth="repeat">
+      <a:schemeClr val="lt1"/>
+    </dgm:linClrLst>
+    <dgm:effectClrLst/>
+    <dgm:txLinClrLst/>
+    <dgm:txFillClrLst/>
+    <dgm:txEffectClrLst/>
+  </dgm:styleLbl>
+  <dgm:styleLbl name="parChTrans2D3">
+    <dgm:fillClrLst meth="repeat">
+      <a:schemeClr val="accent4"/>
+    </dgm:fillClrLst>
+    <dgm:linClrLst meth="repeat">
+      <a:schemeClr val="lt1"/>
+    </dgm:linClrLst>
+    <dgm:effectClrLst/>
+    <dgm:txLinClrLst/>
+    <dgm:txFillClrLst/>
+    <dgm:txEffectClrLst/>
+  </dgm:styleLbl>
+  <dgm:styleLbl name="parChTrans2D4">
+    <dgm:fillClrLst meth="repeat">
+      <a:schemeClr val="accent5"/>
+    </dgm:fillClrLst>
+    <dgm:linClrLst meth="repeat">
+      <a:schemeClr val="lt1"/>
+    </dgm:linClrLst>
+    <dgm:effectClrLst/>
+    <dgm:txLinClrLst/>
+    <dgm:txFillClrLst meth="repeat">
+      <a:schemeClr val="lt1"/>
+    </dgm:txFillClrLst>
+    <dgm:txEffectClrLst/>
+  </dgm:styleLbl>
+  <dgm:styleLbl name="parChTrans1D1">
+    <dgm:fillClrLst meth="repeat">
+      <a:schemeClr val="accent2"/>
+    </dgm:fillClrLst>
+    <dgm:linClrLst meth="repeat">
+      <a:schemeClr val="accent1"/>
+    </dgm:linClrLst>
+    <dgm:effectClrLst/>
+    <dgm:txLinClrLst/>
+    <dgm:txFillClrLst meth="repeat">
+      <a:schemeClr val="tx1"/>
+    </dgm:txFillClrLst>
+    <dgm:txEffectClrLst/>
+  </dgm:styleLbl>
+  <dgm:styleLbl name="parChTrans1D2">
+    <dgm:fillClrLst meth="repeat">
+      <a:schemeClr val="accent3">
+        <a:tint val="90000"/>
+      </a:schemeClr>
+    </dgm:fillClrLst>
+    <dgm:linClrLst meth="repeat">
+      <a:schemeClr val="accent2"/>
+    </dgm:linClrLst>
+    <dgm:effectClrLst/>
+    <dgm:txLinClrLst/>
+    <dgm:txFillClrLst meth="repeat">
+      <a:schemeClr val="tx1"/>
+    </dgm:txFillClrLst>
+    <dgm:txEffectClrLst/>
+  </dgm:styleLbl>
+  <dgm:styleLbl name="parChTrans1D3">
+    <dgm:fillClrLst meth="repeat">
+      <a:schemeClr val="accent4">
+        <a:tint val="70000"/>
+      </a:schemeClr>
+    </dgm:fillClrLst>
+    <dgm:linClrLst meth="repeat">
+      <a:schemeClr val="accent3"/>
+    </dgm:linClrLst>
+    <dgm:effectClrLst/>
+    <dgm:txLinClrLst/>
+    <dgm:txFillClrLst meth="repeat">
+      <a:schemeClr val="tx1"/>
+    </dgm:txFillClrLst>
+    <dgm:txEffectClrLst/>
+  </dgm:styleLbl>
+  <dgm:styleLbl name="parChTrans1D4">
+    <dgm:fillClrLst meth="repeat">
+      <a:schemeClr val="accent5">
+        <a:tint val="50000"/>
+      </a:schemeClr>
+    </dgm:fillClrLst>
+    <dgm:linClrLst meth="repeat">
+      <a:schemeClr val="accent4"/>
+    </dgm:linClrLst>
+    <dgm:effectClrLst/>
+    <dgm:txLinClrLst/>
+    <dgm:txFillClrLst meth="repeat">
+      <a:schemeClr val="tx1"/>
+    </dgm:txFillClrLst>
+    <dgm:txEffectClrLst/>
+  </dgm:styleLbl>
+  <dgm:styleLbl name="fgAcc1">
+    <dgm:fillClrLst meth="repeat">
+      <a:schemeClr val="lt1">
+        <a:alpha val="90000"/>
+      </a:schemeClr>
+    </dgm:fillClrLst>
+    <dgm:linClrLst meth="repeat">
+      <a:schemeClr val="accent2"/>
+      <a:schemeClr val="accent3"/>
+      <a:schemeClr val="accent4"/>
+      <a:schemeClr val="accent5"/>
+      <a:schemeClr val="accent6"/>
+    </dgm:linClrLst>
+    <dgm:effectClrLst/>
+    <dgm:txLinClrLst/>
+    <dgm:txFillClrLst meth="repeat">
+      <a:schemeClr val="dk1"/>
+    </dgm:txFillClrLst>
+    <dgm:txEffectClrLst/>
+  </dgm:styleLbl>
+  <dgm:styleLbl name="conFgAcc1">
+    <dgm:fillClrLst meth="repeat">
+      <a:schemeClr val="lt1">
+        <a:alpha val="90000"/>
+      </a:schemeClr>
+    </dgm:fillClrLst>
+    <dgm:linClrLst meth="repeat">
+      <a:schemeClr val="accent2"/>
+      <a:schemeClr val="accent3"/>
+      <a:schemeClr val="accent4"/>
+      <a:schemeClr val="accent5"/>
+      <a:schemeClr val="accent6"/>
+    </dgm:linClrLst>
+    <dgm:effectClrLst/>
+    <dgm:txLinClrLst/>
+    <dgm:txFillClrLst meth="repeat">
+      <a:schemeClr val="dk1"/>
+    </dgm:txFillClrLst>
+    <dgm:txEffectClrLst/>
+  </dgm:styleLbl>
+  <dgm:styleLbl name="alignAcc1">
+    <dgm:fillClrLst meth="repeat">
+      <a:schemeClr val="lt1">
+        <a:alpha val="90000"/>
+      </a:schemeClr>
+    </dgm:fillClrLst>
+    <dgm:linClrLst meth="repeat">
+      <a:schemeClr val="accent2"/>
+      <a:schemeClr val="accent3"/>
+      <a:schemeClr val="accent4"/>
+      <a:schemeClr val="accent5"/>
+      <a:schemeClr val="accent6"/>
+    </dgm:linClrLst>
+    <dgm:effectClrLst/>
+    <dgm:txLinClrLst/>
+    <dgm:txFillClrLst meth="repeat">
+      <a:schemeClr val="dk1"/>
+    </dgm:txFillClrLst>
+    <dgm:txEffectClrLst/>
+  </dgm:styleLbl>
+  <dgm:styleLbl name="trAlignAcc1">
+    <dgm:fillClrLst meth="repeat">
+      <a:schemeClr val="lt1">
+        <a:alpha val="40000"/>
+      </a:schemeClr>
+    </dgm:fillClrLst>
+    <dgm:linClrLst meth="repeat">
+      <a:schemeClr val="accent1"/>
+    </dgm:linClrLst>
+    <dgm:effectClrLst/>
+    <dgm:txLinClrLst/>
+    <dgm:txFillClrLst meth="repeat">
+      <a:schemeClr val="dk1"/>
+    </dgm:txFillClrLst>
+    <dgm:txEffectClrLst/>
+  </dgm:styleLbl>
+  <dgm:styleLbl name="bgAcc1">
+    <dgm:fillClrLst meth="repeat">
+      <a:schemeClr val="lt1">
+        <a:alpha val="90000"/>
+      </a:schemeClr>
+    </dgm:fillClrLst>
+    <dgm:linClrLst meth="repeat">
+      <a:schemeClr val="accent2"/>
+      <a:schemeClr val="accent3"/>
+      <a:schemeClr val="accent4"/>
+      <a:schemeClr val="accent5"/>
+      <a:schemeClr val="accent6"/>
+    </dgm:linClrLst>
+    <dgm:effectClrLst/>
+    <dgm:txLinClrLst/>
+    <dgm:txFillClrLst meth="repeat">
+      <a:schemeClr val="dk1"/>
+    </dgm:txFillClrLst>
+    <dgm:txEffectClrLst/>
+  </dgm:styleLbl>
+  <dgm:styleLbl name="solidFgAcc1">
+    <dgm:fillClrLst meth="repeat">
+      <a:schemeClr val="lt1"/>
+    </dgm:fillClrLst>
+    <dgm:linClrLst meth="repeat">
+      <a:schemeClr val="accent2"/>
+      <a:schemeClr val="accent3"/>
+      <a:schemeClr val="accent4"/>
+      <a:schemeClr val="accent5"/>
+      <a:schemeClr val="accent6"/>
+    </dgm:linClrLst>
+    <dgm:effectClrLst/>
+    <dgm:txLinClrLst/>
+    <dgm:txFillClrLst meth="repeat">
+      <a:schemeClr val="dk1"/>
+    </dgm:txFillClrLst>
+    <dgm:txEffectClrLst/>
+  </dgm:styleLbl>
+  <dgm:styleLbl name="solidAlignAcc1">
+    <dgm:fillClrLst meth="repeat">
+      <a:schemeClr val="lt1"/>
+    </dgm:fillClrLst>
+    <dgm:linClrLst meth="repeat">
+      <a:schemeClr val="accent2"/>
+      <a:schemeClr val="accent3"/>
+      <a:schemeClr val="accent4"/>
+      <a:schemeClr val="accent5"/>
+      <a:schemeClr val="accent6"/>
+    </dgm:linClrLst>
+    <dgm:effectClrLst/>
+    <dgm:txLinClrLst/>
+    <dgm:txFillClrLst meth="repeat">
+      <a:schemeClr val="dk1"/>
+    </dgm:txFillClrLst>
+    <dgm:txEffectClrLst/>
+  </dgm:styleLbl>
+  <dgm:styleLbl name="solidBgAcc1">
+    <dgm:fillClrLst meth="repeat">
+      <a:schemeClr val="lt1"/>
+    </dgm:fillClrLst>
+    <dgm:linClrLst meth="repeat">
+      <a:schemeClr val="accent2"/>
+      <a:schemeClr val="accent3"/>
+      <a:schemeClr val="accent4"/>
+      <a:schemeClr val="accent5"/>
+      <a:schemeClr val="accent6"/>
+    </dgm:linClrLst>
+    <dgm:effectClrLst/>
+    <dgm:txLinClrLst/>
+    <dgm:txFillClrLst meth="repeat">
+      <a:schemeClr val="dk1"/>
+    </dgm:txFillClrLst>
+    <dgm:txEffectClrLst/>
+  </dgm:styleLbl>
+  <dgm:styleLbl name="fgAccFollowNode1">
+    <dgm:fillClrLst meth="repeat">
+      <a:schemeClr val="accent2">
+        <a:tint val="40000"/>
+        <a:alpha val="90000"/>
+      </a:schemeClr>
+      <a:schemeClr val="accent3">
+        <a:tint val="40000"/>
+        <a:alpha val="90000"/>
+      </a:schemeClr>
+      <a:schemeClr val="accent4">
+        <a:tint val="40000"/>
+        <a:alpha val="90000"/>
+      </a:schemeClr>
+      <a:schemeClr val="accent5">
+        <a:tint val="40000"/>
+        <a:alpha val="90000"/>
+      </a:schemeClr>
+      <a:schemeClr val="accent6">
+        <a:tint val="40000"/>
+        <a:alpha val="90000"/>
+      </a:schemeClr>
+    </dgm:fillClrLst>
+    <dgm:linClrLst meth="repeat">
+      <a:schemeClr val="accent2">
+        <a:tint val="40000"/>
+        <a:alpha val="90000"/>
+      </a:schemeClr>
+      <a:schemeClr val="accent3">
+        <a:tint val="40000"/>
+        <a:alpha val="90000"/>
+      </a:schemeClr>
+      <a:schemeClr val="accent4">
+        <a:tint val="40000"/>
+        <a:alpha val="90000"/>
+      </a:schemeClr>
+      <a:schemeClr val="accent5">
+        <a:tint val="40000"/>
+        <a:alpha val="90000"/>
+      </a:schemeClr>
+      <a:schemeClr val="accent6">
+        <a:tint val="40000"/>
+        <a:alpha val="90000"/>
+      </a:schemeClr>
+    </dgm:linClrLst>
+    <dgm:effectClrLst/>
+    <dgm:txLinClrLst/>
+    <dgm:txFillClrLst meth="repeat">
+      <a:schemeClr val="dk1"/>
+    </dgm:txFillClrLst>
+    <dgm:txEffectClrLst/>
+  </dgm:styleLbl>
+  <dgm:styleLbl name="alignAccFollowNode1">
+    <dgm:fillClrLst meth="repeat">
+      <a:schemeClr val="accent2">
+        <a:tint val="40000"/>
+        <a:alpha val="90000"/>
+      </a:schemeClr>
+      <a:schemeClr val="accent3">
+        <a:tint val="40000"/>
+        <a:alpha val="90000"/>
+      </a:schemeClr>
+      <a:schemeClr val="accent4">
+        <a:tint val="40000"/>
+        <a:alpha val="90000"/>
+      </a:schemeClr>
+      <a:schemeClr val="accent5">
+        <a:tint val="40000"/>
+        <a:alpha val="90000"/>
+      </a:schemeClr>
+      <a:schemeClr val="accent6">
+        <a:tint val="40000"/>
+        <a:alpha val="90000"/>
+      </a:schemeClr>
+    </dgm:fillClrLst>
+    <dgm:linClrLst meth="repeat">
+      <a:schemeClr val="accent2">
+        <a:tint val="40000"/>
+        <a:alpha val="90000"/>
+      </a:schemeClr>
+      <a:schemeClr val="accent3">
+        <a:tint val="40000"/>
+        <a:alpha val="90000"/>
+      </a:schemeClr>
+      <a:schemeClr val="accent4">
+        <a:tint val="40000"/>
+        <a:alpha val="90000"/>
+      </a:schemeClr>
+      <a:schemeClr val="accent5">
+        <a:tint val="40000"/>
+        <a:alpha val="90000"/>
+      </a:schemeClr>
+      <a:schemeClr val="accent6">
+        <a:tint val="40000"/>
+        <a:alpha val="90000"/>
+      </a:schemeClr>
+    </dgm:linClrLst>
+    <dgm:effectClrLst/>
+    <dgm:txLinClrLst/>
+    <dgm:txFillClrLst meth="repeat">
+      <a:schemeClr val="dk1"/>
+    </dgm:txFillClrLst>
+    <dgm:txEffectClrLst/>
+  </dgm:styleLbl>
+  <dgm:styleLbl name="bgAccFollowNode1">
+    <dgm:fillClrLst meth="repeat">
+      <a:schemeClr val="accent2">
+        <a:tint val="40000"/>
+        <a:alpha val="90000"/>
+      </a:schemeClr>
+      <a:schemeClr val="accent3">
+        <a:tint val="40000"/>
+        <a:alpha val="90000"/>
+      </a:schemeClr>
+      <a:schemeClr val="accent4">
+        <a:tint val="40000"/>
+        <a:alpha val="90000"/>
+      </a:schemeClr>
+      <a:schemeClr val="accent5">
+        <a:tint val="40000"/>
+        <a:alpha val="90000"/>
+      </a:schemeClr>
+      <a:schemeClr val="accent6">
+        <a:tint val="40000"/>
+        <a:alpha val="90000"/>
+      </a:schemeClr>
+    </dgm:fillClrLst>
+    <dgm:linClrLst meth="repeat">
+      <a:schemeClr val="accent2">
+        <a:tint val="40000"/>
+        <a:alpha val="90000"/>
+      </a:schemeClr>
+      <a:schemeClr val="accent3">
+        <a:tint val="40000"/>
+        <a:alpha val="90000"/>
+      </a:schemeClr>
+      <a:schemeClr val="accent4">
+        <a:tint val="40000"/>
+        <a:alpha val="90000"/>
+      </a:schemeClr>
+      <a:schemeClr val="accent5">
+        <a:tint val="40000"/>
+        <a:alpha val="90000"/>
+      </a:schemeClr>
+      <a:schemeClr val="accent6">
+        <a:tint val="40000"/>
+        <a:alpha val="90000"/>
+      </a:schemeClr>
+    </dgm:linClrLst>
+    <dgm:effectClrLst/>
+    <dgm:txLinClrLst/>
+    <dgm:txFillClrLst meth="repeat">
+      <a:schemeClr val="dk1"/>
+    </dgm:txFillClrLst>
+    <dgm:txEffectClrLst/>
+  </dgm:styleLbl>
+  <dgm:styleLbl name="fgAcc0">
+    <dgm:fillClrLst meth="repeat">
+      <a:schemeClr val="lt1">
+        <a:alpha val="90000"/>
+      </a:schemeClr>
+    </dgm:fillClrLst>
+    <dgm:linClrLst>
+      <a:schemeClr val="accent1"/>
+    </dgm:linClrLst>
+    <dgm:effectClrLst/>
+    <dgm:txLinClrLst/>
+    <dgm:txFillClrLst meth="repeat">
+      <a:schemeClr val="dk1"/>
+    </dgm:txFillClrLst>
+    <dgm:txEffectClrLst/>
+  </dgm:styleLbl>
+  <dgm:styleLbl name="fgAcc2">
+    <dgm:fillClrLst meth="repeat">
+      <a:schemeClr val="lt1">
+        <a:alpha val="90000"/>
+      </a:schemeClr>
+    </dgm:fillClrLst>
+    <dgm:linClrLst>
+      <a:schemeClr val="accent2"/>
+    </dgm:linClrLst>
+    <dgm:effectClrLst/>
+    <dgm:txLinClrLst/>
+    <dgm:txFillClrLst meth="repeat">
+      <a:schemeClr val="dk1"/>
+    </dgm:txFillClrLst>
+    <dgm:txEffectClrLst/>
+  </dgm:styleLbl>
+  <dgm:styleLbl name="fgAcc3">
+    <dgm:fillClrLst meth="repeat">
+      <a:schemeClr val="lt1">
+        <a:alpha val="90000"/>
+      </a:schemeClr>
+    </dgm:fillClrLst>
+    <dgm:linClrLst>
+      <a:schemeClr val="accent3"/>
+    </dgm:linClrLst>
+    <dgm:effectClrLst/>
+    <dgm:txLinClrLst/>
+    <dgm:txFillClrLst meth="repeat">
+      <a:schemeClr val="dk1"/>
+    </dgm:txFillClrLst>
+    <dgm:txEffectClrLst/>
+  </dgm:styleLbl>
+  <dgm:styleLbl name="fgAcc4">
+    <dgm:fillClrLst meth="repeat">
+      <a:schemeClr val="lt1">
+        <a:alpha val="90000"/>
+      </a:schemeClr>
+    </dgm:fillClrLst>
+    <dgm:linClrLst>
+      <a:schemeClr val="accent4"/>
+    </dgm:linClrLst>
+    <dgm:effectClrLst/>
+    <dgm:txLinClrLst/>
+    <dgm:txFillClrLst meth="repeat">
+      <a:schemeClr val="dk1"/>
+    </dgm:txFillClrLst>
+    <dgm:txEffectClrLst/>
+  </dgm:styleLbl>
+  <dgm:styleLbl name="bgShp">
+    <dgm:fillClrLst meth="repeat">
+      <a:schemeClr val="accent2">
+        <a:tint val="40000"/>
+      </a:schemeClr>
+    </dgm:fillClrLst>
+    <dgm:linClrLst meth="repeat">
+      <a:schemeClr val="dk1"/>
+    </dgm:linClrLst>
+    <dgm:effectClrLst/>
+    <dgm:txLinClrLst/>
+    <dgm:txFillClrLst meth="repeat">
+      <a:schemeClr val="dk1"/>
+    </dgm:txFillClrLst>
+    <dgm:txEffectClrLst/>
+  </dgm:styleLbl>
+  <dgm:styleLbl name="dkBgShp">
+    <dgm:fillClrLst meth="repeat">
+      <a:schemeClr val="accent2">
+        <a:shade val="90000"/>
+      </a:schemeClr>
+    </dgm:fillClrLst>
+    <dgm:linClrLst meth="repeat">
+      <a:schemeClr val="dk1"/>
+    </dgm:linClrLst>
+    <dgm:effectClrLst/>
+    <dgm:txLinClrLst/>
+    <dgm:txFillClrLst meth="repeat">
+      <a:schemeClr val="lt1"/>
+    </dgm:txFillClrLst>
+    <dgm:txEffectClrLst/>
+  </dgm:styleLbl>
+  <dgm:styleLbl name="trBgShp">
+    <dgm:fillClrLst meth="repeat">
+      <a:schemeClr val="accent1">
+        <a:tint val="50000"/>
+        <a:alpha val="40000"/>
+      </a:schemeClr>
+    </dgm:fillClrLst>
+    <dgm:linClrLst meth="repeat">
+      <a:schemeClr val="accent2"/>
+    </dgm:linClrLst>
+    <dgm:effectClrLst/>
+    <dgm:txLinClrLst/>
+    <dgm:txFillClrLst meth="repeat">
+      <a:schemeClr val="lt1"/>
+    </dgm:txFillClrLst>
+    <dgm:txEffectClrLst/>
+  </dgm:styleLbl>
+  <dgm:styleLbl name="fgShp">
+    <dgm:fillClrLst meth="repeat">
+      <a:schemeClr val="accent2">
+        <a:tint val="40000"/>
+      </a:schemeClr>
+    </dgm:fillClrLst>
+    <dgm:linClrLst meth="repeat">
+      <a:schemeClr val="lt1"/>
+    </dgm:linClrLst>
+    <dgm:effectClrLst/>
+    <dgm:txLinClrLst/>
+    <dgm:txFillClrLst meth="repeat">
+      <a:schemeClr val="dk1"/>
+    </dgm:txFillClrLst>
+    <dgm:txEffectClrLst/>
+  </dgm:styleLbl>
+  <dgm:styleLbl name="revTx">
+    <dgm:fillClrLst meth="repeat">
+      <a:schemeClr val="lt1">
+        <a:alpha val="0"/>
+      </a:schemeClr>
+    </dgm:fillClrLst>
+    <dgm:linClrLst meth="repeat">
+      <a:schemeClr val="dk1">
+        <a:alpha val="0"/>
+      </a:schemeClr>
+    </dgm:linClrLst>
+    <dgm:effectClrLst/>
+    <dgm:txLinClrLst/>
+    <dgm:txFillClrLst meth="repeat">
+      <a:schemeClr val="tx1"/>
+    </dgm:txFillClrLst>
+    <dgm:txEffectClrLst/>
+  </dgm:styleLbl>
+</dgm:colorsDef>
+</file>
+
+<file path=ppt/diagrams/data1.xml><?xml version="1.0" encoding="utf-8"?>
+<dgm:dataModel xmlns:dgm="http://schemas.openxmlformats.org/drawingml/2006/diagram" xmlns:a="http://schemas.openxmlformats.org/drawingml/2006/main">
+  <dgm:ptLst>
+    <dgm:pt modelId="{8512C2B8-9F44-40AE-9D1B-AE6BCBF026B6}" type="doc">
+      <dgm:prSet loTypeId="urn:microsoft.com/office/officeart/2005/8/layout/cycle3" loCatId="cycle" qsTypeId="urn:microsoft.com/office/officeart/2005/8/quickstyle/3d2" qsCatId="3D" csTypeId="urn:microsoft.com/office/officeart/2005/8/colors/colorful1" csCatId="colorful" phldr="1"/>
+      <dgm:spPr/>
+      <dgm:t>
+        <a:bodyPr/>
+        <a:lstStyle/>
+        <a:p>
+          <a:endParaRPr lang="en-US"/>
+        </a:p>
+      </dgm:t>
+    </dgm:pt>
+    <dgm:pt modelId="{3134966B-2313-4697-ACF2-9B563C602460}">
+      <dgm:prSet phldrT="[Text]" custT="1"/>
+      <dgm:spPr/>
+      <dgm:t>
+        <a:bodyPr/>
+        <a:lstStyle/>
+        <a:p>
+          <a:r>
+            <a:rPr lang="en-US" sz="2400" dirty="0"/>
+            <a:t>Recognition of need</a:t>
+          </a:r>
+        </a:p>
+      </dgm:t>
+    </dgm:pt>
+    <dgm:pt modelId="{B60B7EA5-4822-486E-9AFE-3E288478D129}" type="parTrans" cxnId="{B1E7D22C-C564-4972-9EE9-AE4A72B80500}">
+      <dgm:prSet/>
+      <dgm:spPr/>
+      <dgm:t>
+        <a:bodyPr/>
+        <a:lstStyle/>
+        <a:p>
+          <a:endParaRPr lang="en-US"/>
+        </a:p>
+      </dgm:t>
+    </dgm:pt>
+    <dgm:pt modelId="{ACF8F4D5-8053-425B-A531-516D42DB7294}" type="sibTrans" cxnId="{B1E7D22C-C564-4972-9EE9-AE4A72B80500}">
+      <dgm:prSet/>
+      <dgm:spPr/>
+      <dgm:t>
+        <a:bodyPr/>
+        <a:lstStyle/>
+        <a:p>
+          <a:endParaRPr lang="en-US" sz="2400"/>
+        </a:p>
+      </dgm:t>
+    </dgm:pt>
+    <dgm:pt modelId="{2A0AC9D0-11DC-45CE-8710-8EA424065909}">
+      <dgm:prSet phldrT="[Text]" custT="1"/>
+      <dgm:spPr/>
+      <dgm:t>
+        <a:bodyPr/>
+        <a:lstStyle/>
+        <a:p>
+          <a:r>
+            <a:rPr lang="en-US" sz="2400" dirty="0"/>
+            <a:t>Feasibility study</a:t>
+          </a:r>
+        </a:p>
+      </dgm:t>
+    </dgm:pt>
+    <dgm:pt modelId="{A32CB6B2-D11A-4576-BDC0-3229E7D0A88C}" type="parTrans" cxnId="{82113501-266B-43AA-8C53-C94FF32DDB85}">
+      <dgm:prSet/>
+      <dgm:spPr/>
+      <dgm:t>
+        <a:bodyPr/>
+        <a:lstStyle/>
+        <a:p>
+          <a:endParaRPr lang="en-US"/>
+        </a:p>
+      </dgm:t>
+    </dgm:pt>
+    <dgm:pt modelId="{9629CFDE-64E3-4A7F-8F11-8F6A237864F2}" type="sibTrans" cxnId="{82113501-266B-43AA-8C53-C94FF32DDB85}">
+      <dgm:prSet/>
+      <dgm:spPr/>
+      <dgm:t>
+        <a:bodyPr/>
+        <a:lstStyle/>
+        <a:p>
+          <a:endParaRPr lang="en-US"/>
+        </a:p>
+      </dgm:t>
+    </dgm:pt>
+    <dgm:pt modelId="{856320AF-29FE-4F12-AE0D-97B26D1E86E8}">
+      <dgm:prSet phldrT="[Text]" custT="1"/>
+      <dgm:spPr/>
+      <dgm:t>
+        <a:bodyPr/>
+        <a:lstStyle/>
+        <a:p>
+          <a:r>
+            <a:rPr lang="en-US" sz="2400" dirty="0"/>
+            <a:t>Analysis</a:t>
+          </a:r>
+        </a:p>
+      </dgm:t>
+    </dgm:pt>
+    <dgm:pt modelId="{1A793ED4-F8C4-47E4-AADB-6ED1EA48C748}" type="parTrans" cxnId="{609A314A-1D2E-471C-ABE1-7746AC63A095}">
+      <dgm:prSet/>
+      <dgm:spPr/>
+      <dgm:t>
+        <a:bodyPr/>
+        <a:lstStyle/>
+        <a:p>
+          <a:endParaRPr lang="en-US"/>
+        </a:p>
+      </dgm:t>
+    </dgm:pt>
+    <dgm:pt modelId="{724468D2-A724-4325-924B-6676697FBFFA}" type="sibTrans" cxnId="{609A314A-1D2E-471C-ABE1-7746AC63A095}">
+      <dgm:prSet/>
+      <dgm:spPr/>
+      <dgm:t>
+        <a:bodyPr/>
+        <a:lstStyle/>
+        <a:p>
+          <a:endParaRPr lang="en-US"/>
+        </a:p>
+      </dgm:t>
+    </dgm:pt>
+    <dgm:pt modelId="{A163497D-A505-49E0-8ACE-3A8A0A96F9BE}">
+      <dgm:prSet phldrT="[Text]" custT="1"/>
+      <dgm:spPr/>
+      <dgm:t>
+        <a:bodyPr/>
+        <a:lstStyle/>
+        <a:p>
+          <a:r>
+            <a:rPr lang="en-US" sz="2400" dirty="0"/>
+            <a:t>Design</a:t>
+          </a:r>
+        </a:p>
+      </dgm:t>
+    </dgm:pt>
+    <dgm:pt modelId="{97497E1C-E69F-4592-87CE-70BF7E8295E8}" type="parTrans" cxnId="{1EF5AE88-C5A0-4591-AB62-E62849172102}">
+      <dgm:prSet/>
+      <dgm:spPr/>
+      <dgm:t>
+        <a:bodyPr/>
+        <a:lstStyle/>
+        <a:p>
+          <a:endParaRPr lang="en-US"/>
+        </a:p>
+      </dgm:t>
+    </dgm:pt>
+    <dgm:pt modelId="{2609FDC4-03DB-46F3-A4E4-665FAD657F0E}" type="sibTrans" cxnId="{1EF5AE88-C5A0-4591-AB62-E62849172102}">
+      <dgm:prSet/>
+      <dgm:spPr/>
+      <dgm:t>
+        <a:bodyPr/>
+        <a:lstStyle/>
+        <a:p>
+          <a:endParaRPr lang="en-US"/>
+        </a:p>
+      </dgm:t>
+    </dgm:pt>
+    <dgm:pt modelId="{71C830FE-0FDB-43C4-84F6-772183C424F0}">
+      <dgm:prSet phldrT="[Text]" custT="1"/>
+      <dgm:spPr/>
+      <dgm:t>
+        <a:bodyPr/>
+        <a:lstStyle/>
+        <a:p>
+          <a:r>
+            <a:rPr lang="en-US" sz="2400" dirty="0"/>
+            <a:t>Implementation</a:t>
+          </a:r>
+        </a:p>
+      </dgm:t>
+    </dgm:pt>
+    <dgm:pt modelId="{37FB61BA-09DA-4DE7-93AE-D35A465930C2}" type="parTrans" cxnId="{533809EE-9346-41A2-8B43-D0D9639662AE}">
+      <dgm:prSet/>
+      <dgm:spPr/>
+      <dgm:t>
+        <a:bodyPr/>
+        <a:lstStyle/>
+        <a:p>
+          <a:endParaRPr lang="en-US"/>
+        </a:p>
+      </dgm:t>
+    </dgm:pt>
+    <dgm:pt modelId="{F3AFEEC3-2719-4D47-BB85-44B76AA96D02}" type="sibTrans" cxnId="{533809EE-9346-41A2-8B43-D0D9639662AE}">
+      <dgm:prSet/>
+      <dgm:spPr/>
+      <dgm:t>
+        <a:bodyPr/>
+        <a:lstStyle/>
+        <a:p>
+          <a:endParaRPr lang="en-US"/>
+        </a:p>
+      </dgm:t>
+    </dgm:pt>
+    <dgm:pt modelId="{9CD2589F-AAC4-4125-BE8A-7690CA2A0D59}">
+      <dgm:prSet phldrT="[Text]" custT="1"/>
+      <dgm:spPr/>
+      <dgm:t>
+        <a:bodyPr/>
+        <a:lstStyle/>
+        <a:p>
+          <a:r>
+            <a:rPr lang="en-US" sz="2400" dirty="0"/>
+            <a:t>Post Implementation</a:t>
+          </a:r>
+        </a:p>
+      </dgm:t>
+    </dgm:pt>
+    <dgm:pt modelId="{A00562E0-6A49-4010-97A9-245C11A66A29}" type="parTrans" cxnId="{19B28AE8-40FB-42D0-AC2C-D49C113D5999}">
+      <dgm:prSet/>
+      <dgm:spPr/>
+      <dgm:t>
+        <a:bodyPr/>
+        <a:lstStyle/>
+        <a:p>
+          <a:endParaRPr lang="en-US"/>
+        </a:p>
+      </dgm:t>
+    </dgm:pt>
+    <dgm:pt modelId="{7E4ABA2F-5119-4777-8A6E-48A52537254E}" type="sibTrans" cxnId="{19B28AE8-40FB-42D0-AC2C-D49C113D5999}">
+      <dgm:prSet/>
+      <dgm:spPr/>
+      <dgm:t>
+        <a:bodyPr/>
+        <a:lstStyle/>
+        <a:p>
+          <a:endParaRPr lang="en-US"/>
+        </a:p>
+      </dgm:t>
+    </dgm:pt>
+    <dgm:pt modelId="{6A83EB2A-D233-45C5-9619-F0D6C6D69778}" type="pres">
+      <dgm:prSet presAssocID="{8512C2B8-9F44-40AE-9D1B-AE6BCBF026B6}" presName="Name0" presStyleCnt="0">
+        <dgm:presLayoutVars>
+          <dgm:dir/>
+          <dgm:resizeHandles val="exact"/>
+        </dgm:presLayoutVars>
+      </dgm:prSet>
+      <dgm:spPr/>
+    </dgm:pt>
+    <dgm:pt modelId="{7F0E2D12-6C78-4768-800A-B0032E77F56B}" type="pres">
+      <dgm:prSet presAssocID="{8512C2B8-9F44-40AE-9D1B-AE6BCBF026B6}" presName="cycle" presStyleCnt="0"/>
+      <dgm:spPr/>
+    </dgm:pt>
+    <dgm:pt modelId="{90189DB6-6AE3-4F65-B7B2-55857BAB9446}" type="pres">
+      <dgm:prSet presAssocID="{3134966B-2313-4697-ACF2-9B563C602460}" presName="nodeFirstNode" presStyleLbl="node1" presStyleIdx="0" presStyleCnt="6">
+        <dgm:presLayoutVars>
+          <dgm:bulletEnabled val="1"/>
+        </dgm:presLayoutVars>
+      </dgm:prSet>
+      <dgm:spPr/>
+    </dgm:pt>
+    <dgm:pt modelId="{00816E22-3EF7-4EBC-89B9-08A2EF9DBF89}" type="pres">
+      <dgm:prSet presAssocID="{ACF8F4D5-8053-425B-A531-516D42DB7294}" presName="sibTransFirstNode" presStyleLbl="bgShp" presStyleIdx="0" presStyleCnt="1"/>
+      <dgm:spPr/>
+    </dgm:pt>
+    <dgm:pt modelId="{7A79E636-8487-4403-A0F6-6734601E9369}" type="pres">
+      <dgm:prSet presAssocID="{2A0AC9D0-11DC-45CE-8710-8EA424065909}" presName="nodeFollowingNodes" presStyleLbl="node1" presStyleIdx="1" presStyleCnt="6" custRadScaleRad="96188" custRadScaleInc="-1232">
+        <dgm:presLayoutVars>
+          <dgm:bulletEnabled val="1"/>
+        </dgm:presLayoutVars>
+      </dgm:prSet>
+      <dgm:spPr/>
+    </dgm:pt>
+    <dgm:pt modelId="{0D7DE818-5C9D-48C9-85D9-7306AC6B3E80}" type="pres">
+      <dgm:prSet presAssocID="{856320AF-29FE-4F12-AE0D-97B26D1E86E8}" presName="nodeFollowingNodes" presStyleLbl="node1" presStyleIdx="2" presStyleCnt="6">
+        <dgm:presLayoutVars>
+          <dgm:bulletEnabled val="1"/>
+        </dgm:presLayoutVars>
+      </dgm:prSet>
+      <dgm:spPr/>
+    </dgm:pt>
+    <dgm:pt modelId="{85C8FFF2-A3AB-4316-813A-30DEB5E6C2A9}" type="pres">
+      <dgm:prSet presAssocID="{A163497D-A505-49E0-8ACE-3A8A0A96F9BE}" presName="nodeFollowingNodes" presStyleLbl="node1" presStyleIdx="3" presStyleCnt="6">
+        <dgm:presLayoutVars>
+          <dgm:bulletEnabled val="1"/>
+        </dgm:presLayoutVars>
+      </dgm:prSet>
+      <dgm:spPr/>
+    </dgm:pt>
+    <dgm:pt modelId="{6493A10C-7A05-4A44-90C5-E1D2BF98DCD6}" type="pres">
+      <dgm:prSet presAssocID="{71C830FE-0FDB-43C4-84F6-772183C424F0}" presName="nodeFollowingNodes" presStyleLbl="node1" presStyleIdx="4" presStyleCnt="6">
+        <dgm:presLayoutVars>
+          <dgm:bulletEnabled val="1"/>
+        </dgm:presLayoutVars>
+      </dgm:prSet>
+      <dgm:spPr/>
+    </dgm:pt>
+    <dgm:pt modelId="{88A1A162-4EC6-4E00-BD0C-1243C3517A53}" type="pres">
+      <dgm:prSet presAssocID="{9CD2589F-AAC4-4125-BE8A-7690CA2A0D59}" presName="nodeFollowingNodes" presStyleLbl="node1" presStyleIdx="5" presStyleCnt="6">
+        <dgm:presLayoutVars>
+          <dgm:bulletEnabled val="1"/>
+        </dgm:presLayoutVars>
+      </dgm:prSet>
+      <dgm:spPr/>
+    </dgm:pt>
+  </dgm:ptLst>
+  <dgm:cxnLst>
+    <dgm:cxn modelId="{82113501-266B-43AA-8C53-C94FF32DDB85}" srcId="{8512C2B8-9F44-40AE-9D1B-AE6BCBF026B6}" destId="{2A0AC9D0-11DC-45CE-8710-8EA424065909}" srcOrd="1" destOrd="0" parTransId="{A32CB6B2-D11A-4576-BDC0-3229E7D0A88C}" sibTransId="{9629CFDE-64E3-4A7F-8F11-8F6A237864F2}"/>
+    <dgm:cxn modelId="{B1E7D22C-C564-4972-9EE9-AE4A72B80500}" srcId="{8512C2B8-9F44-40AE-9D1B-AE6BCBF026B6}" destId="{3134966B-2313-4697-ACF2-9B563C602460}" srcOrd="0" destOrd="0" parTransId="{B60B7EA5-4822-486E-9AFE-3E288478D129}" sibTransId="{ACF8F4D5-8053-425B-A531-516D42DB7294}"/>
+    <dgm:cxn modelId="{25FF663C-FC08-4E4D-9A36-69F85537D1A9}" type="presOf" srcId="{A163497D-A505-49E0-8ACE-3A8A0A96F9BE}" destId="{85C8FFF2-A3AB-4316-813A-30DEB5E6C2A9}" srcOrd="0" destOrd="0" presId="urn:microsoft.com/office/officeart/2005/8/layout/cycle3"/>
+    <dgm:cxn modelId="{D9E56163-86A3-44C0-BCE4-200DB82EF786}" type="presOf" srcId="{ACF8F4D5-8053-425B-A531-516D42DB7294}" destId="{00816E22-3EF7-4EBC-89B9-08A2EF9DBF89}" srcOrd="0" destOrd="0" presId="urn:microsoft.com/office/officeart/2005/8/layout/cycle3"/>
+    <dgm:cxn modelId="{609A314A-1D2E-471C-ABE1-7746AC63A095}" srcId="{8512C2B8-9F44-40AE-9D1B-AE6BCBF026B6}" destId="{856320AF-29FE-4F12-AE0D-97B26D1E86E8}" srcOrd="2" destOrd="0" parTransId="{1A793ED4-F8C4-47E4-AADB-6ED1EA48C748}" sibTransId="{724468D2-A724-4325-924B-6676697FBFFA}"/>
+    <dgm:cxn modelId="{1EF5AE88-C5A0-4591-AB62-E62849172102}" srcId="{8512C2B8-9F44-40AE-9D1B-AE6BCBF026B6}" destId="{A163497D-A505-49E0-8ACE-3A8A0A96F9BE}" srcOrd="3" destOrd="0" parTransId="{97497E1C-E69F-4592-87CE-70BF7E8295E8}" sibTransId="{2609FDC4-03DB-46F3-A4E4-665FAD657F0E}"/>
+    <dgm:cxn modelId="{6E1CD38B-0A2F-4B33-923D-A4E15FCC29D5}" type="presOf" srcId="{856320AF-29FE-4F12-AE0D-97B26D1E86E8}" destId="{0D7DE818-5C9D-48C9-85D9-7306AC6B3E80}" srcOrd="0" destOrd="0" presId="urn:microsoft.com/office/officeart/2005/8/layout/cycle3"/>
+    <dgm:cxn modelId="{32D0A1BD-7558-4C5F-B6E8-98ADCD0F818C}" type="presOf" srcId="{9CD2589F-AAC4-4125-BE8A-7690CA2A0D59}" destId="{88A1A162-4EC6-4E00-BD0C-1243C3517A53}" srcOrd="0" destOrd="0" presId="urn:microsoft.com/office/officeart/2005/8/layout/cycle3"/>
+    <dgm:cxn modelId="{6D43F1D3-F7B9-492B-A055-58B5B84D2EB3}" type="presOf" srcId="{8512C2B8-9F44-40AE-9D1B-AE6BCBF026B6}" destId="{6A83EB2A-D233-45C5-9619-F0D6C6D69778}" srcOrd="0" destOrd="0" presId="urn:microsoft.com/office/officeart/2005/8/layout/cycle3"/>
+    <dgm:cxn modelId="{580040D5-DAC1-4A1A-AFF4-37030BF486FD}" type="presOf" srcId="{2A0AC9D0-11DC-45CE-8710-8EA424065909}" destId="{7A79E636-8487-4403-A0F6-6734601E9369}" srcOrd="0" destOrd="0" presId="urn:microsoft.com/office/officeart/2005/8/layout/cycle3"/>
+    <dgm:cxn modelId="{5A1340DB-3EB5-4FA5-94CB-508381F6A1C0}" type="presOf" srcId="{71C830FE-0FDB-43C4-84F6-772183C424F0}" destId="{6493A10C-7A05-4A44-90C5-E1D2BF98DCD6}" srcOrd="0" destOrd="0" presId="urn:microsoft.com/office/officeart/2005/8/layout/cycle3"/>
+    <dgm:cxn modelId="{03019FE5-5C52-4A7B-9FD1-0C6B15E67B97}" type="presOf" srcId="{3134966B-2313-4697-ACF2-9B563C602460}" destId="{90189DB6-6AE3-4F65-B7B2-55857BAB9446}" srcOrd="0" destOrd="0" presId="urn:microsoft.com/office/officeart/2005/8/layout/cycle3"/>
+    <dgm:cxn modelId="{19B28AE8-40FB-42D0-AC2C-D49C113D5999}" srcId="{8512C2B8-9F44-40AE-9D1B-AE6BCBF026B6}" destId="{9CD2589F-AAC4-4125-BE8A-7690CA2A0D59}" srcOrd="5" destOrd="0" parTransId="{A00562E0-6A49-4010-97A9-245C11A66A29}" sibTransId="{7E4ABA2F-5119-4777-8A6E-48A52537254E}"/>
+    <dgm:cxn modelId="{533809EE-9346-41A2-8B43-D0D9639662AE}" srcId="{8512C2B8-9F44-40AE-9D1B-AE6BCBF026B6}" destId="{71C830FE-0FDB-43C4-84F6-772183C424F0}" srcOrd="4" destOrd="0" parTransId="{37FB61BA-09DA-4DE7-93AE-D35A465930C2}" sibTransId="{F3AFEEC3-2719-4D47-BB85-44B76AA96D02}"/>
+    <dgm:cxn modelId="{0A6BE835-B445-4F90-BDEA-03935245D757}" type="presParOf" srcId="{6A83EB2A-D233-45C5-9619-F0D6C6D69778}" destId="{7F0E2D12-6C78-4768-800A-B0032E77F56B}" srcOrd="0" destOrd="0" presId="urn:microsoft.com/office/officeart/2005/8/layout/cycle3"/>
+    <dgm:cxn modelId="{B6B77B0A-6039-4168-B3E7-D304CA8F4BB6}" type="presParOf" srcId="{7F0E2D12-6C78-4768-800A-B0032E77F56B}" destId="{90189DB6-6AE3-4F65-B7B2-55857BAB9446}" srcOrd="0" destOrd="0" presId="urn:microsoft.com/office/officeart/2005/8/layout/cycle3"/>
+    <dgm:cxn modelId="{A73C45E5-7F8A-4D3F-AC15-8E680C62CFB9}" type="presParOf" srcId="{7F0E2D12-6C78-4768-800A-B0032E77F56B}" destId="{00816E22-3EF7-4EBC-89B9-08A2EF9DBF89}" srcOrd="1" destOrd="0" presId="urn:microsoft.com/office/officeart/2005/8/layout/cycle3"/>
+    <dgm:cxn modelId="{B2F21C43-F496-4317-AF72-D8E8985D10B0}" type="presParOf" srcId="{7F0E2D12-6C78-4768-800A-B0032E77F56B}" destId="{7A79E636-8487-4403-A0F6-6734601E9369}" srcOrd="2" destOrd="0" presId="urn:microsoft.com/office/officeart/2005/8/layout/cycle3"/>
+    <dgm:cxn modelId="{E5626EEB-0AA5-49EB-958F-AF12A78AF07D}" type="presParOf" srcId="{7F0E2D12-6C78-4768-800A-B0032E77F56B}" destId="{0D7DE818-5C9D-48C9-85D9-7306AC6B3E80}" srcOrd="3" destOrd="0" presId="urn:microsoft.com/office/officeart/2005/8/layout/cycle3"/>
+    <dgm:cxn modelId="{F01A7D87-7BDC-46C6-8040-A09C3659AA3B}" type="presParOf" srcId="{7F0E2D12-6C78-4768-800A-B0032E77F56B}" destId="{85C8FFF2-A3AB-4316-813A-30DEB5E6C2A9}" srcOrd="4" destOrd="0" presId="urn:microsoft.com/office/officeart/2005/8/layout/cycle3"/>
+    <dgm:cxn modelId="{3D68C892-3FF1-4610-B468-319C626FA8A1}" type="presParOf" srcId="{7F0E2D12-6C78-4768-800A-B0032E77F56B}" destId="{6493A10C-7A05-4A44-90C5-E1D2BF98DCD6}" srcOrd="5" destOrd="0" presId="urn:microsoft.com/office/officeart/2005/8/layout/cycle3"/>
+    <dgm:cxn modelId="{5F83F949-9DFA-4AB6-A793-F78C2371EC38}" type="presParOf" srcId="{7F0E2D12-6C78-4768-800A-B0032E77F56B}" destId="{88A1A162-4EC6-4E00-BD0C-1243C3517A53}" srcOrd="6" destOrd="0" presId="urn:microsoft.com/office/officeart/2005/8/layout/cycle3"/>
+  </dgm:cxnLst>
+  <dgm:bg/>
+  <dgm:whole/>
+  <dgm:extLst>
+    <a:ext uri="http://schemas.microsoft.com/office/drawing/2008/diagram">
+      <dsp:dataModelExt xmlns:dsp="http://schemas.microsoft.com/office/drawing/2008/diagram" relId="rId6" minVer="http://schemas.openxmlformats.org/drawingml/2006/diagram"/>
+    </a:ext>
+  </dgm:extLst>
+</dgm:dataModel>
+</file>
+
+<file path=ppt/diagrams/drawing1.xml><?xml version="1.0" encoding="utf-8"?>
+<dsp:drawing xmlns:dgm="http://schemas.openxmlformats.org/drawingml/2006/diagram" xmlns:dsp="http://schemas.microsoft.com/office/drawing/2008/diagram" xmlns:a="http://schemas.openxmlformats.org/drawingml/2006/main">
+  <dsp:spTree>
+    <dsp:nvGrpSpPr>
+      <dsp:cNvPr id="0" name=""/>
+      <dsp:cNvGrpSpPr/>
+    </dsp:nvGrpSpPr>
+    <dsp:grpSpPr/>
+    <dsp:sp modelId="{00816E22-3EF7-4EBC-89B9-08A2EF9DBF89}">
+      <dsp:nvSpPr>
+        <dsp:cNvPr id="0" name=""/>
+        <dsp:cNvSpPr/>
+      </dsp:nvSpPr>
+      <dsp:spPr>
+        <a:xfrm>
+          <a:off x="2497620" y="-3919"/>
+          <a:ext cx="4773788" cy="4773788"/>
+        </a:xfrm>
+        <a:prstGeom prst="circularArrow">
+          <a:avLst>
+            <a:gd name="adj1" fmla="val 5274"/>
+            <a:gd name="adj2" fmla="val 312630"/>
+            <a:gd name="adj3" fmla="val 14211841"/>
+            <a:gd name="adj4" fmla="val 17136557"/>
+            <a:gd name="adj5" fmla="val 5477"/>
+          </a:avLst>
+        </a:prstGeom>
+        <a:gradFill rotWithShape="0">
+          <a:gsLst>
+            <a:gs pos="0">
+              <a:schemeClr val="accent2">
+                <a:tint val="40000"/>
+                <a:hueOff val="0"/>
+                <a:satOff val="0"/>
+                <a:lumOff val="0"/>
+                <a:alphaOff val="0"/>
+                <a:tint val="94000"/>
+                <a:satMod val="105000"/>
+                <a:lumMod val="102000"/>
+              </a:schemeClr>
+            </a:gs>
+            <a:gs pos="100000">
+              <a:schemeClr val="accent2">
+                <a:tint val="40000"/>
+                <a:hueOff val="0"/>
+                <a:satOff val="0"/>
+                <a:lumOff val="0"/>
+                <a:alphaOff val="0"/>
+                <a:shade val="74000"/>
+                <a:satMod val="128000"/>
+                <a:lumMod val="100000"/>
+              </a:schemeClr>
+            </a:gs>
+          </a:gsLst>
+          <a:lin ang="5400000" scaled="0"/>
+        </a:gradFill>
+        <a:ln>
+          <a:noFill/>
+        </a:ln>
+        <a:effectLst/>
+        <a:scene3d>
+          <a:camera prst="orthographicFront"/>
+          <a:lightRig rig="threePt" dir="t">
+            <a:rot lat="0" lon="0" rev="7500000"/>
+          </a:lightRig>
+        </a:scene3d>
+        <a:sp3d z="-152400" extrusionH="63500" prstMaterial="matte">
+          <a:bevelT w="144450" h="6350" prst="relaxedInset"/>
+          <a:contourClr>
+            <a:schemeClr val="bg1"/>
+          </a:contourClr>
+        </a:sp3d>
+      </dsp:spPr>
+      <dsp:style>
+        <a:lnRef idx="0">
+          <a:scrgbClr r="0" g="0" b="0"/>
+        </a:lnRef>
+        <a:fillRef idx="3">
+          <a:scrgbClr r="0" g="0" b="0"/>
+        </a:fillRef>
+        <a:effectRef idx="0">
+          <a:scrgbClr r="0" g="0" b="0"/>
+        </a:effectRef>
+        <a:fontRef idx="minor"/>
+      </dsp:style>
+    </dsp:sp>
+    <dsp:sp modelId="{90189DB6-6AE3-4F65-B7B2-55857BAB9446}">
+      <dsp:nvSpPr>
+        <dsp:cNvPr id="0" name=""/>
+        <dsp:cNvSpPr/>
+      </dsp:nvSpPr>
+      <dsp:spPr>
+        <a:xfrm>
+          <a:off x="3968668" y="1678"/>
+          <a:ext cx="1831692" cy="915846"/>
+        </a:xfrm>
+        <a:prstGeom prst="roundRect">
+          <a:avLst/>
+        </a:prstGeom>
+        <a:gradFill rotWithShape="0">
+          <a:gsLst>
+            <a:gs pos="0">
+              <a:schemeClr val="accent2">
+                <a:hueOff val="0"/>
+                <a:satOff val="0"/>
+                <a:lumOff val="0"/>
+                <a:alphaOff val="0"/>
+                <a:tint val="94000"/>
+                <a:satMod val="105000"/>
+                <a:lumMod val="102000"/>
+              </a:schemeClr>
+            </a:gs>
+            <a:gs pos="100000">
+              <a:schemeClr val="accent2">
+                <a:hueOff val="0"/>
+                <a:satOff val="0"/>
+                <a:lumOff val="0"/>
+                <a:alphaOff val="0"/>
+                <a:shade val="74000"/>
+                <a:satMod val="128000"/>
+                <a:lumMod val="100000"/>
+              </a:schemeClr>
+            </a:gs>
+          </a:gsLst>
+          <a:lin ang="5400000" scaled="0"/>
+        </a:gradFill>
+        <a:ln>
+          <a:noFill/>
+        </a:ln>
+        <a:effectLst/>
+        <a:scene3d>
+          <a:camera prst="orthographicFront"/>
+          <a:lightRig rig="threePt" dir="t">
+            <a:rot lat="0" lon="0" rev="7500000"/>
+          </a:lightRig>
+        </a:scene3d>
+        <a:sp3d prstMaterial="plastic">
+          <a:bevelT w="127000" h="25400" prst="relaxedInset"/>
+        </a:sp3d>
+      </dsp:spPr>
+      <dsp:style>
+        <a:lnRef idx="0">
+          <a:scrgbClr r="0" g="0" b="0"/>
+        </a:lnRef>
+        <a:fillRef idx="3">
+          <a:scrgbClr r="0" g="0" b="0"/>
+        </a:fillRef>
+        <a:effectRef idx="2">
+          <a:scrgbClr r="0" g="0" b="0"/>
+        </a:effectRef>
+        <a:fontRef idx="minor">
+          <a:schemeClr val="lt1"/>
+        </a:fontRef>
+      </dsp:style>
+      <dsp:txBody>
+        <a:bodyPr spcFirstLastPara="0" vert="horz" wrap="square" lIns="91440" tIns="91440" rIns="91440" bIns="91440" numCol="1" spcCol="1270" anchor="ctr" anchorCtr="0">
+          <a:noAutofit/>
+        </a:bodyPr>
+        <a:lstStyle/>
+        <a:p>
+          <a:pPr marL="0" lvl="0" indent="0" algn="ctr" defTabSz="1066800">
+            <a:lnSpc>
+              <a:spcPct val="90000"/>
+            </a:lnSpc>
+            <a:spcBef>
+              <a:spcPct val="0"/>
+            </a:spcBef>
+            <a:spcAft>
+              <a:spcPct val="35000"/>
+            </a:spcAft>
+            <a:buNone/>
+          </a:pPr>
+          <a:r>
+            <a:rPr lang="en-US" sz="2400" kern="1200" dirty="0"/>
+            <a:t>Recognition of need</a:t>
+          </a:r>
+        </a:p>
+      </dsp:txBody>
+      <dsp:txXfrm>
+        <a:off x="4013376" y="46386"/>
+        <a:ext cx="1742276" cy="826430"/>
+      </dsp:txXfrm>
+    </dsp:sp>
+    <dsp:sp modelId="{7A79E636-8487-4403-A0F6-6734601E9369}">
+      <dsp:nvSpPr>
+        <dsp:cNvPr id="0" name=""/>
+        <dsp:cNvSpPr/>
+      </dsp:nvSpPr>
+      <dsp:spPr>
+        <a:xfrm>
+          <a:off x="5571505" y="989122"/>
+          <a:ext cx="1831692" cy="915846"/>
+        </a:xfrm>
+        <a:prstGeom prst="roundRect">
+          <a:avLst/>
+        </a:prstGeom>
+        <a:gradFill rotWithShape="0">
+          <a:gsLst>
+            <a:gs pos="0">
+              <a:schemeClr val="accent3">
+                <a:hueOff val="0"/>
+                <a:satOff val="0"/>
+                <a:lumOff val="0"/>
+                <a:alphaOff val="0"/>
+                <a:tint val="94000"/>
+                <a:satMod val="105000"/>
+                <a:lumMod val="102000"/>
+              </a:schemeClr>
+            </a:gs>
+            <a:gs pos="100000">
+              <a:schemeClr val="accent3">
+                <a:hueOff val="0"/>
+                <a:satOff val="0"/>
+                <a:lumOff val="0"/>
+                <a:alphaOff val="0"/>
+                <a:shade val="74000"/>
+                <a:satMod val="128000"/>
+                <a:lumMod val="100000"/>
+              </a:schemeClr>
+            </a:gs>
+          </a:gsLst>
+          <a:lin ang="5400000" scaled="0"/>
+        </a:gradFill>
+        <a:ln>
+          <a:noFill/>
+        </a:ln>
+        <a:effectLst/>
+        <a:scene3d>
+          <a:camera prst="orthographicFront"/>
+          <a:lightRig rig="threePt" dir="t">
+            <a:rot lat="0" lon="0" rev="7500000"/>
+          </a:lightRig>
+        </a:scene3d>
+        <a:sp3d prstMaterial="plastic">
+          <a:bevelT w="127000" h="25400" prst="relaxedInset"/>
+        </a:sp3d>
+      </dsp:spPr>
+      <dsp:style>
+        <a:lnRef idx="0">
+          <a:scrgbClr r="0" g="0" b="0"/>
+        </a:lnRef>
+        <a:fillRef idx="3">
+          <a:scrgbClr r="0" g="0" b="0"/>
+        </a:fillRef>
+        <a:effectRef idx="2">
+          <a:scrgbClr r="0" g="0" b="0"/>
+        </a:effectRef>
+        <a:fontRef idx="minor">
+          <a:schemeClr val="lt1"/>
+        </a:fontRef>
+      </dsp:style>
+      <dsp:txBody>
+        <a:bodyPr spcFirstLastPara="0" vert="horz" wrap="square" lIns="91440" tIns="91440" rIns="91440" bIns="91440" numCol="1" spcCol="1270" anchor="ctr" anchorCtr="0">
+          <a:noAutofit/>
+        </a:bodyPr>
+        <a:lstStyle/>
+        <a:p>
+          <a:pPr marL="0" lvl="0" indent="0" algn="ctr" defTabSz="1066800">
+            <a:lnSpc>
+              <a:spcPct val="90000"/>
+            </a:lnSpc>
+            <a:spcBef>
+              <a:spcPct val="0"/>
+            </a:spcBef>
+            <a:spcAft>
+              <a:spcPct val="35000"/>
+            </a:spcAft>
+            <a:buNone/>
+          </a:pPr>
+          <a:r>
+            <a:rPr lang="en-US" sz="2400" kern="1200" dirty="0"/>
+            <a:t>Feasibility study</a:t>
+          </a:r>
+        </a:p>
+      </dsp:txBody>
+      <dsp:txXfrm>
+        <a:off x="5616213" y="1033830"/>
+        <a:ext cx="1742276" cy="826430"/>
+      </dsp:txXfrm>
+    </dsp:sp>
+    <dsp:sp modelId="{0D7DE818-5C9D-48C9-85D9-7306AC6B3E80}">
+      <dsp:nvSpPr>
+        <dsp:cNvPr id="0" name=""/>
+        <dsp:cNvSpPr/>
+      </dsp:nvSpPr>
+      <dsp:spPr>
+        <a:xfrm>
+          <a:off x="5645837" y="2906620"/>
+          <a:ext cx="1831692" cy="915846"/>
+        </a:xfrm>
+        <a:prstGeom prst="roundRect">
+          <a:avLst/>
+        </a:prstGeom>
+        <a:gradFill rotWithShape="0">
+          <a:gsLst>
+            <a:gs pos="0">
+              <a:schemeClr val="accent4">
+                <a:hueOff val="0"/>
+                <a:satOff val="0"/>
+                <a:lumOff val="0"/>
+                <a:alphaOff val="0"/>
+                <a:tint val="94000"/>
+                <a:satMod val="105000"/>
+                <a:lumMod val="102000"/>
+              </a:schemeClr>
+            </a:gs>
+            <a:gs pos="100000">
+              <a:schemeClr val="accent4">
+                <a:hueOff val="0"/>
+                <a:satOff val="0"/>
+                <a:lumOff val="0"/>
+                <a:alphaOff val="0"/>
+                <a:shade val="74000"/>
+                <a:satMod val="128000"/>
+                <a:lumMod val="100000"/>
+              </a:schemeClr>
+            </a:gs>
+          </a:gsLst>
+          <a:lin ang="5400000" scaled="0"/>
+        </a:gradFill>
+        <a:ln>
+          <a:noFill/>
+        </a:ln>
+        <a:effectLst/>
+        <a:scene3d>
+          <a:camera prst="orthographicFront"/>
+          <a:lightRig rig="threePt" dir="t">
+            <a:rot lat="0" lon="0" rev="7500000"/>
+          </a:lightRig>
+        </a:scene3d>
+        <a:sp3d prstMaterial="plastic">
+          <a:bevelT w="127000" h="25400" prst="relaxedInset"/>
+        </a:sp3d>
+      </dsp:spPr>
+      <dsp:style>
+        <a:lnRef idx="0">
+          <a:scrgbClr r="0" g="0" b="0"/>
+        </a:lnRef>
+        <a:fillRef idx="3">
+          <a:scrgbClr r="0" g="0" b="0"/>
+        </a:fillRef>
+        <a:effectRef idx="2">
+          <a:scrgbClr r="0" g="0" b="0"/>
+        </a:effectRef>
+        <a:fontRef idx="minor">
+          <a:schemeClr val="lt1"/>
+        </a:fontRef>
+      </dsp:style>
+      <dsp:txBody>
+        <a:bodyPr spcFirstLastPara="0" vert="horz" wrap="square" lIns="91440" tIns="91440" rIns="91440" bIns="91440" numCol="1" spcCol="1270" anchor="ctr" anchorCtr="0">
+          <a:noAutofit/>
+        </a:bodyPr>
+        <a:lstStyle/>
+        <a:p>
+          <a:pPr marL="0" lvl="0" indent="0" algn="ctr" defTabSz="1066800">
+            <a:lnSpc>
+              <a:spcPct val="90000"/>
+            </a:lnSpc>
+            <a:spcBef>
+              <a:spcPct val="0"/>
+            </a:spcBef>
+            <a:spcAft>
+              <a:spcPct val="35000"/>
+            </a:spcAft>
+            <a:buNone/>
+          </a:pPr>
+          <a:r>
+            <a:rPr lang="en-US" sz="2400" kern="1200" dirty="0"/>
+            <a:t>Analysis</a:t>
+          </a:r>
+        </a:p>
+      </dsp:txBody>
+      <dsp:txXfrm>
+        <a:off x="5690545" y="2951328"/>
+        <a:ext cx="1742276" cy="826430"/>
+      </dsp:txXfrm>
+    </dsp:sp>
+    <dsp:sp modelId="{85C8FFF2-A3AB-4316-813A-30DEB5E6C2A9}">
+      <dsp:nvSpPr>
+        <dsp:cNvPr id="0" name=""/>
+        <dsp:cNvSpPr/>
+      </dsp:nvSpPr>
+      <dsp:spPr>
+        <a:xfrm>
+          <a:off x="3968668" y="3874934"/>
+          <a:ext cx="1831692" cy="915846"/>
+        </a:xfrm>
+        <a:prstGeom prst="roundRect">
+          <a:avLst/>
+        </a:prstGeom>
+        <a:gradFill rotWithShape="0">
+          <a:gsLst>
+            <a:gs pos="0">
+              <a:schemeClr val="accent5">
+                <a:hueOff val="0"/>
+                <a:satOff val="0"/>
+                <a:lumOff val="0"/>
+                <a:alphaOff val="0"/>
+                <a:tint val="94000"/>
+                <a:satMod val="105000"/>
+                <a:lumMod val="102000"/>
+              </a:schemeClr>
+            </a:gs>
+            <a:gs pos="100000">
+              <a:schemeClr val="accent5">
+                <a:hueOff val="0"/>
+                <a:satOff val="0"/>
+                <a:lumOff val="0"/>
+                <a:alphaOff val="0"/>
+                <a:shade val="74000"/>
+                <a:satMod val="128000"/>
+                <a:lumMod val="100000"/>
+              </a:schemeClr>
+            </a:gs>
+          </a:gsLst>
+          <a:lin ang="5400000" scaled="0"/>
+        </a:gradFill>
+        <a:ln>
+          <a:noFill/>
+        </a:ln>
+        <a:effectLst/>
+        <a:scene3d>
+          <a:camera prst="orthographicFront"/>
+          <a:lightRig rig="threePt" dir="t">
+            <a:rot lat="0" lon="0" rev="7500000"/>
+          </a:lightRig>
+        </a:scene3d>
+        <a:sp3d prstMaterial="plastic">
+          <a:bevelT w="127000" h="25400" prst="relaxedInset"/>
+        </a:sp3d>
+      </dsp:spPr>
+      <dsp:style>
+        <a:lnRef idx="0">
+          <a:scrgbClr r="0" g="0" b="0"/>
+        </a:lnRef>
+        <a:fillRef idx="3">
+          <a:scrgbClr r="0" g="0" b="0"/>
+        </a:fillRef>
+        <a:effectRef idx="2">
+          <a:scrgbClr r="0" g="0" b="0"/>
+        </a:effectRef>
+        <a:fontRef idx="minor">
+          <a:schemeClr val="lt1"/>
+        </a:fontRef>
+      </dsp:style>
+      <dsp:txBody>
+        <a:bodyPr spcFirstLastPara="0" vert="horz" wrap="square" lIns="91440" tIns="91440" rIns="91440" bIns="91440" numCol="1" spcCol="1270" anchor="ctr" anchorCtr="0">
+          <a:noAutofit/>
+        </a:bodyPr>
+        <a:lstStyle/>
+        <a:p>
+          <a:pPr marL="0" lvl="0" indent="0" algn="ctr" defTabSz="1066800">
+            <a:lnSpc>
+              <a:spcPct val="90000"/>
+            </a:lnSpc>
+            <a:spcBef>
+              <a:spcPct val="0"/>
+            </a:spcBef>
+            <a:spcAft>
+              <a:spcPct val="35000"/>
+            </a:spcAft>
+            <a:buNone/>
+          </a:pPr>
+          <a:r>
+            <a:rPr lang="en-US" sz="2400" kern="1200" dirty="0"/>
+            <a:t>Design</a:t>
+          </a:r>
+        </a:p>
+      </dsp:txBody>
+      <dsp:txXfrm>
+        <a:off x="4013376" y="3919642"/>
+        <a:ext cx="1742276" cy="826430"/>
+      </dsp:txXfrm>
+    </dsp:sp>
+    <dsp:sp modelId="{6493A10C-7A05-4A44-90C5-E1D2BF98DCD6}">
+      <dsp:nvSpPr>
+        <dsp:cNvPr id="0" name=""/>
+        <dsp:cNvSpPr/>
+      </dsp:nvSpPr>
+      <dsp:spPr>
+        <a:xfrm>
+          <a:off x="2291498" y="2906620"/>
+          <a:ext cx="1831692" cy="915846"/>
+        </a:xfrm>
+        <a:prstGeom prst="roundRect">
+          <a:avLst/>
+        </a:prstGeom>
+        <a:gradFill rotWithShape="0">
+          <a:gsLst>
+            <a:gs pos="0">
+              <a:schemeClr val="accent6">
+                <a:hueOff val="0"/>
+                <a:satOff val="0"/>
+                <a:lumOff val="0"/>
+                <a:alphaOff val="0"/>
+                <a:tint val="94000"/>
+                <a:satMod val="105000"/>
+                <a:lumMod val="102000"/>
+              </a:schemeClr>
+            </a:gs>
+            <a:gs pos="100000">
+              <a:schemeClr val="accent6">
+                <a:hueOff val="0"/>
+                <a:satOff val="0"/>
+                <a:lumOff val="0"/>
+                <a:alphaOff val="0"/>
+                <a:shade val="74000"/>
+                <a:satMod val="128000"/>
+                <a:lumMod val="100000"/>
+              </a:schemeClr>
+            </a:gs>
+          </a:gsLst>
+          <a:lin ang="5400000" scaled="0"/>
+        </a:gradFill>
+        <a:ln>
+          <a:noFill/>
+        </a:ln>
+        <a:effectLst/>
+        <a:scene3d>
+          <a:camera prst="orthographicFront"/>
+          <a:lightRig rig="threePt" dir="t">
+            <a:rot lat="0" lon="0" rev="7500000"/>
+          </a:lightRig>
+        </a:scene3d>
+        <a:sp3d prstMaterial="plastic">
+          <a:bevelT w="127000" h="25400" prst="relaxedInset"/>
+        </a:sp3d>
+      </dsp:spPr>
+      <dsp:style>
+        <a:lnRef idx="0">
+          <a:scrgbClr r="0" g="0" b="0"/>
+        </a:lnRef>
+        <a:fillRef idx="3">
+          <a:scrgbClr r="0" g="0" b="0"/>
+        </a:fillRef>
+        <a:effectRef idx="2">
+          <a:scrgbClr r="0" g="0" b="0"/>
+        </a:effectRef>
+        <a:fontRef idx="minor">
+          <a:schemeClr val="lt1"/>
+        </a:fontRef>
+      </dsp:style>
+      <dsp:txBody>
+        <a:bodyPr spcFirstLastPara="0" vert="horz" wrap="square" lIns="91440" tIns="91440" rIns="91440" bIns="91440" numCol="1" spcCol="1270" anchor="ctr" anchorCtr="0">
+          <a:noAutofit/>
+        </a:bodyPr>
+        <a:lstStyle/>
+        <a:p>
+          <a:pPr marL="0" lvl="0" indent="0" algn="ctr" defTabSz="1066800">
+            <a:lnSpc>
+              <a:spcPct val="90000"/>
+            </a:lnSpc>
+            <a:spcBef>
+              <a:spcPct val="0"/>
+            </a:spcBef>
+            <a:spcAft>
+              <a:spcPct val="35000"/>
+            </a:spcAft>
+            <a:buNone/>
+          </a:pPr>
+          <a:r>
+            <a:rPr lang="en-US" sz="2400" kern="1200" dirty="0"/>
+            <a:t>Implementation</a:t>
+          </a:r>
+        </a:p>
+      </dsp:txBody>
+      <dsp:txXfrm>
+        <a:off x="2336206" y="2951328"/>
+        <a:ext cx="1742276" cy="826430"/>
+      </dsp:txXfrm>
+    </dsp:sp>
+    <dsp:sp modelId="{88A1A162-4EC6-4E00-BD0C-1243C3517A53}">
+      <dsp:nvSpPr>
+        <dsp:cNvPr id="0" name=""/>
+        <dsp:cNvSpPr/>
+      </dsp:nvSpPr>
+      <dsp:spPr>
+        <a:xfrm>
+          <a:off x="2291498" y="969992"/>
+          <a:ext cx="1831692" cy="915846"/>
+        </a:xfrm>
+        <a:prstGeom prst="roundRect">
+          <a:avLst/>
+        </a:prstGeom>
+        <a:gradFill rotWithShape="0">
+          <a:gsLst>
+            <a:gs pos="0">
+              <a:schemeClr val="accent2">
+                <a:hueOff val="0"/>
+                <a:satOff val="0"/>
+                <a:lumOff val="0"/>
+                <a:alphaOff val="0"/>
+                <a:tint val="94000"/>
+                <a:satMod val="105000"/>
+                <a:lumMod val="102000"/>
+              </a:schemeClr>
+            </a:gs>
+            <a:gs pos="100000">
+              <a:schemeClr val="accent2">
+                <a:hueOff val="0"/>
+                <a:satOff val="0"/>
+                <a:lumOff val="0"/>
+                <a:alphaOff val="0"/>
+                <a:shade val="74000"/>
+                <a:satMod val="128000"/>
+                <a:lumMod val="100000"/>
+              </a:schemeClr>
+            </a:gs>
+          </a:gsLst>
+          <a:lin ang="5400000" scaled="0"/>
+        </a:gradFill>
+        <a:ln>
+          <a:noFill/>
+        </a:ln>
+        <a:effectLst/>
+        <a:scene3d>
+          <a:camera prst="orthographicFront"/>
+          <a:lightRig rig="threePt" dir="t">
+            <a:rot lat="0" lon="0" rev="7500000"/>
+          </a:lightRig>
+        </a:scene3d>
+        <a:sp3d prstMaterial="plastic">
+          <a:bevelT w="127000" h="25400" prst="relaxedInset"/>
+        </a:sp3d>
+      </dsp:spPr>
+      <dsp:style>
+        <a:lnRef idx="0">
+          <a:scrgbClr r="0" g="0" b="0"/>
+        </a:lnRef>
+        <a:fillRef idx="3">
+          <a:scrgbClr r="0" g="0" b="0"/>
+        </a:fillRef>
+        <a:effectRef idx="2">
+          <a:scrgbClr r="0" g="0" b="0"/>
+        </a:effectRef>
+        <a:fontRef idx="minor">
+          <a:schemeClr val="lt1"/>
+        </a:fontRef>
+      </dsp:style>
+      <dsp:txBody>
+        <a:bodyPr spcFirstLastPara="0" vert="horz" wrap="square" lIns="91440" tIns="91440" rIns="91440" bIns="91440" numCol="1" spcCol="1270" anchor="ctr" anchorCtr="0">
+          <a:noAutofit/>
+        </a:bodyPr>
+        <a:lstStyle/>
+        <a:p>
+          <a:pPr marL="0" lvl="0" indent="0" algn="ctr" defTabSz="1066800">
+            <a:lnSpc>
+              <a:spcPct val="90000"/>
+            </a:lnSpc>
+            <a:spcBef>
+              <a:spcPct val="0"/>
+            </a:spcBef>
+            <a:spcAft>
+              <a:spcPct val="35000"/>
+            </a:spcAft>
+            <a:buNone/>
+          </a:pPr>
+          <a:r>
+            <a:rPr lang="en-US" sz="2400" kern="1200" dirty="0"/>
+            <a:t>Post Implementation</a:t>
+          </a:r>
+        </a:p>
+      </dsp:txBody>
+      <dsp:txXfrm>
+        <a:off x="2336206" y="1014700"/>
+        <a:ext cx="1742276" cy="826430"/>
+      </dsp:txXfrm>
+    </dsp:sp>
+  </dsp:spTree>
+</dsp:drawing>
+</file>
+
+<file path=ppt/diagrams/layout1.xml><?xml version="1.0" encoding="utf-8"?>
+<dgm:layoutDef xmlns:dgm="http://schemas.openxmlformats.org/drawingml/2006/diagram" xmlns:a="http://schemas.openxmlformats.org/drawingml/2006/main" uniqueId="urn:microsoft.com/office/officeart/2005/8/layout/cycle3">
+  <dgm:title val=""/>
+  <dgm:desc val=""/>
+  <dgm:catLst>
+    <dgm:cat type="cycle" pri="5000"/>
+  </dgm:catLst>
+  <dgm:sampData>
+    <dgm:dataModel>
+      <dgm:ptLst>
+        <dgm:pt modelId="0" type="doc"/>
+        <dgm:pt modelId="1">
+          <dgm:prSet phldr="1"/>
+        </dgm:pt>
+        <dgm:pt modelId="2">
+          <dgm:prSet phldr="1"/>
+        </dgm:pt>
+        <dgm:pt modelId="3">
+          <dgm:prSet phldr="1"/>
+        </dgm:pt>
+        <dgm:pt modelId="4">
+          <dgm:prSet phldr="1"/>
+        </dgm:pt>
+        <dgm:pt modelId="5">
+          <dgm:prSet phldr="1"/>
+        </dgm:pt>
+      </dgm:ptLst>
+      <dgm:cxnLst>
+        <dgm:cxn modelId="6" srcId="0" destId="1" srcOrd="0" destOrd="0"/>
+        <dgm:cxn modelId="7" srcId="0" destId="2" srcOrd="1" destOrd="0"/>
+        <dgm:cxn modelId="8" srcId="0" destId="3" srcOrd="2" destOrd="0"/>
+        <dgm:cxn modelId="9" srcId="0" destId="4" srcOrd="3" destOrd="0"/>
+        <dgm:cxn modelId="10" srcId="0" destId="5" srcOrd="4" destOrd="0"/>
+      </dgm:cxnLst>
+      <dgm:bg/>
+      <dgm:whole/>
+    </dgm:dataModel>
+  </dgm:sampData>
+  <dgm:styleData>
+    <dgm:dataModel>
+      <dgm:ptLst>
+        <dgm:pt modelId="0" type="doc"/>
+        <dgm:pt modelId="1"/>
+        <dgm:pt modelId="2"/>
+        <dgm:pt modelId="3"/>
+      </dgm:ptLst>
+      <dgm:cxnLst>
+        <dgm:cxn modelId="4" srcId="0" destId="1" srcOrd="0" destOrd="0"/>
+        <dgm:cxn modelId="5" srcId="0" destId="2" srcOrd="1" destOrd="0"/>
+        <dgm:cxn modelId="6" srcId="0" destId="3" srcOrd="2" destOrd="0"/>
+      </dgm:cxnLst>
+      <dgm:bg/>
+      <dgm:whole/>
+    </dgm:dataModel>
+  </dgm:styleData>
+  <dgm:clrData>
+    <dgm:dataModel>
+      <dgm:ptLst>
+        <dgm:pt modelId="0" type="doc"/>
+        <dgm:pt modelId="1"/>
+        <dgm:pt modelId="2"/>
+        <dgm:pt modelId="3"/>
+        <dgm:pt modelId="4"/>
+        <dgm:pt modelId="5"/>
+        <dgm:pt modelId="6"/>
+      </dgm:ptLst>
+      <dgm:cxnLst>
+        <dgm:cxn modelId="7" srcId="0" destId="1" srcOrd="0" destOrd="0"/>
+        <dgm:cxn modelId="8" srcId="0" destId="2" srcOrd="1" destOrd="0"/>
+        <dgm:cxn modelId="9" srcId="0" destId="3" srcOrd="2" destOrd="0"/>
+        <dgm:cxn modelId="10" srcId="0" destId="4" srcOrd="3" destOrd="0"/>
+        <dgm:cxn modelId="11" srcId="0" destId="5" srcOrd="4" destOrd="0"/>
+        <dgm:cxn modelId="12" srcId="0" destId="6" srcOrd="5" destOrd="0"/>
+      </dgm:cxnLst>
+      <dgm:bg/>
+      <dgm:whole/>
+    </dgm:dataModel>
+  </dgm:clrData>
+  <dgm:layoutNode name="Name0">
+    <dgm:varLst>
+      <dgm:dir/>
+      <dgm:resizeHandles val="exact"/>
+    </dgm:varLst>
+    <dgm:choose name="Name1">
+      <dgm:if name="Name2" axis="ch" ptType="node" func="cnt" op="equ" val="2">
+        <dgm:alg type="composite">
+          <dgm:param type="ar" val="0.9"/>
+        </dgm:alg>
+        <dgm:shape xmlns:r="http://schemas.openxmlformats.org/officeDocument/2006/relationships" r:blip="">
+          <dgm:adjLst/>
+        </dgm:shape>
+        <dgm:presOf/>
+        <dgm:constrLst>
+          <dgm:constr type="primFontSz" for="ch" ptType="node" op="equ" val="65"/>
+          <dgm:constr type="ctrX" for="ch" forName="node1" refType="w" fact="0.5"/>
+          <dgm:constr type="t" for="ch" forName="node1"/>
+          <dgm:constr type="w" for="ch" forName="node1" refType="w" fact="0.8"/>
+          <dgm:constr type="h" for="ch" forName="node1" refType="w" refFor="ch" refForName="node1" fact="0.5"/>
+          <dgm:constr type="ctrX" for="ch" forName="sibTrans" refType="w" fact="0.5"/>
+          <dgm:constr type="t" for="ch" forName="sibTrans"/>
+          <dgm:constr type="w" for="ch" forName="sibTrans" refType="w" fact="0.8"/>
+          <dgm:constr type="h" for="ch" forName="sibTrans" refType="w" refFor="ch" refForName="node1" fact="0.5"/>
+          <dgm:constr type="userA" for="ch" forName="sibTrans" refType="w" fact="1.07"/>
+          <dgm:constr type="ctrX" for="ch" forName="node2" refType="w" fact="0.5"/>
+          <dgm:constr type="b" for="ch" forName="node2" refType="h"/>
+          <dgm:constr type="w" for="ch" forName="node2" refType="w" fact="0.8"/>
+          <dgm:constr type="h" for="ch" forName="node2" refType="w" refFor="ch" refForName="node1" fact="0.5"/>
+          <dgm:constr type="l" for="ch" forName="sp1"/>
+          <dgm:constr type="t" for="ch" forName="sp1" refType="h" fact="0.5"/>
+          <dgm:constr type="w" for="ch" forName="sp1" val="1"/>
+          <dgm:constr type="h" for="ch" forName="sp1" val="1"/>
+          <dgm:constr type="r" for="ch" forName="sp2" refType="w"/>
+          <dgm:constr type="t" for="ch" forName="sp2" refType="h" fact="0.5"/>
+          <dgm:constr type="w" for="ch" forName="sp2" val="1"/>
+          <dgm:constr type="h" for="ch" forName="sp2" val="1"/>
+        </dgm:constrLst>
+        <dgm:ruleLst/>
+      </dgm:if>
+      <dgm:else name="Name3">
+        <dgm:alg type="composite"/>
+        <dgm:shape xmlns:r="http://schemas.openxmlformats.org/officeDocument/2006/relationships" r:blip="">
+          <dgm:adjLst/>
+        </dgm:shape>
+        <dgm:presOf/>
+        <dgm:constrLst>
+          <dgm:constr type="primFontSz" for="ch" ptType="node" op="equ" val="65"/>
+        </dgm:constrLst>
+        <dgm:ruleLst/>
+      </dgm:else>
+    </dgm:choose>
+    <dgm:choose name="Name4">
+      <dgm:if name="Name5" axis="ch" ptType="node" func="cnt" op="equ" val="2">
+        <dgm:layoutNode name="node1">
+          <dgm:varLst>
+            <dgm:bulletEnabled val="1"/>
+          </dgm:varLst>
+          <dgm:alg type="tx"/>
+          <dgm:shape xmlns:r="http://schemas.openxmlformats.org/officeDocument/2006/relationships" type="roundRect" r:blip="">
+            <dgm:adjLst/>
+          </dgm:shape>
+          <dgm:presOf axis="ch desOrSelf" ptType="node node" st="1 1" cnt="1 0"/>
+          <dgm:constrLst>
+            <dgm:constr type="tMarg" refType="primFontSz" fact="0.3"/>
+            <dgm:constr type="bMarg" refType="primFontSz" fact="0.3"/>
+            <dgm:constr type="lMarg" refType="primFontSz" fact="0.3"/>
+            <dgm:constr type="rMarg" refType="primFontSz" fact="0.3"/>
+          </dgm:constrLst>
+          <dgm:ruleLst>
+            <dgm:rule type="primFontSz" val="5" fact="NaN" max="NaN"/>
+          </dgm:ruleLst>
+        </dgm:layoutNode>
+        <dgm:layoutNode name="sibTrans" styleLbl="bgShp">
+          <dgm:choose name="Name6">
+            <dgm:if name="Name7" func="var" arg="dir" op="equ" val="norm">
+              <dgm:alg type="conn">
+                <dgm:param type="connRout" val="longCurve"/>
+                <dgm:param type="begPts" val="midR"/>
+                <dgm:param type="endPts" val="midL"/>
+                <dgm:param type="dstNode" val="node1"/>
+              </dgm:alg>
+              <dgm:shape xmlns:r="http://schemas.openxmlformats.org/officeDocument/2006/relationships" type="conn" r:blip="" zOrderOff="-2">
+                <dgm:adjLst/>
+              </dgm:shape>
+              <dgm:presOf axis="ch" ptType="sibTrans"/>
+              <dgm:constrLst>
+                <dgm:constr type="userA"/>
+                <dgm:constr type="diam" refType="userA" fact="-1"/>
+                <dgm:constr type="wArH" refType="userA" fact="0.05"/>
+                <dgm:constr type="hArH" refType="userA" fact="0.1"/>
+                <dgm:constr type="stemThick" refType="userA" fact="0.06"/>
+                <dgm:constr type="begPad" refType="connDist" fact="-0.2"/>
+                <dgm:constr type="endPad" refType="connDist" fact="0.05"/>
+              </dgm:constrLst>
+            </dgm:if>
+            <dgm:else name="Name8">
+              <dgm:alg type="conn">
+                <dgm:param type="connRout" val="longCurve"/>
+                <dgm:param type="begPts" val="midL"/>
+                <dgm:param type="endPts" val="midR"/>
+                <dgm:param type="dstNode" val="node1"/>
+              </dgm:alg>
+              <dgm:shape xmlns:r="http://schemas.openxmlformats.org/officeDocument/2006/relationships" type="conn" r:blip="" zOrderOff="-2">
+                <dgm:adjLst/>
+              </dgm:shape>
+              <dgm:presOf axis="ch" ptType="sibTrans"/>
+              <dgm:constrLst>
+                <dgm:constr type="userA"/>
+                <dgm:constr type="diam" refType="userA"/>
+                <dgm:constr type="wArH" refType="userA" fact="0.05"/>
+                <dgm:constr type="hArH" refType="userA" fact="0.1"/>
+                <dgm:constr type="stemThick" refType="userA" fact="0.06"/>
+                <dgm:constr type="begPad" refType="connDist" fact="-0.2"/>
+                <dgm:constr type="endPad" refType="connDist" fact="0.05"/>
+              </dgm:constrLst>
+            </dgm:else>
+          </dgm:choose>
+          <dgm:ruleLst/>
+        </dgm:layoutNode>
+        <dgm:layoutNode name="node2">
+          <dgm:varLst>
+            <dgm:bulletEnabled val="1"/>
+          </dgm:varLst>
+          <dgm:alg type="tx"/>
+          <dgm:shape xmlns:r="http://schemas.openxmlformats.org/officeDocument/2006/relationships" type="roundRect" r:blip="">
+            <dgm:adjLst/>
+          </dgm:shape>
+          <dgm:presOf axis="ch desOrSelf" ptType="node node" st="2 1" cnt="1 0"/>
+          <dgm:constrLst>
+            <dgm:constr type="tMarg" refType="primFontSz" fact="0.3"/>
+            <dgm:constr type="bMarg" refType="primFontSz" fact="0.3"/>
+            <dgm:constr type="lMarg" refType="primFontSz" fact="0.3"/>
+            <dgm:constr type="rMarg" refType="primFontSz" fact="0.3"/>
+          </dgm:constrLst>
+          <dgm:ruleLst>
+            <dgm:rule type="primFontSz" val="5" fact="NaN" max="NaN"/>
+          </dgm:ruleLst>
+        </dgm:layoutNode>
+        <dgm:layoutNode name="sp1">
+          <dgm:alg type="sp"/>
+          <dgm:shape xmlns:r="http://schemas.openxmlformats.org/officeDocument/2006/relationships" r:blip="">
+            <dgm:adjLst/>
+          </dgm:shape>
+          <dgm:presOf/>
+          <dgm:constrLst/>
+          <dgm:ruleLst/>
+        </dgm:layoutNode>
+        <dgm:layoutNode name="sp2">
+          <dgm:alg type="sp"/>
+          <dgm:shape xmlns:r="http://schemas.openxmlformats.org/officeDocument/2006/relationships" r:blip="">
+            <dgm:adjLst/>
+          </dgm:shape>
+          <dgm:presOf/>
+          <dgm:constrLst/>
+          <dgm:ruleLst/>
+        </dgm:layoutNode>
+      </dgm:if>
+      <dgm:else name="Name9">
+        <dgm:layoutNode name="cycle">
+          <dgm:choose name="Name10">
+            <dgm:if name="Name11" func="var" arg="dir" op="equ" val="norm">
+              <dgm:alg type="cycle">
+                <dgm:param type="stAng" val="0"/>
+                <dgm:param type="spanAng" val="360"/>
+              </dgm:alg>
+              <dgm:shape xmlns:r="http://schemas.openxmlformats.org/officeDocument/2006/relationships" r:blip="">
+                <dgm:adjLst/>
+              </dgm:shape>
+              <dgm:presOf/>
+              <dgm:constrLst>
+                <dgm:constr type="diam" refType="w"/>
+                <dgm:constr type="w" for="ch" ptType="node" refType="w"/>
+                <dgm:constr type="sibSp" val="15"/>
+                <dgm:constr type="userA" for="ch" ptType="sibTrans" refType="diam" op="equ" fact="-1"/>
+                <dgm:constr type="wArH" for="ch" ptType="sibTrans" refType="diam" op="equ" fact="0.05"/>
+                <dgm:constr type="hArH" for="ch" ptType="sibTrans" refType="diam" op="equ" fact="0.1"/>
+                <dgm:constr type="stemThick" for="ch" ptType="sibTrans" refType="diam" op="equ" fact="0.065"/>
+                <dgm:constr type="primFontSz" for="ch" ptType="node" op="equ"/>
+              </dgm:constrLst>
+            </dgm:if>
+            <dgm:else name="Name12">
+              <dgm:alg type="cycle">
+                <dgm:param type="stAng" val="0"/>
+                <dgm:param type="spanAng" val="-360"/>
+              </dgm:alg>
+              <dgm:shape xmlns:r="http://schemas.openxmlformats.org/officeDocument/2006/relationships" r:blip="">
+                <dgm:adjLst/>
+              </dgm:shape>
+              <dgm:presOf/>
+              <dgm:constrLst>
+                <dgm:constr type="diam" refType="w"/>
+                <dgm:constr type="w" for="ch" ptType="node" refType="w"/>
+                <dgm:constr type="sibSp" val="15"/>
+                <dgm:constr type="userA" for="ch" ptType="sibTrans" refType="diam" op="equ"/>
+                <dgm:constr type="wArH" for="ch" ptType="sibTrans" refType="diam" op="equ" fact="0.05"/>
+                <dgm:constr type="hArH" for="ch" ptType="sibTrans" refType="diam" op="equ" fact="0.1"/>
+                <dgm:constr type="stemThick" for="ch" ptType="sibTrans" refType="diam" op="equ" fact="0.065"/>
+                <dgm:constr type="primFontSz" for="ch" ptType="node" op="equ"/>
+              </dgm:constrLst>
+            </dgm:else>
+          </dgm:choose>
+          <dgm:ruleLst/>
+          <dgm:forEach name="nodesFirstNodeForEach" axis="ch" ptType="node" cnt="1">
+            <dgm:layoutNode name="nodeFirstNode">
+              <dgm:varLst>
+                <dgm:bulletEnabled val="1"/>
+              </dgm:varLst>
+              <dgm:alg type="tx"/>
+              <dgm:shape xmlns:r="http://schemas.openxmlformats.org/officeDocument/2006/relationships" type="roundRect" r:blip="">
+                <dgm:adjLst/>
+              </dgm:shape>
+              <dgm:presOf axis="desOrSelf" ptType="node"/>
+              <dgm:constrLst>
+                <dgm:constr type="h" refType="w" fact="0.5"/>
+                <dgm:constr type="primFontSz" val="65"/>
+                <dgm:constr type="tMarg" refType="primFontSz" fact="0.3"/>
+                <dgm:constr type="bMarg" refType="primFontSz" fact="0.3"/>
+                <dgm:constr type="lMarg" refType="primFontSz" fact="0.3"/>
+                <dgm:constr type="rMarg" refType="primFontSz" fact="0.3"/>
+              </dgm:constrLst>
+              <dgm:ruleLst>
+                <dgm:rule type="primFontSz" val="5" fact="NaN" max="NaN"/>
+              </dgm:ruleLst>
+            </dgm:layoutNode>
+            <dgm:forEach name="sibTransForEach" axis="followSib" ptType="sibTrans" cnt="1">
+              <dgm:layoutNode name="sibTransFirstNode" styleLbl="bgShp">
+                <dgm:choose name="Name13">
+                  <dgm:if name="Name14" func="var" arg="dir" op="equ" val="norm">
+                    <dgm:alg type="conn">
+                      <dgm:param type="connRout" val="longCurve"/>
+                      <dgm:param type="begPts" val="midR"/>
+                      <dgm:param type="endPts" val="midL"/>
+                      <dgm:param type="dstNode" val="nodeFirstNode"/>
+                    </dgm:alg>
+                  </dgm:if>
+                  <dgm:else name="Name15">
+                    <dgm:alg type="conn">
+                      <dgm:param type="connRout" val="longCurve"/>
+                      <dgm:param type="begPts" val="midL"/>
+                      <dgm:param type="endPts" val="midR"/>
+                      <dgm:param type="dstNode" val="nodeFirstNode"/>
+                    </dgm:alg>
+                  </dgm:else>
+                </dgm:choose>
+                <dgm:shape xmlns:r="http://schemas.openxmlformats.org/officeDocument/2006/relationships" type="conn" r:blip="" zOrderOff="-2">
+                  <dgm:adjLst/>
+                </dgm:shape>
+                <dgm:presOf axis="self"/>
+                <dgm:choose name="Name16">
+                  <dgm:if name="Name17" axis="par ch" ptType="doc node" func="cnt" op="equ" val="3">
+                    <dgm:constrLst>
+                      <dgm:constr type="userA"/>
+                      <dgm:constr type="diam" refType="userA" fact="1.01"/>
+                      <dgm:constr type="begPad" refType="connDist" fact="-0.2"/>
+                      <dgm:constr type="endPad" refType="connDist" fact="0.05"/>
+                    </dgm:constrLst>
+                  </dgm:if>
+                  <dgm:if name="Name18" axis="par ch" ptType="doc node" func="cnt" op="equ" val="4">
+                    <dgm:constrLst>
+                      <dgm:constr type="userA"/>
+                      <dgm:constr type="diam" refType="userA" fact="1.26"/>
+                      <dgm:constr type="begPad" refType="connDist" fact="-0.2"/>
+                      <dgm:constr type="endPad" refType="connDist" fact="0.05"/>
+                    </dgm:constrLst>
+                  </dgm:if>
+                  <dgm:if name="Name19" axis="par ch" ptType="doc node" func="cnt" op="equ" val="5">
+                    <dgm:constrLst>
+                      <dgm:constr type="userA"/>
+                      <dgm:constr type="diam" refType="userA" fact="1.04"/>
+                      <dgm:constr type="begPad" refType="connDist" fact="-0.2"/>
+                      <dgm:constr type="endPad" refType="connDist" fact="0.05"/>
+                    </dgm:constrLst>
+                  </dgm:if>
+                  <dgm:if name="Name20" axis="par ch" ptType="doc node" func="cnt" op="equ" val="6">
+                    <dgm:constrLst>
+                      <dgm:constr type="userA"/>
+                      <dgm:constr type="diam" refType="userA" fact="1.1"/>
+                      <dgm:constr type="begPad" refType="connDist" fact="-0.2"/>
+                      <dgm:constr type="endPad" refType="connDist" fact="0.05"/>
+                    </dgm:constrLst>
+                  </dgm:if>
+                  <dgm:else name="Name21">
+                    <dgm:constrLst>
+                      <dgm:constr type="userA"/>
+                      <dgm:constr type="diam" refType="userA" fact="1.04"/>
+                      <dgm:constr type="begPad" refType="connDist" fact="-0.2"/>
+                      <dgm:constr type="endPad" refType="connDist" fact="0.05"/>
+                    </dgm:constrLst>
+                  </dgm:else>
+                </dgm:choose>
+                <dgm:ruleLst/>
+              </dgm:layoutNode>
+            </dgm:forEach>
+          </dgm:forEach>
+          <dgm:forEach name="followingNodesForEach" axis="ch" ptType="node" st="2">
+            <dgm:layoutNode name="nodeFollowingNodes">
+              <dgm:varLst>
+                <dgm:bulletEnabled val="1"/>
+              </dgm:varLst>
+              <dgm:alg type="tx"/>
+              <dgm:shape xmlns:r="http://schemas.openxmlformats.org/officeDocument/2006/relationships" type="roundRect" r:blip="">
+                <dgm:adjLst/>
+              </dgm:shape>
+              <dgm:presOf axis="desOrSelf" ptType="node"/>
+              <dgm:constrLst>
+                <dgm:constr type="h" refType="w" fact="0.5"/>
+                <dgm:constr type="primFontSz" val="65"/>
+                <dgm:constr type="tMarg" refType="primFontSz" fact="0.3"/>
+                <dgm:constr type="bMarg" refType="primFontSz" fact="0.3"/>
+                <dgm:constr type="lMarg" refType="primFontSz" fact="0.3"/>
+                <dgm:constr type="rMarg" refType="primFontSz" fact="0.3"/>
+              </dgm:constrLst>
+              <dgm:ruleLst>
+                <dgm:rule type="primFontSz" val="5" fact="NaN" max="NaN"/>
+              </dgm:ruleLst>
+            </dgm:layoutNode>
+          </dgm:forEach>
+        </dgm:layoutNode>
+      </dgm:else>
+    </dgm:choose>
+  </dgm:layoutNode>
+</dgm:layoutDef>
+</file>
+
+<file path=ppt/diagrams/quickStyle1.xml><?xml version="1.0" encoding="utf-8"?>
+<dgm:styleDef xmlns:dgm="http://schemas.openxmlformats.org/drawingml/2006/diagram" xmlns:a="http://schemas.openxmlformats.org/drawingml/2006/main" uniqueId="urn:microsoft.com/office/officeart/2005/8/quickstyle/3d2">
+  <dgm:title val=""/>
+  <dgm:desc val=""/>
+  <dgm:catLst>
+    <dgm:cat type="3D" pri="11200"/>
+  </dgm:catLst>
+  <dgm:scene3d>
+    <a:camera prst="orthographicFront"/>
+    <a:lightRig rig="threePt" dir="t"/>
+  </dgm:scene3d>
+  <dgm:styleLbl name="node0">
+    <dgm:scene3d>
+      <a:camera prst="orthographicFront"/>
+      <a:lightRig rig="threePt" dir="t">
+        <a:rot lat="0" lon="0" rev="7500000"/>
+      </a:lightRig>
+    </dgm:scene3d>
+    <dgm:sp3d prstMaterial="plastic">
+      <a:bevelT w="127000" h="25400" prst="relaxedInset"/>
+    </dgm:sp3d>
+    <dgm:txPr/>
+    <dgm:style>
+      <a:lnRef idx="0">
+        <a:scrgbClr r="0" g="0" b="0"/>
+      </a:lnRef>
+      <a:fillRef idx="3">
+        <a:scrgbClr r="0" g="0" b="0"/>
+      </a:fillRef>
+      <a:effectRef idx="2">
+        <a:scrgbClr r="0" g="0" b="0"/>
+      </a:effectRef>
+      <a:fontRef idx="minor">
+        <a:schemeClr val="lt1"/>
+      </a:fontRef>
+    </dgm:style>
+  </dgm:styleLbl>
+  <dgm:styleLbl name="lnNode1">
+    <dgm:scene3d>
+      <a:camera prst="orthographicFront"/>
+      <a:lightRig rig="threePt" dir="t">
+        <a:rot lat="0" lon="0" rev="7500000"/>
+      </a:lightRig>
+    </dgm:scene3d>
+    <dgm:sp3d prstMaterial="plastic">
+      <a:bevelT w="127000" h="25400" prst="relaxedInset"/>
+    </dgm:sp3d>
+    <dgm:txPr/>
+    <dgm:style>
+      <a:lnRef idx="1">
+        <a:scrgbClr r="0" g="0" b="0"/>
+      </a:lnRef>
+      <a:fillRef idx="3">
+        <a:scrgbClr r="0" g="0" b="0"/>
+      </a:fillRef>
+      <a:effectRef idx="2">
+        <a:scrgbClr r="0" g="0" b="0"/>
+      </a:effectRef>
+      <a:fontRef idx="minor">
+        <a:schemeClr val="lt1"/>
+      </a:fontRef>
+    </dgm:style>
+  </dgm:styleLbl>
+  <dgm:styleLbl name="vennNode1">
+    <dgm:scene3d>
+      <a:camera prst="orthographicFront"/>
+      <a:lightRig rig="threePt" dir="t">
+        <a:rot lat="0" lon="0" rev="7500000"/>
+      </a:lightRig>
+    </dgm:scene3d>
+    <dgm:sp3d prstMaterial="plastic">
+      <a:bevelT w="127000" h="25400" prst="relaxedInset"/>
+    </dgm:sp3d>
+    <dgm:txPr/>
+    <dgm:style>
+      <a:lnRef idx="0">
+        <a:scrgbClr r="0" g="0" b="0"/>
+      </a:lnRef>
+      <a:fillRef idx="3">
+        <a:scrgbClr r="0" g="0" b="0"/>
+      </a:fillRef>
+      <a:effectRef idx="2">
+        <a:scrgbClr r="0" g="0" b="0"/>
+      </a:effectRef>
+      <a:fontRef idx="minor">
+        <a:schemeClr val="tx1"/>
+      </a:fontRef>
+    </dgm:style>
+  </dgm:styleLbl>
+  <dgm:styleLbl name="alingNode1">
+    <dgm:scene3d>
+      <a:camera prst="orthographicFront"/>
+      <a:lightRig rig="threePt" dir="t">
+        <a:rot lat="0" lon="0" rev="7500000"/>
+      </a:lightRig>
+    </dgm:scene3d>
+    <dgm:sp3d prstMaterial="plastic">
+      <a:bevelT w="127000" h="25400" prst="relaxedInset"/>
+    </dgm:sp3d>
+    <dgm:txPr/>
+    <dgm:style>
+      <a:lnRef idx="0">
+        <a:scrgbClr r="0" g="0" b="0"/>
+      </a:lnRef>
+      <a:fillRef idx="3">
+        <a:scrgbClr r="0" g="0" b="0"/>
+      </a:fillRef>
+      <a:effectRef idx="2">
+        <a:scrgbClr r="0" g="0" b="0"/>
+      </a:effectRef>
+      <a:fontRef idx="minor">
+        <a:schemeClr val="lt1"/>
+      </a:fontRef>
+    </dgm:style>
+  </dgm:styleLbl>
+  <dgm:styleLbl name="node1">
+    <dgm:scene3d>
+      <a:camera prst="orthographicFront"/>
+      <a:lightRig rig="threePt" dir="t">
+        <a:rot lat="0" lon="0" rev="7500000"/>
+      </a:lightRig>
+    </dgm:scene3d>
+    <dgm:sp3d prstMaterial="plastic">
+      <a:bevelT w="127000" h="25400" prst="relaxedInset"/>
+    </dgm:sp3d>
+    <dgm:txPr/>
+    <dgm:style>
+      <a:lnRef idx="0">
+        <a:scrgbClr r="0" g="0" b="0"/>
+      </a:lnRef>
+      <a:fillRef idx="3">
+        <a:scrgbClr r="0" g="0" b="0"/>
+      </a:fillRef>
+      <a:effectRef idx="2">
+        <a:scrgbClr r="0" g="0" b="0"/>
+      </a:effectRef>
+      <a:fontRef idx="minor">
+        <a:schemeClr val="lt1"/>
+      </a:fontRef>
+    </dgm:style>
+  </dgm:styleLbl>
+  <dgm:styleLbl name="node2">
+    <dgm:scene3d>
+      <a:camera prst="orthographicFront"/>
+      <a:lightRig rig="threePt" dir="t">
+        <a:rot lat="0" lon="0" rev="7500000"/>
+      </a:lightRig>
+    </dgm:scene3d>
+    <dgm:sp3d prstMaterial="plastic">
+      <a:bevelT w="127000" h="25400" prst="relaxedInset"/>
+    </dgm:sp3d>
+    <dgm:txPr/>
+    <dgm:style>
+      <a:lnRef idx="0">
+        <a:scrgbClr r="0" g="0" b="0"/>
+      </a:lnRef>
+      <a:fillRef idx="3">
+        <a:scrgbClr r="0" g="0" b="0"/>
+      </a:fillRef>
+      <a:effectRef idx="2">
+        <a:scrgbClr r="0" g="0" b="0"/>
+      </a:effectRef>
+      <a:fontRef idx="minor">
+        <a:schemeClr val="lt1"/>
+      </a:fontRef>
+    </dgm:style>
+  </dgm:styleLbl>
+  <dgm:styleLbl name="node3">
+    <dgm:scene3d>
+      <a:camera prst="orthographicFront"/>
+      <a:lightRig rig="threePt" dir="t">
+        <a:rot lat="0" lon="0" rev="7500000"/>
+      </a:lightRig>
+    </dgm:scene3d>
+    <dgm:sp3d prstMaterial="plastic">
+      <a:bevelT w="127000" h="25400" prst="relaxedInset"/>
+    </dgm:sp3d>
+    <dgm:txPr/>
+    <dgm:style>
+      <a:lnRef idx="0">
+        <a:scrgbClr r="0" g="0" b="0"/>
+      </a:lnRef>
+      <a:fillRef idx="3">
+        <a:scrgbClr r="0" g="0" b="0"/>
+      </a:fillRef>
+      <a:effectRef idx="2">
+        <a:scrgbClr r="0" g="0" b="0"/>
+      </a:effectRef>
+      <a:fontRef idx="minor">
+        <a:schemeClr val="lt1"/>
+      </a:fontRef>
+    </dgm:style>
+  </dgm:styleLbl>
+  <dgm:styleLbl name="node4">
+    <dgm:scene3d>
+      <a:camera prst="orthographicFront"/>
+      <a:lightRig rig="threePt" dir="t">
+        <a:rot lat="0" lon="0" rev="7500000"/>
+      </a:lightRig>
+    </dgm:scene3d>
+    <dgm:sp3d prstMaterial="plastic">
+      <a:bevelT w="127000" h="25400" prst="relaxedInset"/>
+    </dgm:sp3d>
+    <dgm:txPr/>
+    <dgm:style>
+      <a:lnRef idx="0">
+        <a:scrgbClr r="0" g="0" b="0"/>
+      </a:lnRef>
+      <a:fillRef idx="3">
+        <a:scrgbClr r="0" g="0" b="0"/>
+      </a:fillRef>
+      <a:effectRef idx="2">
+        <a:scrgbClr r="0" g="0" b="0"/>
+      </a:effectRef>
+      <a:fontRef idx="minor">
+        <a:schemeClr val="lt1"/>
+      </a:fontRef>
+    </dgm:style>
+  </dgm:styleLbl>
+  <dgm:styleLbl name="fgImgPlace1">
+    <dgm:scene3d>
+      <a:camera prst="orthographicFront"/>
+      <a:lightRig rig="threePt" dir="t">
+        <a:rot lat="0" lon="0" rev="7500000"/>
+      </a:lightRig>
+    </dgm:scene3d>
+    <dgm:sp3d z="152400" extrusionH="63500" prstMaterial="matte">
+      <a:bevelT w="50800" h="19050" prst="relaxedInset"/>
+      <a:contourClr>
+        <a:schemeClr val="bg1"/>
+      </a:contourClr>
+    </dgm:sp3d>
+    <dgm:txPr/>
+    <dgm:style>
+      <a:lnRef idx="0">
+        <a:scrgbClr r="0" g="0" b="0"/>
+      </a:lnRef>
+      <a:fillRef idx="1">
+        <a:scrgbClr r="0" g="0" b="0"/>
+      </a:fillRef>
+      <a:effectRef idx="0">
+        <a:scrgbClr r="0" g="0" b="0"/>
+      </a:effectRef>
+      <a:fontRef idx="minor"/>
+    </dgm:style>
+  </dgm:styleLbl>
+  <dgm:styleLbl name="alignImgPlace1">
+    <dgm:scene3d>
+      <a:camera prst="orthographicFront"/>
+      <a:lightRig rig="threePt" dir="t">
+        <a:rot lat="0" lon="0" rev="7500000"/>
+      </a:lightRig>
+    </dgm:scene3d>
+    <dgm:sp3d z="254000" extrusionH="63500" contourW="12700" prstMaterial="matte">
+      <a:contourClr>
+        <a:schemeClr val="lt1"/>
+      </a:contourClr>
+    </dgm:sp3d>
+    <dgm:txPr/>
+    <dgm:style>
+      <a:lnRef idx="0">
+        <a:scrgbClr r="0" g="0" b="0"/>
+      </a:lnRef>
+      <a:fillRef idx="1">
+        <a:scrgbClr r="0" g="0" b="0"/>
+      </a:fillRef>
+      <a:effectRef idx="0">
+        <a:scrgbClr r="0" g="0" b="0"/>
+      </a:effectRef>
+      <a:fontRef idx="minor"/>
+    </dgm:style>
+  </dgm:styleLbl>
+  <dgm:styleLbl name="bgImgPlace1">
+    <dgm:scene3d>
+      <a:camera prst="orthographicFront"/>
+      <a:lightRig rig="threePt" dir="t">
+        <a:rot lat="0" lon="0" rev="7500000"/>
+      </a:lightRig>
+    </dgm:scene3d>
+    <dgm:sp3d z="-152400" extrusionH="63500" contourW="12700" prstMaterial="matte">
+      <a:contourClr>
+        <a:schemeClr val="lt1"/>
+      </a:contourClr>
+    </dgm:sp3d>
+    <dgm:txPr/>
+    <dgm:style>
+      <a:lnRef idx="0">
+        <a:scrgbClr r="0" g="0" b="0"/>
+      </a:lnRef>
+      <a:fillRef idx="1">
+        <a:scrgbClr r="0" g="0" b="0"/>
+      </a:fillRef>
+      <a:effectRef idx="0">
+        <a:scrgbClr r="0" g="0" b="0"/>
+      </a:effectRef>
+      <a:fontRef idx="minor"/>
+    </dgm:style>
+  </dgm:styleLbl>
+  <dgm:styleLbl name="sibTrans2D1">
+    <dgm:scene3d>
+      <a:camera prst="orthographicFront"/>
+      <a:lightRig rig="threePt" dir="t">
+        <a:rot lat="0" lon="0" rev="7500000"/>
+      </a:lightRig>
+    </dgm:scene3d>
+    <dgm:sp3d z="-70000" extrusionH="63500" prstMaterial="matte">
+      <a:bevelT w="25400" h="6350" prst="relaxedInset"/>
+      <a:contourClr>
+        <a:schemeClr val="bg1"/>
+      </a:contourClr>
+    </dgm:sp3d>
+    <dgm:txPr/>
+    <dgm:style>
+      <a:lnRef idx="0">
+        <a:scrgbClr r="0" g="0" b="0"/>
+      </a:lnRef>
+      <a:fillRef idx="1">
+        <a:scrgbClr r="0" g="0" b="0"/>
+      </a:fillRef>
+      <a:effectRef idx="2">
+        <a:scrgbClr r="0" g="0" b="0"/>
+      </a:effectRef>
+      <a:fontRef idx="minor">
+        <a:schemeClr val="lt1"/>
+      </a:fontRef>
+    </dgm:style>
+  </dgm:styleLbl>
+  <dgm:styleLbl name="fgSibTrans2D1">
+    <dgm:scene3d>
+      <a:camera prst="orthographicFront"/>
+      <a:lightRig rig="threePt" dir="t">
+        <a:rot lat="0" lon="0" rev="7500000"/>
+      </a:lightRig>
+    </dgm:scene3d>
+    <dgm:sp3d z="152400" extrusionH="63500" prstMaterial="matte">
+      <a:bevelT w="25400" h="6350" prst="relaxedInset"/>
+      <a:contourClr>
+        <a:schemeClr val="bg1"/>
+      </a:contourClr>
+    </dgm:sp3d>
+    <dgm:txPr/>
+    <dgm:style>
+      <a:lnRef idx="0">
+        <a:scrgbClr r="0" g="0" b="0"/>
+      </a:lnRef>
+      <a:fillRef idx="1">
+        <a:scrgbClr r="0" g="0" b="0"/>
+      </a:fillRef>
+      <a:effectRef idx="2">
+        <a:scrgbClr r="0" g="0" b="0"/>
+      </a:effectRef>
+      <a:fontRef idx="minor">
+        <a:schemeClr val="lt1"/>
+      </a:fontRef>
+    </dgm:style>
+  </dgm:styleLbl>
+  <dgm:styleLbl name="bgSibTrans2D1">
+    <dgm:scene3d>
+      <a:camera prst="orthographicFront"/>
+      <a:lightRig rig="threePt" dir="t">
+        <a:rot lat="0" lon="0" rev="7500000"/>
+      </a:lightRig>
+    </dgm:scene3d>
+    <dgm:sp3d z="-152400" extrusionH="63500" prstMaterial="matte">
+      <a:bevelT w="25400" h="6350" prst="relaxedInset"/>
+      <a:contourClr>
+        <a:schemeClr val="bg1"/>
+      </a:contourClr>
+    </dgm:sp3d>
+    <dgm:txPr/>
+    <dgm:style>
+      <a:lnRef idx="0">
+        <a:scrgbClr r="0" g="0" b="0"/>
+      </a:lnRef>
+      <a:fillRef idx="1">
+        <a:scrgbClr r="0" g="0" b="0"/>
+      </a:fillRef>
+      <a:effectRef idx="2">
+        <a:scrgbClr r="0" g="0" b="0"/>
+      </a:effectRef>
+      <a:fontRef idx="minor">
+        <a:schemeClr val="lt1"/>
+      </a:fontRef>
+    </dgm:style>
+  </dgm:styleLbl>
+  <dgm:styleLbl name="sibTrans1D1">
+    <dgm:scene3d>
+      <a:camera prst="orthographicFront"/>
+      <a:lightRig rig="threePt" dir="t">
+        <a:rot lat="0" lon="0" rev="7500000"/>
+      </a:lightRig>
+    </dgm:scene3d>
+    <dgm:sp3d z="-40000" prstMaterial="matte"/>
+    <dgm:txPr/>
+    <dgm:style>
+      <a:lnRef idx="1">
+        <a:scrgbClr r="0" g="0" b="0"/>
+      </a:lnRef>
+      <a:fillRef idx="0">
+        <a:scrgbClr r="0" g="0" b="0"/>
+      </a:fillRef>
+      <a:effectRef idx="0">
+        <a:scrgbClr r="0" g="0" b="0"/>
+      </a:effectRef>
+      <a:fontRef idx="minor"/>
+    </dgm:style>
+  </dgm:styleLbl>
+  <dgm:styleLbl name="callout">
+    <dgm:scene3d>
+      <a:camera prst="orthographicFront"/>
+      <a:lightRig rig="threePt" dir="t">
+        <a:rot lat="0" lon="0" rev="7500000"/>
+      </a:lightRig>
+    </dgm:scene3d>
+    <dgm:sp3d z="127000" prstMaterial="matte"/>
+    <dgm:txPr/>
+    <dgm:style>
+      <a:lnRef idx="2">
+        <a:scrgbClr r="0" g="0" b="0"/>
+      </a:lnRef>
+      <a:fillRef idx="1">
+        <a:scrgbClr r="0" g="0" b="0"/>
+      </a:fillRef>
+      <a:effectRef idx="0">
+        <a:scrgbClr r="0" g="0" b="0"/>
+      </a:effectRef>
+      <a:fontRef idx="minor"/>
+    </dgm:style>
+  </dgm:styleLbl>
+  <dgm:styleLbl name="asst0">
+    <dgm:scene3d>
+      <a:camera prst="orthographicFront"/>
+      <a:lightRig rig="threePt" dir="t">
+        <a:rot lat="0" lon="0" rev="7500000"/>
+      </a:lightRig>
+    </dgm:scene3d>
+    <dgm:sp3d prstMaterial="plastic">
+      <a:bevelT w="127000" h="25400" prst="relaxedInset"/>
+    </dgm:sp3d>
+    <dgm:txPr/>
+    <dgm:style>
+      <a:lnRef idx="0">
+        <a:scrgbClr r="0" g="0" b="0"/>
+      </a:lnRef>
+      <a:fillRef idx="3">
+        <a:scrgbClr r="0" g="0" b="0"/>
+      </a:fillRef>
+      <a:effectRef idx="2">
+        <a:scrgbClr r="0" g="0" b="0"/>
+      </a:effectRef>
+      <a:fontRef idx="minor">
+        <a:schemeClr val="lt1"/>
+      </a:fontRef>
+    </dgm:style>
+  </dgm:styleLbl>
+  <dgm:styleLbl name="asst1">
+    <dgm:scene3d>
+      <a:camera prst="orthographicFront"/>
+      <a:lightRig rig="threePt" dir="t">
+        <a:rot lat="0" lon="0" rev="7500000"/>
+      </a:lightRig>
+    </dgm:scene3d>
+    <dgm:sp3d prstMaterial="plastic">
+      <a:bevelT w="127000" h="25400" prst="relaxedInset"/>
+    </dgm:sp3d>
+    <dgm:txPr/>
+    <dgm:style>
+      <a:lnRef idx="0">
+        <a:scrgbClr r="0" g="0" b="0"/>
+      </a:lnRef>
+      <a:fillRef idx="3">
+        <a:scrgbClr r="0" g="0" b="0"/>
+      </a:fillRef>
+      <a:effectRef idx="2">
+        <a:scrgbClr r="0" g="0" b="0"/>
+      </a:effectRef>
+      <a:fontRef idx="minor">
+        <a:schemeClr val="lt1"/>
+      </a:fontRef>
+    </dgm:style>
+  </dgm:styleLbl>
+  <dgm:styleLbl name="asst2">
+    <dgm:scene3d>
+      <a:camera prst="orthographicFront"/>
+      <a:lightRig rig="threePt" dir="t">
+        <a:rot lat="0" lon="0" rev="7500000"/>
+      </a:lightRig>
+    </dgm:scene3d>
+    <dgm:sp3d prstMaterial="plastic">
+      <a:bevelT w="127000" h="25400" prst="relaxedInset"/>
+    </dgm:sp3d>
+    <dgm:txPr/>
+    <dgm:style>
+      <a:lnRef idx="0">
+        <a:scrgbClr r="0" g="0" b="0"/>
+      </a:lnRef>
+      <a:fillRef idx="3">
+        <a:scrgbClr r="0" g="0" b="0"/>
+      </a:fillRef>
+      <a:effectRef idx="2">
+        <a:scrgbClr r="0" g="0" b="0"/>
+      </a:effectRef>
+      <a:fontRef idx="minor">
+        <a:schemeClr val="lt1"/>
+      </a:fontRef>
+    </dgm:style>
+  </dgm:styleLbl>
+  <dgm:styleLbl name="asst3">
+    <dgm:scene3d>
+      <a:camera prst="orthographicFront"/>
+      <a:lightRig rig="threePt" dir="t">
+        <a:rot lat="0" lon="0" rev="7500000"/>
+      </a:lightRig>
+    </dgm:scene3d>
+    <dgm:sp3d prstMaterial="plastic">
+      <a:bevelT w="127000" h="25400" prst="relaxedInset"/>
+    </dgm:sp3d>
+    <dgm:txPr/>
+    <dgm:style>
+      <a:lnRef idx="0">
+        <a:scrgbClr r="0" g="0" b="0"/>
+      </a:lnRef>
+      <a:fillRef idx="3">
+        <a:scrgbClr r="0" g="0" b="0"/>
+      </a:fillRef>
+      <a:effectRef idx="2">
+        <a:scrgbClr r="0" g="0" b="0"/>
+      </a:effectRef>
+      <a:fontRef idx="minor">
+        <a:schemeClr val="lt1"/>
+      </a:fontRef>
+    </dgm:style>
+  </dgm:styleLbl>
+  <dgm:styleLbl name="parChTrans2D1">
+    <dgm:scene3d>
+      <a:camera prst="orthographicFront"/>
+      <a:lightRig rig="threePt" dir="t">
+        <a:rot lat="0" lon="0" rev="7500000"/>
+      </a:lightRig>
+    </dgm:scene3d>
+    <dgm:sp3d extrusionH="63500" prstMaterial="matte">
+      <a:bevelT w="50800" h="19050" prst="relaxedInset"/>
+      <a:contourClr>
+        <a:schemeClr val="bg1"/>
+      </a:contourClr>
+    </dgm:sp3d>
+    <dgm:txPr/>
+    <dgm:style>
+      <a:lnRef idx="0">
+        <a:scrgbClr r="0" g="0" b="0"/>
+      </a:lnRef>
+      <a:fillRef idx="1">
+        <a:scrgbClr r="0" g="0" b="0"/>
+      </a:fillRef>
+      <a:effectRef idx="2">
+        <a:scrgbClr r="0" g="0" b="0"/>
+      </a:effectRef>
+      <a:fontRef idx="minor">
+        <a:schemeClr val="lt1"/>
+      </a:fontRef>
+    </dgm:style>
+  </dgm:styleLbl>
+  <dgm:styleLbl name="parChTrans2D2">
+    <dgm:scene3d>
+      <a:camera prst="orthographicFront"/>
+      <a:lightRig rig="threePt" dir="t">
+        <a:rot lat="0" lon="0" rev="7500000"/>
+      </a:lightRig>
+    </dgm:scene3d>
+    <dgm:sp3d extrusionH="63500" prstMaterial="matte">
+      <a:bevelT w="50800" h="19050" prst="relaxedInset"/>
+      <a:contourClr>
+        <a:schemeClr val="bg1"/>
+      </a:contourClr>
+    </dgm:sp3d>
+    <dgm:txPr/>
+    <dgm:style>
+      <a:lnRef idx="0">
+        <a:scrgbClr r="0" g="0" b="0"/>
+      </a:lnRef>
+      <a:fillRef idx="1">
+        <a:scrgbClr r="0" g="0" b="0"/>
+      </a:fillRef>
+      <a:effectRef idx="0">
+        <a:scrgbClr r="0" g="0" b="0"/>
+      </a:effectRef>
+      <a:fontRef idx="minor">
+        <a:schemeClr val="lt1"/>
+      </a:fontRef>
+    </dgm:style>
+  </dgm:styleLbl>
+  <dgm:styleLbl name="parChTrans2D3">
+    <dgm:scene3d>
+      <a:camera prst="orthographicFront"/>
+      <a:lightRig rig="threePt" dir="t">
+        <a:rot lat="0" lon="0" rev="7500000"/>
+      </a:lightRig>
+    </dgm:scene3d>
+    <dgm:sp3d z="60000" prstMaterial="flat">
+      <a:bevelT w="120900" h="88900"/>
+    </dgm:sp3d>
+    <dgm:txPr/>
+    <dgm:style>
+      <a:lnRef idx="0">
+        <a:scrgbClr r="0" g="0" b="0"/>
+      </a:lnRef>
+      <a:fillRef idx="3">
+        <a:scrgbClr r="0" g="0" b="0"/>
+      </a:fillRef>
+      <a:effectRef idx="1">
+        <a:scrgbClr r="0" g="0" b="0"/>
+      </a:effectRef>
+      <a:fontRef idx="minor">
+        <a:schemeClr val="lt1"/>
+      </a:fontRef>
+    </dgm:style>
+  </dgm:styleLbl>
+  <dgm:styleLbl name="parChTrans2D4">
+    <dgm:scene3d>
+      <a:camera prst="orthographicFront"/>
+      <a:lightRig rig="threePt" dir="t">
+        <a:rot lat="0" lon="0" rev="7500000"/>
+      </a:lightRig>
+    </dgm:scene3d>
+    <dgm:sp3d z="60000" prstMaterial="flat">
+      <a:bevelT w="120900" h="88900"/>
+    </dgm:sp3d>
+    <dgm:txPr/>
+    <dgm:style>
+      <a:lnRef idx="0">
+        <a:scrgbClr r="0" g="0" b="0"/>
+      </a:lnRef>
+      <a:fillRef idx="3">
+        <a:scrgbClr r="0" g="0" b="0"/>
+      </a:fillRef>
+      <a:effectRef idx="1">
+        <a:scrgbClr r="0" g="0" b="0"/>
+      </a:effectRef>
+      <a:fontRef idx="minor">
+        <a:schemeClr val="lt1"/>
+      </a:fontRef>
+    </dgm:style>
+  </dgm:styleLbl>
+  <dgm:styleLbl name="parChTrans1D1">
+    <dgm:scene3d>
+      <a:camera prst="orthographicFront"/>
+      <a:lightRig rig="threePt" dir="t">
+        <a:rot lat="0" lon="0" rev="7500000"/>
+      </a:lightRig>
+    </dgm:scene3d>
+    <dgm:sp3d z="-40000" prstMaterial="matte"/>
+    <dgm:txPr/>
+    <dgm:style>
+      <a:lnRef idx="2">
+        <a:scrgbClr r="0" g="0" b="0"/>
+      </a:lnRef>
+      <a:fillRef idx="0">
+        <a:scrgbClr r="0" g="0" b="0"/>
+      </a:fillRef>
+      <a:effectRef idx="0">
+        <a:scrgbClr r="0" g="0" b="0"/>
+      </a:effectRef>
+      <a:fontRef idx="minor"/>
+    </dgm:style>
+  </dgm:styleLbl>
+  <dgm:styleLbl name="parChTrans1D2">
+    <dgm:scene3d>
+      <a:camera prst="orthographicFront"/>
+      <a:lightRig rig="threePt" dir="t">
+        <a:rot lat="0" lon="0" rev="7500000"/>
+      </a:lightRig>
+    </dgm:scene3d>
+    <dgm:sp3d z="-40000" prstMaterial="matte"/>
+    <dgm:txPr/>
+    <dgm:style>
+      <a:lnRef idx="2">
+        <a:scrgbClr r="0" g="0" b="0"/>
+      </a:lnRef>
+      <a:fillRef idx="0">
+        <a:scrgbClr r="0" g="0" b="0"/>
+      </a:fillRef>
+      <a:effectRef idx="0">
+        <a:scrgbClr r="0" g="0" b="0"/>
+      </a:effectRef>
+      <a:fontRef idx="minor"/>
+    </dgm:style>
+  </dgm:styleLbl>
+  <dgm:styleLbl name="parChTrans1D3">
+    <dgm:scene3d>
+      <a:camera prst="orthographicFront"/>
+      <a:lightRig rig="threePt" dir="t">
+        <a:rot lat="0" lon="0" rev="7500000"/>
+      </a:lightRig>
+    </dgm:scene3d>
+    <dgm:sp3d z="-40000" prstMaterial="matte"/>
+    <dgm:txPr/>
+    <dgm:style>
+      <a:lnRef idx="2">
+        <a:scrgbClr r="0" g="0" b="0"/>
+      </a:lnRef>
+      <a:fillRef idx="0">
+        <a:scrgbClr r="0" g="0" b="0"/>
+      </a:fillRef>
+      <a:effectRef idx="0">
+        <a:scrgbClr r="0" g="0" b="0"/>
+      </a:effectRef>
+      <a:fontRef idx="minor"/>
+    </dgm:style>
+  </dgm:styleLbl>
+  <dgm:styleLbl name="parChTrans1D4">
+    <dgm:scene3d>
+      <a:camera prst="orthographicFront"/>
+      <a:lightRig rig="threePt" dir="t">
+        <a:rot lat="0" lon="0" rev="7500000"/>
+      </a:lightRig>
+    </dgm:scene3d>
+    <dgm:sp3d z="-40000" prstMaterial="matte"/>
+    <dgm:txPr/>
+    <dgm:style>
+      <a:lnRef idx="2">
+        <a:scrgbClr r="0" g="0" b="0"/>
+      </a:lnRef>
+      <a:fillRef idx="0">
+        <a:scrgbClr r="0" g="0" b="0"/>
+      </a:fillRef>
+      <a:effectRef idx="0">
+        <a:scrgbClr r="0" g="0" b="0"/>
+      </a:effectRef>
+      <a:fontRef idx="minor"/>
+    </dgm:style>
+  </dgm:styleLbl>
+  <dgm:styleLbl name="fgAcc1">
+    <dgm:scene3d>
+      <a:camera prst="orthographicFront"/>
+      <a:lightRig rig="threePt" dir="t">
+        <a:rot lat="0" lon="0" rev="7500000"/>
+      </a:lightRig>
+    </dgm:scene3d>
+    <dgm:sp3d z="152400" extrusionH="63500" prstMaterial="dkEdge">
+      <a:bevelT w="135400" h="16350" prst="relaxedInset"/>
+      <a:contourClr>
+        <a:schemeClr val="bg1"/>
+      </a:contourClr>
+    </dgm:sp3d>
+    <dgm:txPr/>
+    <dgm:style>
+      <a:lnRef idx="1">
+        <a:scrgbClr r="0" g="0" b="0"/>
+      </a:lnRef>
+      <a:fillRef idx="1">
+        <a:scrgbClr r="0" g="0" b="0"/>
+      </a:fillRef>
+      <a:effectRef idx="2">
+        <a:scrgbClr r="0" g="0" b="0"/>
+      </a:effectRef>
+      <a:fontRef idx="minor"/>
+    </dgm:style>
+  </dgm:styleLbl>
+  <dgm:styleLbl name="conFgAcc1">
+    <dgm:scene3d>
+      <a:camera prst="orthographicFront"/>
+      <a:lightRig rig="threePt" dir="t">
+        <a:rot lat="0" lon="0" rev="7500000"/>
+      </a:lightRig>
+    </dgm:scene3d>
+    <dgm:sp3d z="152400" extrusionH="63500" prstMaterial="dkEdge">
+      <a:bevelT w="135400" h="16350" prst="relaxedInset"/>
+      <a:contourClr>
+        <a:schemeClr val="bg1"/>
+      </a:contourClr>
+    </dgm:sp3d>
+    <dgm:txPr/>
+    <dgm:style>
+      <a:lnRef idx="1">
+        <a:scrgbClr r="0" g="0" b="0"/>
+      </a:lnRef>
+      <a:fillRef idx="1">
+        <a:scrgbClr r="0" g="0" b="0"/>
+      </a:fillRef>
+      <a:effectRef idx="2">
+        <a:scrgbClr r="0" g="0" b="0"/>
+      </a:effectRef>
+      <a:fontRef idx="minor"/>
+    </dgm:style>
+  </dgm:styleLbl>
+  <dgm:styleLbl name="alignAcc1">
+    <dgm:scene3d>
+      <a:camera prst="orthographicFront"/>
+      <a:lightRig rig="threePt" dir="t">
+        <a:rot lat="0" lon="0" rev="7500000"/>
+      </a:lightRig>
+    </dgm:scene3d>
+    <dgm:sp3d extrusionH="190500" prstMaterial="dkEdge">
+      <a:bevelT w="135400" h="16350" prst="relaxedInset"/>
+      <a:contourClr>
+        <a:schemeClr val="bg1"/>
+      </a:contourClr>
+    </dgm:sp3d>
+    <dgm:txPr/>
+    <dgm:style>
+      <a:lnRef idx="1">
+        <a:scrgbClr r="0" g="0" b="0"/>
+      </a:lnRef>
+      <a:fillRef idx="1">
+        <a:scrgbClr r="0" g="0" b="0"/>
+      </a:fillRef>
+      <a:effectRef idx="2">
+        <a:scrgbClr r="0" g="0" b="0"/>
+      </a:effectRef>
+      <a:fontRef idx="minor"/>
+    </dgm:style>
+  </dgm:styleLbl>
+  <dgm:styleLbl name="trAlignAcc1">
+    <dgm:scene3d>
+      <a:camera prst="orthographicFront"/>
+      <a:lightRig rig="threePt" dir="t">
+        <a:rot lat="0" lon="0" rev="7500000"/>
+      </a:lightRig>
+    </dgm:scene3d>
+    <dgm:sp3d prstMaterial="plastic">
+      <a:bevelT w="127000" h="35400"/>
+    </dgm:sp3d>
+    <dgm:txPr/>
+    <dgm:style>
+      <a:lnRef idx="1">
+        <a:scrgbClr r="0" g="0" b="0"/>
+      </a:lnRef>
+      <a:fillRef idx="1">
+        <a:scrgbClr r="0" g="0" b="0"/>
+      </a:fillRef>
+      <a:effectRef idx="2">
+        <a:scrgbClr r="0" g="0" b="0"/>
+      </a:effectRef>
+      <a:fontRef idx="minor">
+        <a:schemeClr val="lt1"/>
+      </a:fontRef>
+    </dgm:style>
+  </dgm:styleLbl>
+  <dgm:styleLbl name="bgAcc1">
+    <dgm:scene3d>
+      <a:camera prst="orthographicFront"/>
+      <a:lightRig rig="threePt" dir="t">
+        <a:rot lat="0" lon="0" rev="7500000"/>
+      </a:lightRig>
+    </dgm:scene3d>
+    <dgm:sp3d z="-152400" extrusionH="63500" prstMaterial="dkEdge">
+      <a:bevelT w="124450" h="16350" prst="relaxedInset"/>
+      <a:contourClr>
+        <a:schemeClr val="bg1"/>
+      </a:contourClr>
+    </dgm:sp3d>
+    <dgm:txPr/>
+    <dgm:style>
+      <a:lnRef idx="1">
+        <a:scrgbClr r="0" g="0" b="0"/>
+      </a:lnRef>
+      <a:fillRef idx="1">
+        <a:scrgbClr r="0" g="0" b="0"/>
+      </a:fillRef>
+      <a:effectRef idx="0">
+        <a:scrgbClr r="0" g="0" b="0"/>
+      </a:effectRef>
+      <a:fontRef idx="minor"/>
+    </dgm:style>
+  </dgm:styleLbl>
+  <dgm:styleLbl name="solidFgAcc1">
+    <dgm:scene3d>
+      <a:camera prst="orthographicFront"/>
+      <a:lightRig rig="threePt" dir="t">
+        <a:rot lat="0" lon="0" rev="7500000"/>
+      </a:lightRig>
+    </dgm:scene3d>
+    <dgm:sp3d z="152400" extrusionH="63500" prstMaterial="dkEdge">
+      <a:bevelT w="120800" h="19050" prst="relaxedInset"/>
+      <a:contourClr>
+        <a:schemeClr val="bg1"/>
+      </a:contourClr>
+    </dgm:sp3d>
+    <dgm:txPr/>
+    <dgm:style>
+      <a:lnRef idx="1">
+        <a:scrgbClr r="0" g="0" b="0"/>
+      </a:lnRef>
+      <a:fillRef idx="1">
+        <a:scrgbClr r="0" g="0" b="0"/>
+      </a:fillRef>
+      <a:effectRef idx="2">
+        <a:scrgbClr r="0" g="0" b="0"/>
+      </a:effectRef>
+      <a:fontRef idx="minor"/>
+    </dgm:style>
+  </dgm:styleLbl>
+  <dgm:styleLbl name="solidAlignAcc1">
+    <dgm:scene3d>
+      <a:camera prst="orthographicFront"/>
+      <a:lightRig rig="threePt" dir="t">
+        <a:rot lat="0" lon="0" rev="7500000"/>
+      </a:lightRig>
+    </dgm:scene3d>
+    <dgm:sp3d extrusionH="190500" prstMaterial="dkEdge">
+      <a:bevelT w="120650" h="38100" prst="relaxedInset"/>
+      <a:contourClr>
+        <a:schemeClr val="bg1"/>
+      </a:contourClr>
+    </dgm:sp3d>
+    <dgm:txPr/>
+    <dgm:style>
+      <a:lnRef idx="1">
+        <a:scrgbClr r="0" g="0" b="0"/>
+      </a:lnRef>
+      <a:fillRef idx="1">
+        <a:scrgbClr r="0" g="0" b="0"/>
+      </a:fillRef>
+      <a:effectRef idx="2">
+        <a:scrgbClr r="0" g="0" b="0"/>
+      </a:effectRef>
+      <a:fontRef idx="minor"/>
+    </dgm:style>
+  </dgm:styleLbl>
+  <dgm:styleLbl name="solidBgAcc1">
+    <dgm:scene3d>
+      <a:camera prst="orthographicFront"/>
+      <a:lightRig rig="threePt" dir="t">
+        <a:rot lat="0" lon="0" rev="7500000"/>
+      </a:lightRig>
+    </dgm:scene3d>
+    <dgm:sp3d z="-152400" extrusionH="63500" prstMaterial="dkEdge">
+      <a:bevelT w="144450" h="36350" prst="relaxedInset"/>
+      <a:contourClr>
+        <a:schemeClr val="bg1"/>
+      </a:contourClr>
+    </dgm:sp3d>
+    <dgm:txPr/>
+    <dgm:style>
+      <a:lnRef idx="1">
+        <a:scrgbClr r="0" g="0" b="0"/>
+      </a:lnRef>
+      <a:fillRef idx="1">
+        <a:scrgbClr r="0" g="0" b="0"/>
+      </a:fillRef>
+      <a:effectRef idx="0">
+        <a:scrgbClr r="0" g="0" b="0"/>
+      </a:effectRef>
+      <a:fontRef idx="minor"/>
+    </dgm:style>
+  </dgm:styleLbl>
+  <dgm:styleLbl name="fgAccFollowNode1">
+    <dgm:scene3d>
+      <a:camera prst="orthographicFront"/>
+      <a:lightRig rig="threePt" dir="t">
+        <a:rot lat="0" lon="0" rev="7500000"/>
+      </a:lightRig>
+    </dgm:scene3d>
+    <dgm:sp3d z="152400" extrusionH="63500" prstMaterial="dkEdge">
+      <a:bevelT w="125400" h="36350" prst="relaxedInset"/>
+      <a:contourClr>
+        <a:schemeClr val="bg1"/>
+      </a:contourClr>
+    </dgm:sp3d>
+    <dgm:txPr/>
+    <dgm:style>
+      <a:lnRef idx="1">
+        <a:scrgbClr r="0" g="0" b="0"/>
+      </a:lnRef>
+      <a:fillRef idx="1">
+        <a:scrgbClr r="0" g="0" b="0"/>
+      </a:fillRef>
+      <a:effectRef idx="0">
+        <a:scrgbClr r="0" g="0" b="0"/>
+      </a:effectRef>
+      <a:fontRef idx="minor"/>
+    </dgm:style>
+  </dgm:styleLbl>
+  <dgm:styleLbl name="alignAccFollowNode1">
+    <dgm:scene3d>
+      <a:camera prst="orthographicFront"/>
+      <a:lightRig rig="threePt" dir="t">
+        <a:rot lat="0" lon="0" rev="7500000"/>
+      </a:lightRig>
+    </dgm:scene3d>
+    <dgm:sp3d extrusionH="190500" prstMaterial="dkEdge">
+      <a:bevelT w="120650" h="38100" prst="relaxedInset"/>
+      <a:bevelB w="120650" h="57150" prst="relaxedInset"/>
+      <a:contourClr>
+        <a:schemeClr val="bg1"/>
+      </a:contourClr>
+    </dgm:sp3d>
+    <dgm:txPr/>
+    <dgm:style>
+      <a:lnRef idx="1">
+        <a:scrgbClr r="0" g="0" b="0"/>
+      </a:lnRef>
+      <a:fillRef idx="1">
+        <a:scrgbClr r="0" g="0" b="0"/>
+      </a:fillRef>
+      <a:effectRef idx="2">
+        <a:scrgbClr r="0" g="0" b="0"/>
+      </a:effectRef>
+      <a:fontRef idx="minor"/>
+    </dgm:style>
+  </dgm:styleLbl>
+  <dgm:styleLbl name="bgAccFollowNode1">
+    <dgm:scene3d>
+      <a:camera prst="orthographicFront"/>
+      <a:lightRig rig="threePt" dir="t">
+        <a:rot lat="0" lon="0" rev="7500000"/>
+      </a:lightRig>
+    </dgm:scene3d>
+    <dgm:sp3d z="-152400" extrusionH="63500" prstMaterial="dkEdge">
+      <a:bevelT w="144450" h="36350" prst="relaxedInset"/>
+      <a:contourClr>
+        <a:schemeClr val="bg1"/>
+      </a:contourClr>
+    </dgm:sp3d>
+    <dgm:txPr/>
+    <dgm:style>
+      <a:lnRef idx="1">
+        <a:scrgbClr r="0" g="0" b="0"/>
+      </a:lnRef>
+      <a:fillRef idx="1">
+        <a:scrgbClr r="0" g="0" b="0"/>
+      </a:fillRef>
+      <a:effectRef idx="2">
+        <a:scrgbClr r="0" g="0" b="0"/>
+      </a:effectRef>
+      <a:fontRef idx="minor"/>
+    </dgm:style>
+  </dgm:styleLbl>
+  <dgm:styleLbl name="fgAcc0">
+    <dgm:scene3d>
+      <a:camera prst="orthographicFront"/>
+      <a:lightRig rig="threePt" dir="t">
+        <a:rot lat="0" lon="0" rev="7500000"/>
+      </a:lightRig>
+    </dgm:scene3d>
+    <dgm:sp3d z="152400" extrusionH="63500" prstMaterial="dkEdge">
+      <a:bevelT w="125400" h="36350" prst="relaxedInset"/>
+      <a:contourClr>
+        <a:schemeClr val="bg1"/>
+      </a:contourClr>
+    </dgm:sp3d>
+    <dgm:txPr/>
+    <dgm:style>
+      <a:lnRef idx="1">
+        <a:scrgbClr r="0" g="0" b="0"/>
+      </a:lnRef>
+      <a:fillRef idx="1">
+        <a:scrgbClr r="0" g="0" b="0"/>
+      </a:fillRef>
+      <a:effectRef idx="2">
+        <a:scrgbClr r="0" g="0" b="0"/>
+      </a:effectRef>
+      <a:fontRef idx="minor"/>
+    </dgm:style>
+  </dgm:styleLbl>
+  <dgm:styleLbl name="fgAcc2">
+    <dgm:scene3d>
+      <a:camera prst="orthographicFront"/>
+      <a:lightRig rig="threePt" dir="t">
+        <a:rot lat="0" lon="0" rev="7500000"/>
+      </a:lightRig>
+    </dgm:scene3d>
+    <dgm:sp3d z="152400" extrusionH="63500" prstMaterial="dkEdge">
+      <a:bevelT w="125400" h="36350" prst="relaxedInset"/>
+      <a:contourClr>
+        <a:schemeClr val="bg1"/>
+      </a:contourClr>
+    </dgm:sp3d>
+    <dgm:txPr/>
+    <dgm:style>
+      <a:lnRef idx="1">
+        <a:scrgbClr r="0" g="0" b="0"/>
+      </a:lnRef>
+      <a:fillRef idx="1">
+        <a:scrgbClr r="0" g="0" b="0"/>
+      </a:fillRef>
+      <a:effectRef idx="2">
+        <a:scrgbClr r="0" g="0" b="0"/>
+      </a:effectRef>
+      <a:fontRef idx="minor"/>
+    </dgm:style>
+  </dgm:styleLbl>
+  <dgm:styleLbl name="fgAcc3">
+    <dgm:scene3d>
+      <a:camera prst="orthographicFront"/>
+      <a:lightRig rig="threePt" dir="t">
+        <a:rot lat="0" lon="0" rev="7500000"/>
+      </a:lightRig>
+    </dgm:scene3d>
+    <dgm:sp3d z="152400" extrusionH="63500" prstMaterial="dkEdge">
+      <a:bevelT w="125400" h="36350" prst="relaxedInset"/>
+      <a:contourClr>
+        <a:schemeClr val="bg1"/>
+      </a:contourClr>
+    </dgm:sp3d>
+    <dgm:txPr/>
+    <dgm:style>
+      <a:lnRef idx="1">
+        <a:scrgbClr r="0" g="0" b="0"/>
+      </a:lnRef>
+      <a:fillRef idx="1">
+        <a:scrgbClr r="0" g="0" b="0"/>
+      </a:fillRef>
+      <a:effectRef idx="2">
+        <a:scrgbClr r="0" g="0" b="0"/>
+      </a:effectRef>
+      <a:fontRef idx="minor"/>
+    </dgm:style>
+  </dgm:styleLbl>
+  <dgm:styleLbl name="fgAcc4">
+    <dgm:scene3d>
+      <a:camera prst="orthographicFront"/>
+      <a:lightRig rig="threePt" dir="t">
+        <a:rot lat="0" lon="0" rev="7500000"/>
+      </a:lightRig>
+    </dgm:scene3d>
+    <dgm:sp3d z="152400" extrusionH="63500" prstMaterial="dkEdge">
+      <a:bevelT w="125400" h="36350" prst="relaxedInset"/>
+      <a:contourClr>
+        <a:schemeClr val="bg1"/>
+      </a:contourClr>
+    </dgm:sp3d>
+    <dgm:txPr/>
+    <dgm:style>
+      <a:lnRef idx="1">
+        <a:scrgbClr r="0" g="0" b="0"/>
+      </a:lnRef>
+      <a:fillRef idx="1">
+        <a:scrgbClr r="0" g="0" b="0"/>
+      </a:fillRef>
+      <a:effectRef idx="2">
+        <a:scrgbClr r="0" g="0" b="0"/>
+      </a:effectRef>
+      <a:fontRef idx="minor"/>
+    </dgm:style>
+  </dgm:styleLbl>
+  <dgm:styleLbl name="bgShp">
+    <dgm:scene3d>
+      <a:camera prst="orthographicFront"/>
+      <a:lightRig rig="threePt" dir="t">
+        <a:rot lat="0" lon="0" rev="7500000"/>
+      </a:lightRig>
+    </dgm:scene3d>
+    <dgm:sp3d z="-152400" extrusionH="63500" prstMaterial="matte">
+      <a:bevelT w="144450" h="6350" prst="relaxedInset"/>
+      <a:contourClr>
+        <a:schemeClr val="bg1"/>
+      </a:contourClr>
+    </dgm:sp3d>
+    <dgm:txPr/>
+    <dgm:style>
+      <a:lnRef idx="0">
+        <a:scrgbClr r="0" g="0" b="0"/>
+      </a:lnRef>
+      <a:fillRef idx="3">
+        <a:scrgbClr r="0" g="0" b="0"/>
+      </a:fillRef>
+      <a:effectRef idx="0">
+        <a:scrgbClr r="0" g="0" b="0"/>
+      </a:effectRef>
+      <a:fontRef idx="minor"/>
+    </dgm:style>
+  </dgm:styleLbl>
+  <dgm:styleLbl name="dkBgShp">
+    <dgm:scene3d>
+      <a:camera prst="orthographicFront"/>
+      <a:lightRig rig="threePt" dir="t">
+        <a:rot lat="0" lon="0" rev="7500000"/>
+      </a:lightRig>
+    </dgm:scene3d>
+    <dgm:sp3d prstMaterial="plastic">
+      <a:bevelT w="127000" h="25400" prst="relaxedInset"/>
+      <a:bevelB w="88900" h="121750" prst="angle"/>
+    </dgm:sp3d>
+    <dgm:txPr/>
+    <dgm:style>
+      <a:lnRef idx="0">
+        <a:scrgbClr r="0" g="0" b="0"/>
+      </a:lnRef>
+      <a:fillRef idx="1">
+        <a:scrgbClr r="0" g="0" b="0"/>
+      </a:fillRef>
+      <a:effectRef idx="2">
+        <a:scrgbClr r="0" g="0" b="0"/>
+      </a:effectRef>
+      <a:fontRef idx="minor">
+        <a:schemeClr val="lt1"/>
+      </a:fontRef>
+    </dgm:style>
+  </dgm:styleLbl>
+  <dgm:styleLbl name="trBgShp">
+    <dgm:scene3d>
+      <a:camera prst="orthographicFront"/>
+      <a:lightRig rig="threePt" dir="t"/>
+    </dgm:scene3d>
+    <dgm:sp3d z="-152400" prstMaterial="matte"/>
+    <dgm:txPr/>
+    <dgm:style>
+      <a:lnRef idx="0">
+        <a:scrgbClr r="0" g="0" b="0"/>
+      </a:lnRef>
+      <a:fillRef idx="1">
+        <a:scrgbClr r="0" g="0" b="0"/>
+      </a:fillRef>
+      <a:effectRef idx="0">
+        <a:scrgbClr r="0" g="0" b="0"/>
+      </a:effectRef>
+      <a:fontRef idx="minor"/>
+    </dgm:style>
+  </dgm:styleLbl>
+  <dgm:styleLbl name="fgShp">
+    <dgm:scene3d>
+      <a:camera prst="orthographicFront"/>
+      <a:lightRig rig="threePt" dir="t">
+        <a:rot lat="0" lon="0" rev="7500000"/>
+      </a:lightRig>
+    </dgm:scene3d>
+    <dgm:sp3d z="152400" extrusionH="63500" prstMaterial="matte">
+      <a:bevelT w="50800" h="19050" prst="relaxedInset"/>
+      <a:contourClr>
+        <a:schemeClr val="bg1"/>
+      </a:contourClr>
+    </dgm:sp3d>
+    <dgm:txPr/>
+    <dgm:style>
+      <a:lnRef idx="0">
+        <a:scrgbClr r="0" g="0" b="0"/>
+      </a:lnRef>
+      <a:fillRef idx="1">
+        <a:scrgbClr r="0" g="0" b="0"/>
+      </a:fillRef>
+      <a:effectRef idx="2">
+        <a:scrgbClr r="0" g="0" b="0"/>
+      </a:effectRef>
+      <a:fontRef idx="minor">
+        <a:schemeClr val="lt1"/>
+      </a:fontRef>
+    </dgm:style>
+  </dgm:styleLbl>
+  <dgm:styleLbl name="revTx">
+    <dgm:scene3d>
+      <a:camera prst="orthographicFront"/>
+      <a:lightRig rig="threePt" dir="t"/>
+    </dgm:scene3d>
+    <dgm:sp3d/>
+    <dgm:txPr/>
+    <dgm:style>
+      <a:lnRef idx="0">
+        <a:scrgbClr r="0" g="0" b="0"/>
+      </a:lnRef>
+      <a:fillRef idx="0">
+        <a:scrgbClr r="0" g="0" b="0"/>
+      </a:fillRef>
+      <a:effectRef idx="0">
+        <a:scrgbClr r="0" g="0" b="0"/>
+      </a:effectRef>
+      <a:fontRef idx="minor"/>
+    </dgm:style>
+  </dgm:styleLbl>
+</dgm:styleDef>
 </file>
 
 <file path=ppt/slideLayouts/slideLayout1.xml><?xml version="1.0" encoding="utf-8"?>
@@ -4309,7 +7895,7 @@
           </a:lstStyle>
           <a:p>
             <a:r>
-              <a:rPr lang="en-US" smtClean="0"/>
+              <a:rPr lang="en-US"/>
               <a:t>Click to edit Master title style</a:t>
             </a:r>
             <a:endParaRPr lang="en-US" dirty="0"/>
@@ -4380,7 +7966,7 @@
           </a:lstStyle>
           <a:p>
             <a:r>
-              <a:rPr lang="en-US" smtClean="0"/>
+              <a:rPr lang="en-US"/>
               <a:t>Click to edit Master subtitle style</a:t>
             </a:r>
             <a:endParaRPr lang="en-US" dirty="0"/>
@@ -4524,7 +8110,7 @@
           </a:lstStyle>
           <a:p>
             <a:r>
-              <a:rPr lang="en-US" smtClean="0"/>
+              <a:rPr lang="en-US"/>
               <a:t>Click to edit Master title style</a:t>
             </a:r>
             <a:endParaRPr lang="en-US" dirty="0"/>
@@ -4585,7 +8171,7 @@
               <a:buNone/>
             </a:pPr>
             <a:r>
-              <a:rPr lang="en-US" smtClean="0"/>
+              <a:rPr lang="en-US"/>
               <a:t>Click icon to add picture</a:t>
             </a:r>
             <a:endParaRPr lang="en-US" dirty="0"/>
@@ -4653,7 +8239,7 @@
           <a:p>
             <a:pPr lvl="0"/>
             <a:r>
-              <a:rPr lang="en-US" smtClean="0"/>
+              <a:rPr lang="en-US"/>
               <a:t>Edit Master text styles</a:t>
             </a:r>
           </a:p>
@@ -4781,7 +8367,7 @@
           </a:lstStyle>
           <a:p>
             <a:r>
-              <a:rPr lang="en-US" smtClean="0"/>
+              <a:rPr lang="en-US"/>
               <a:t>Click to edit Master title style</a:t>
             </a:r>
             <a:endParaRPr lang="en-US" dirty="0"/>
@@ -4849,7 +8435,7 @@
           <a:p>
             <a:pPr lvl="0"/>
             <a:r>
-              <a:rPr lang="en-US" smtClean="0"/>
+              <a:rPr lang="en-US"/>
               <a:t>Edit Master text styles</a:t>
             </a:r>
           </a:p>
@@ -4977,7 +8563,7 @@
           </a:lstStyle>
           <a:p>
             <a:r>
-              <a:rPr lang="en-US" smtClean="0"/>
+              <a:rPr lang="en-US"/>
               <a:t>Click to edit Master title style</a:t>
             </a:r>
             <a:endParaRPr lang="en-US" dirty="0"/>
@@ -5045,7 +8631,7 @@
           <a:p>
             <a:pPr lvl="0"/>
             <a:r>
-              <a:rPr lang="en-US" smtClean="0"/>
+              <a:rPr lang="en-US"/>
               <a:t>Edit Master text styles</a:t>
             </a:r>
           </a:p>
@@ -5112,7 +8698,7 @@
           <a:p>
             <a:pPr lvl="0"/>
             <a:r>
-              <a:rPr lang="en-US" smtClean="0"/>
+              <a:rPr lang="en-US"/>
               <a:t>Edit Master text styles</a:t>
             </a:r>
           </a:p>
@@ -5478,7 +9064,7 @@
           </a:lstStyle>
           <a:p>
             <a:r>
-              <a:rPr lang="en-US" smtClean="0"/>
+              <a:rPr lang="en-US"/>
               <a:t>Click to edit Master title style</a:t>
             </a:r>
             <a:endParaRPr lang="en-US" dirty="0"/>
@@ -5546,7 +9132,7 @@
           <a:p>
             <a:pPr lvl="0"/>
             <a:r>
-              <a:rPr lang="en-US" smtClean="0"/>
+              <a:rPr lang="en-US"/>
               <a:t>Edit Master text styles</a:t>
             </a:r>
           </a:p>
@@ -5668,7 +9254,7 @@
           <a:lstStyle/>
           <a:p>
             <a:r>
-              <a:rPr lang="en-US" smtClean="0"/>
+              <a:rPr lang="en-US"/>
               <a:t>Click to edit Master title style</a:t>
             </a:r>
             <a:endParaRPr lang="en-US" dirty="0"/>
@@ -5743,7 +9329,7 @@
           <a:p>
             <a:pPr lvl="0"/>
             <a:r>
-              <a:rPr lang="en-US" smtClean="0"/>
+              <a:rPr lang="en-US"/>
               <a:t>Edit Master text styles</a:t>
             </a:r>
           </a:p>
@@ -5810,7 +9396,7 @@
           <a:p>
             <a:pPr lvl="0"/>
             <a:r>
-              <a:rPr lang="en-US" smtClean="0"/>
+              <a:rPr lang="en-US"/>
               <a:t>Edit Master text styles</a:t>
             </a:r>
           </a:p>
@@ -5884,7 +9470,7 @@
           <a:p>
             <a:pPr lvl="0"/>
             <a:r>
-              <a:rPr lang="en-US" smtClean="0"/>
+              <a:rPr lang="en-US"/>
               <a:t>Edit Master text styles</a:t>
             </a:r>
           </a:p>
@@ -5951,7 +9537,7 @@
           <a:p>
             <a:pPr lvl="0"/>
             <a:r>
-              <a:rPr lang="en-US" smtClean="0"/>
+              <a:rPr lang="en-US"/>
               <a:t>Edit Master text styles</a:t>
             </a:r>
           </a:p>
@@ -6025,7 +9611,7 @@
           <a:p>
             <a:pPr lvl="0"/>
             <a:r>
-              <a:rPr lang="en-US" smtClean="0"/>
+              <a:rPr lang="en-US"/>
               <a:t>Edit Master text styles</a:t>
             </a:r>
           </a:p>
@@ -6092,7 +9678,7 @@
           <a:p>
             <a:pPr lvl="0"/>
             <a:r>
-              <a:rPr lang="en-US" smtClean="0"/>
+              <a:rPr lang="en-US"/>
               <a:t>Edit Master text styles</a:t>
             </a:r>
           </a:p>
@@ -6214,7 +9800,7 @@
           <a:lstStyle/>
           <a:p>
             <a:r>
-              <a:rPr lang="en-US" smtClean="0"/>
+              <a:rPr lang="en-US"/>
               <a:t>Click to edit Master title style</a:t>
             </a:r>
             <a:endParaRPr lang="en-US" dirty="0"/>
@@ -6289,7 +9875,7 @@
           <a:p>
             <a:pPr lvl="0"/>
             <a:r>
-              <a:rPr lang="en-US" smtClean="0"/>
+              <a:rPr lang="en-US"/>
               <a:t>Edit Master text styles</a:t>
             </a:r>
           </a:p>
@@ -6346,7 +9932,7 @@
               <a:buNone/>
             </a:pPr>
             <a:r>
-              <a:rPr lang="en-US" smtClean="0"/>
+              <a:rPr lang="en-US"/>
               <a:t>Click icon to add picture</a:t>
             </a:r>
             <a:endParaRPr lang="en-US" dirty="0"/>
@@ -6414,7 +10000,7 @@
           <a:p>
             <a:pPr lvl="0"/>
             <a:r>
-              <a:rPr lang="en-US" smtClean="0"/>
+              <a:rPr lang="en-US"/>
               <a:t>Edit Master text styles</a:t>
             </a:r>
           </a:p>
@@ -6488,7 +10074,7 @@
           <a:p>
             <a:pPr lvl="0"/>
             <a:r>
-              <a:rPr lang="en-US" smtClean="0"/>
+              <a:rPr lang="en-US"/>
               <a:t>Edit Master text styles</a:t>
             </a:r>
           </a:p>
@@ -6545,7 +10131,7 @@
               <a:buNone/>
             </a:pPr>
             <a:r>
-              <a:rPr lang="en-US" smtClean="0"/>
+              <a:rPr lang="en-US"/>
               <a:t>Click icon to add picture</a:t>
             </a:r>
             <a:endParaRPr lang="en-US" dirty="0"/>
@@ -6613,7 +10199,7 @@
           <a:p>
             <a:pPr lvl="0"/>
             <a:r>
-              <a:rPr lang="en-US" smtClean="0"/>
+              <a:rPr lang="en-US"/>
               <a:t>Edit Master text styles</a:t>
             </a:r>
           </a:p>
@@ -6687,7 +10273,7 @@
           <a:p>
             <a:pPr lvl="0"/>
             <a:r>
-              <a:rPr lang="en-US" smtClean="0"/>
+              <a:rPr lang="en-US"/>
               <a:t>Edit Master text styles</a:t>
             </a:r>
           </a:p>
@@ -6744,7 +10330,7 @@
               <a:buNone/>
             </a:pPr>
             <a:r>
-              <a:rPr lang="en-US" smtClean="0"/>
+              <a:rPr lang="en-US"/>
               <a:t>Click icon to add picture</a:t>
             </a:r>
             <a:endParaRPr lang="en-US" dirty="0"/>
@@ -6812,7 +10398,7 @@
           <a:p>
             <a:pPr lvl="0"/>
             <a:r>
-              <a:rPr lang="en-US" smtClean="0"/>
+              <a:rPr lang="en-US"/>
               <a:t>Edit Master text styles</a:t>
             </a:r>
           </a:p>
@@ -6929,7 +10515,7 @@
           <a:lstStyle/>
           <a:p>
             <a:r>
-              <a:rPr lang="en-US" smtClean="0"/>
+              <a:rPr lang="en-US"/>
               <a:t>Click to edit Master title style</a:t>
             </a:r>
             <a:endParaRPr lang="en-US" dirty="0"/>
@@ -6953,35 +10539,35 @@
           <a:p>
             <a:pPr lvl="0"/>
             <a:r>
-              <a:rPr lang="en-US" smtClean="0"/>
+              <a:rPr lang="en-US"/>
               <a:t>Edit Master text styles</a:t>
             </a:r>
           </a:p>
           <a:p>
             <a:pPr lvl="1"/>
             <a:r>
-              <a:rPr lang="en-US" smtClean="0"/>
+              <a:rPr lang="en-US"/>
               <a:t>Second level</a:t>
             </a:r>
           </a:p>
           <a:p>
             <a:pPr lvl="2"/>
             <a:r>
-              <a:rPr lang="en-US" smtClean="0"/>
+              <a:rPr lang="en-US"/>
               <a:t>Third level</a:t>
             </a:r>
           </a:p>
           <a:p>
             <a:pPr lvl="3"/>
             <a:r>
-              <a:rPr lang="en-US" smtClean="0"/>
+              <a:rPr lang="en-US"/>
               <a:t>Fourth level</a:t>
             </a:r>
           </a:p>
           <a:p>
             <a:pPr lvl="4"/>
             <a:r>
-              <a:rPr lang="en-US" smtClean="0"/>
+              <a:rPr lang="en-US"/>
               <a:t>Fifth level</a:t>
             </a:r>
             <a:endParaRPr lang="en-US" dirty="0"/>
@@ -7104,7 +10690,7 @@
           <a:lstStyle/>
           <a:p>
             <a:r>
-              <a:rPr lang="en-US" smtClean="0"/>
+              <a:rPr lang="en-US"/>
               <a:t>Click to edit Master title style</a:t>
             </a:r>
             <a:endParaRPr lang="en-US" dirty="0"/>
@@ -7133,35 +10719,35 @@
           <a:p>
             <a:pPr lvl="0"/>
             <a:r>
-              <a:rPr lang="en-US" smtClean="0"/>
+              <a:rPr lang="en-US"/>
               <a:t>Edit Master text styles</a:t>
             </a:r>
           </a:p>
           <a:p>
             <a:pPr lvl="1"/>
             <a:r>
-              <a:rPr lang="en-US" smtClean="0"/>
+              <a:rPr lang="en-US"/>
               <a:t>Second level</a:t>
             </a:r>
           </a:p>
           <a:p>
             <a:pPr lvl="2"/>
             <a:r>
-              <a:rPr lang="en-US" smtClean="0"/>
+              <a:rPr lang="en-US"/>
               <a:t>Third level</a:t>
             </a:r>
           </a:p>
           <a:p>
             <a:pPr lvl="3"/>
             <a:r>
-              <a:rPr lang="en-US" smtClean="0"/>
+              <a:rPr lang="en-US"/>
               <a:t>Fourth level</a:t>
             </a:r>
           </a:p>
           <a:p>
             <a:pPr lvl="4"/>
             <a:r>
-              <a:rPr lang="en-US" smtClean="0"/>
+              <a:rPr lang="en-US"/>
               <a:t>Fifth level</a:t>
             </a:r>
             <a:endParaRPr lang="en-US" dirty="0"/>
@@ -7279,7 +10865,7 @@
           <a:lstStyle/>
           <a:p>
             <a:r>
-              <a:rPr lang="en-US" smtClean="0"/>
+              <a:rPr lang="en-US"/>
               <a:t>Click to edit Master title style</a:t>
             </a:r>
             <a:endParaRPr lang="en-US" dirty="0"/>
@@ -7303,35 +10889,35 @@
           <a:p>
             <a:pPr lvl="0"/>
             <a:r>
-              <a:rPr lang="en-US" smtClean="0"/>
+              <a:rPr lang="en-US"/>
               <a:t>Edit Master text styles</a:t>
             </a:r>
           </a:p>
           <a:p>
             <a:pPr lvl="1"/>
             <a:r>
-              <a:rPr lang="en-US" smtClean="0"/>
+              <a:rPr lang="en-US"/>
               <a:t>Second level</a:t>
             </a:r>
           </a:p>
           <a:p>
             <a:pPr lvl="2"/>
             <a:r>
-              <a:rPr lang="en-US" smtClean="0"/>
+              <a:rPr lang="en-US"/>
               <a:t>Third level</a:t>
             </a:r>
           </a:p>
           <a:p>
             <a:pPr lvl="3"/>
             <a:r>
-              <a:rPr lang="en-US" smtClean="0"/>
+              <a:rPr lang="en-US"/>
               <a:t>Fourth level</a:t>
             </a:r>
           </a:p>
           <a:p>
             <a:pPr lvl="4"/>
             <a:r>
-              <a:rPr lang="en-US" smtClean="0"/>
+              <a:rPr lang="en-US"/>
               <a:t>Fifth level</a:t>
             </a:r>
             <a:endParaRPr lang="en-US" dirty="0"/>
@@ -7460,7 +11046,7 @@
           </a:lstStyle>
           <a:p>
             <a:r>
-              <a:rPr lang="en-US" smtClean="0"/>
+              <a:rPr lang="en-US"/>
               <a:t>Click to edit Master title style</a:t>
             </a:r>
             <a:endParaRPr lang="en-US" dirty="0"/>
@@ -7582,7 +11168,7 @@
           <a:p>
             <a:pPr lvl="0"/>
             <a:r>
-              <a:rPr lang="en-US" smtClean="0"/>
+              <a:rPr lang="en-US"/>
               <a:t>Edit Master text styles</a:t>
             </a:r>
           </a:p>
@@ -7699,7 +11285,7 @@
           <a:lstStyle/>
           <a:p>
             <a:r>
-              <a:rPr lang="en-US" smtClean="0"/>
+              <a:rPr lang="en-US"/>
               <a:t>Click to edit Master title style</a:t>
             </a:r>
             <a:endParaRPr lang="en-US" dirty="0"/>
@@ -7728,35 +11314,35 @@
           <a:p>
             <a:pPr lvl="0"/>
             <a:r>
-              <a:rPr lang="en-US" smtClean="0"/>
+              <a:rPr lang="en-US"/>
               <a:t>Edit Master text styles</a:t>
             </a:r>
           </a:p>
           <a:p>
             <a:pPr lvl="1"/>
             <a:r>
-              <a:rPr lang="en-US" smtClean="0"/>
+              <a:rPr lang="en-US"/>
               <a:t>Second level</a:t>
             </a:r>
           </a:p>
           <a:p>
             <a:pPr lvl="2"/>
             <a:r>
-              <a:rPr lang="en-US" smtClean="0"/>
+              <a:rPr lang="en-US"/>
               <a:t>Third level</a:t>
             </a:r>
           </a:p>
           <a:p>
             <a:pPr lvl="3"/>
             <a:r>
-              <a:rPr lang="en-US" smtClean="0"/>
+              <a:rPr lang="en-US"/>
               <a:t>Fourth level</a:t>
             </a:r>
           </a:p>
           <a:p>
             <a:pPr lvl="4"/>
             <a:r>
-              <a:rPr lang="en-US" smtClean="0"/>
+              <a:rPr lang="en-US"/>
               <a:t>Fifth level</a:t>
             </a:r>
             <a:endParaRPr lang="en-US" dirty="0"/>
@@ -7785,35 +11371,35 @@
           <a:p>
             <a:pPr lvl="0"/>
             <a:r>
-              <a:rPr lang="en-US" smtClean="0"/>
+              <a:rPr lang="en-US"/>
               <a:t>Edit Master text styles</a:t>
             </a:r>
           </a:p>
           <a:p>
             <a:pPr lvl="1"/>
             <a:r>
-              <a:rPr lang="en-US" smtClean="0"/>
+              <a:rPr lang="en-US"/>
               <a:t>Second level</a:t>
             </a:r>
           </a:p>
           <a:p>
             <a:pPr lvl="2"/>
             <a:r>
-              <a:rPr lang="en-US" smtClean="0"/>
+              <a:rPr lang="en-US"/>
               <a:t>Third level</a:t>
             </a:r>
           </a:p>
           <a:p>
             <a:pPr lvl="3"/>
             <a:r>
-              <a:rPr lang="en-US" smtClean="0"/>
+              <a:rPr lang="en-US"/>
               <a:t>Fourth level</a:t>
             </a:r>
           </a:p>
           <a:p>
             <a:pPr lvl="4"/>
             <a:r>
-              <a:rPr lang="en-US" smtClean="0"/>
+              <a:rPr lang="en-US"/>
               <a:t>Fifth level</a:t>
             </a:r>
             <a:endParaRPr lang="en-US" dirty="0"/>
@@ -7936,7 +11522,7 @@
           <a:lstStyle/>
           <a:p>
             <a:r>
-              <a:rPr lang="en-US" smtClean="0"/>
+              <a:rPr lang="en-US"/>
               <a:t>Click to edit Master title style</a:t>
             </a:r>
             <a:endParaRPr lang="en-US" dirty="0"/>
@@ -8009,7 +11595,7 @@
           <a:p>
             <a:pPr lvl="0"/>
             <a:r>
-              <a:rPr lang="en-US" smtClean="0"/>
+              <a:rPr lang="en-US"/>
               <a:t>Edit Master text styles</a:t>
             </a:r>
           </a:p>
@@ -8037,35 +11623,35 @@
           <a:p>
             <a:pPr lvl="0"/>
             <a:r>
-              <a:rPr lang="en-US" smtClean="0"/>
+              <a:rPr lang="en-US"/>
               <a:t>Edit Master text styles</a:t>
             </a:r>
           </a:p>
           <a:p>
             <a:pPr lvl="1"/>
             <a:r>
-              <a:rPr lang="en-US" smtClean="0"/>
+              <a:rPr lang="en-US"/>
               <a:t>Second level</a:t>
             </a:r>
           </a:p>
           <a:p>
             <a:pPr lvl="2"/>
             <a:r>
-              <a:rPr lang="en-US" smtClean="0"/>
+              <a:rPr lang="en-US"/>
               <a:t>Third level</a:t>
             </a:r>
           </a:p>
           <a:p>
             <a:pPr lvl="3"/>
             <a:r>
-              <a:rPr lang="en-US" smtClean="0"/>
+              <a:rPr lang="en-US"/>
               <a:t>Fourth level</a:t>
             </a:r>
           </a:p>
           <a:p>
             <a:pPr lvl="4"/>
             <a:r>
-              <a:rPr lang="en-US" smtClean="0"/>
+              <a:rPr lang="en-US"/>
               <a:t>Fifth level</a:t>
             </a:r>
             <a:endParaRPr lang="en-US" dirty="0"/>
@@ -8138,7 +11724,7 @@
           <a:p>
             <a:pPr lvl="0"/>
             <a:r>
-              <a:rPr lang="en-US" smtClean="0"/>
+              <a:rPr lang="en-US"/>
               <a:t>Edit Master text styles</a:t>
             </a:r>
           </a:p>
@@ -8166,35 +11752,35 @@
           <a:p>
             <a:pPr lvl="0"/>
             <a:r>
-              <a:rPr lang="en-US" smtClean="0"/>
+              <a:rPr lang="en-US"/>
               <a:t>Edit Master text styles</a:t>
             </a:r>
           </a:p>
           <a:p>
             <a:pPr lvl="1"/>
             <a:r>
-              <a:rPr lang="en-US" smtClean="0"/>
+              <a:rPr lang="en-US"/>
               <a:t>Second level</a:t>
             </a:r>
           </a:p>
           <a:p>
             <a:pPr lvl="2"/>
             <a:r>
-              <a:rPr lang="en-US" smtClean="0"/>
+              <a:rPr lang="en-US"/>
               <a:t>Third level</a:t>
             </a:r>
           </a:p>
           <a:p>
             <a:pPr lvl="3"/>
             <a:r>
-              <a:rPr lang="en-US" smtClean="0"/>
+              <a:rPr lang="en-US"/>
               <a:t>Fourth level</a:t>
             </a:r>
           </a:p>
           <a:p>
             <a:pPr lvl="4"/>
             <a:r>
-              <a:rPr lang="en-US" smtClean="0"/>
+              <a:rPr lang="en-US"/>
               <a:t>Fifth level</a:t>
             </a:r>
             <a:endParaRPr lang="en-US" dirty="0"/>
@@ -8312,7 +11898,7 @@
           <a:lstStyle/>
           <a:p>
             <a:r>
-              <a:rPr lang="en-US" smtClean="0"/>
+              <a:rPr lang="en-US"/>
               <a:t>Click to edit Master title style</a:t>
             </a:r>
             <a:endParaRPr lang="en-US" dirty="0"/>
@@ -8534,7 +12120,7 @@
           </a:lstStyle>
           <a:p>
             <a:r>
-              <a:rPr lang="en-US" smtClean="0"/>
+              <a:rPr lang="en-US"/>
               <a:t>Click to edit Master title style</a:t>
             </a:r>
             <a:endParaRPr lang="en-US" dirty="0"/>
@@ -8563,35 +12149,35 @@
           <a:p>
             <a:pPr lvl="0"/>
             <a:r>
-              <a:rPr lang="en-US" smtClean="0"/>
+              <a:rPr lang="en-US"/>
               <a:t>Edit Master text styles</a:t>
             </a:r>
           </a:p>
           <a:p>
             <a:pPr lvl="1"/>
             <a:r>
-              <a:rPr lang="en-US" smtClean="0"/>
+              <a:rPr lang="en-US"/>
               <a:t>Second level</a:t>
             </a:r>
           </a:p>
           <a:p>
             <a:pPr lvl="2"/>
             <a:r>
-              <a:rPr lang="en-US" smtClean="0"/>
+              <a:rPr lang="en-US"/>
               <a:t>Third level</a:t>
             </a:r>
           </a:p>
           <a:p>
             <a:pPr lvl="3"/>
             <a:r>
-              <a:rPr lang="en-US" smtClean="0"/>
+              <a:rPr lang="en-US"/>
               <a:t>Fourth level</a:t>
             </a:r>
           </a:p>
           <a:p>
             <a:pPr lvl="4"/>
             <a:r>
-              <a:rPr lang="en-US" smtClean="0"/>
+              <a:rPr lang="en-US"/>
               <a:t>Fifth level</a:t>
             </a:r>
             <a:endParaRPr lang="en-US" dirty="0"/>
@@ -8657,7 +12243,7 @@
           <a:p>
             <a:pPr lvl="0"/>
             <a:r>
-              <a:rPr lang="en-US" smtClean="0"/>
+              <a:rPr lang="en-US"/>
               <a:t>Edit Master text styles</a:t>
             </a:r>
           </a:p>
@@ -8783,7 +12369,7 @@
           </a:lstStyle>
           <a:p>
             <a:r>
-              <a:rPr lang="en-US" smtClean="0"/>
+              <a:rPr lang="en-US"/>
               <a:t>Click to edit Master title style</a:t>
             </a:r>
             <a:endParaRPr lang="en-US" dirty="0"/>
@@ -8871,7 +12457,7 @@
           </a:lstStyle>
           <a:p>
             <a:r>
-              <a:rPr lang="en-US" smtClean="0"/>
+              <a:rPr lang="en-US"/>
               <a:t>Click icon to add picture</a:t>
             </a:r>
             <a:endParaRPr lang="en-US" dirty="0"/>
@@ -8937,7 +12523,7 @@
           <a:p>
             <a:pPr lvl="0"/>
             <a:r>
-              <a:rPr lang="en-US" smtClean="0"/>
+              <a:rPr lang="en-US"/>
               <a:t>Edit Master text styles</a:t>
             </a:r>
           </a:p>
@@ -11957,35 +15543,35 @@
           <a:p>
             <a:pPr lvl="0"/>
             <a:r>
-              <a:rPr lang="en-US" smtClean="0"/>
+              <a:rPr lang="en-US"/>
               <a:t>Edit Master text styles</a:t>
             </a:r>
           </a:p>
           <a:p>
             <a:pPr lvl="1"/>
             <a:r>
-              <a:rPr lang="en-US" smtClean="0"/>
+              <a:rPr lang="en-US"/>
               <a:t>Second level</a:t>
             </a:r>
           </a:p>
           <a:p>
             <a:pPr lvl="2"/>
             <a:r>
-              <a:rPr lang="en-US" smtClean="0"/>
+              <a:rPr lang="en-US"/>
               <a:t>Third level</a:t>
             </a:r>
           </a:p>
           <a:p>
             <a:pPr lvl="3"/>
             <a:r>
-              <a:rPr lang="en-US" smtClean="0"/>
+              <a:rPr lang="en-US"/>
               <a:t>Fourth level</a:t>
             </a:r>
           </a:p>
           <a:p>
             <a:pPr lvl="4"/>
             <a:r>
-              <a:rPr lang="en-US" smtClean="0"/>
+              <a:rPr lang="en-US"/>
               <a:t>Fifth level</a:t>
             </a:r>
             <a:endParaRPr lang="en-US" dirty="0"/>
@@ -12461,7 +16047,7 @@
         </p:nvSpPr>
         <p:spPr>
           <a:xfrm>
-            <a:off x="1981200" y="381000"/>
+            <a:off x="1892423" y="150181"/>
             <a:ext cx="8229600" cy="1143000"/>
           </a:xfrm>
         </p:spPr>
@@ -12494,13 +16080,13 @@
         </p:nvSpPr>
         <p:spPr>
           <a:xfrm>
-            <a:off x="1807191" y="1676400"/>
+            <a:off x="1807191" y="1234440"/>
             <a:ext cx="8577618" cy="4389120"/>
           </a:xfrm>
         </p:spPr>
         <p:txBody>
           <a:bodyPr>
-            <a:normAutofit fontScale="92500" lnSpcReduction="20000"/>
+            <a:noAutofit/>
           </a:bodyPr>
           <a:lstStyle/>
           <a:p>
@@ -12512,7 +16098,7 @@
                 <a:solidFill>
                   <a:srgbClr val="00B050"/>
                 </a:solidFill>
-                <a:latin typeface="Adobe Fan Heiti Std B" panose="020B0700000000000000" pitchFamily="34" charset="-128"/>
+                <a:latin typeface="Arial Rounded MT Bold" panose="020F0704030504030204" pitchFamily="34" charset="0"/>
                 <a:ea typeface="Adobe Fan Heiti Std B" panose="020B0700000000000000" pitchFamily="34" charset="-128"/>
               </a:rPr>
               <a:t>Course No : CSE 3119</a:t>
@@ -12527,7 +16113,7 @@
                 <a:solidFill>
                   <a:srgbClr val="00B050"/>
                 </a:solidFill>
-                <a:latin typeface="Adobe Fan Heiti Std B" panose="020B0700000000000000" pitchFamily="34" charset="-128"/>
+                <a:latin typeface="Arial Rounded MT Bold" panose="020F0704030504030204" pitchFamily="34" charset="0"/>
                 <a:ea typeface="Adobe Fan Heiti Std B" panose="020B0700000000000000" pitchFamily="34" charset="-128"/>
               </a:rPr>
               <a:t>Course title: Information System and Software Engineering </a:t>
@@ -12538,24 +16124,24 @@
               <a:buNone/>
             </a:pPr>
             <a:r>
-              <a:rPr lang="en-US" sz="2000" dirty="0" smtClean="0">
+              <a:rPr lang="en-US" sz="2000" dirty="0">
                 <a:solidFill>
                   <a:srgbClr val="00B050"/>
                 </a:solidFill>
-                <a:latin typeface="Adobe Fan Heiti Std B" panose="020B0700000000000000" pitchFamily="34" charset="-128"/>
+                <a:latin typeface="Arial Rounded MT Bold" panose="020F0704030504030204" pitchFamily="34" charset="0"/>
                 <a:ea typeface="Adobe Fan Heiti Std B" panose="020B0700000000000000" pitchFamily="34" charset="-128"/>
               </a:rPr>
               <a:t>Report on : </a:t>
             </a:r>
             <a:r>
-              <a:rPr lang="en-US" sz="2000" dirty="0" smtClean="0">
+              <a:rPr lang="en-US" sz="2000" dirty="0">
                 <a:solidFill>
                   <a:schemeClr val="accent5">
                     <a:lumMod val="60000"/>
                     <a:lumOff val="40000"/>
                   </a:schemeClr>
                 </a:solidFill>
-                <a:latin typeface="Adobe Fan Heiti Std B" panose="020B0700000000000000" pitchFamily="34" charset="-128"/>
+                <a:latin typeface="Arial Rounded MT Bold" panose="020F0704030504030204" pitchFamily="34" charset="0"/>
                 <a:ea typeface="Adobe Fan Heiti Std B" panose="020B0700000000000000" pitchFamily="34" charset="-128"/>
               </a:rPr>
               <a:t>Bangladesh Bank Management System </a:t>
@@ -12566,14 +16152,14 @@
               <a:buNone/>
             </a:pPr>
             <a:r>
-              <a:rPr lang="en-US" sz="2000" dirty="0" smtClean="0">
+              <a:rPr lang="en-US" sz="2000" dirty="0">
                 <a:solidFill>
                   <a:schemeClr val="accent5">
                     <a:lumMod val="60000"/>
                     <a:lumOff val="40000"/>
                   </a:schemeClr>
                 </a:solidFill>
-                <a:latin typeface="Adobe Fan Heiti Std B" panose="020B0700000000000000" pitchFamily="34" charset="-128"/>
+                <a:latin typeface="Arial Rounded MT Bold" panose="020F0704030504030204" pitchFamily="34" charset="0"/>
                 <a:ea typeface="Adobe Fan Heiti Std B" panose="020B0700000000000000" pitchFamily="34" charset="-128"/>
               </a:rPr>
               <a:t>		Bangladesh Bank Khulna Branch</a:t>
@@ -12583,29 +16169,19 @@
             <a:pPr marL="0" indent="0" algn="ctr">
               <a:buNone/>
             </a:pPr>
-            <a:r>
-              <a:rPr lang="en-US" sz="2000" dirty="0" smtClean="0">
-                <a:solidFill>
-                  <a:srgbClr val="FFFF00"/>
-                </a:solidFill>
-                <a:latin typeface="Adobe Fan Heiti Std B" panose="020B0700000000000000" pitchFamily="34" charset="-128"/>
-                <a:ea typeface="Adobe Fan Heiti Std B" panose="020B0700000000000000" pitchFamily="34" charset="-128"/>
-              </a:rPr>
-              <a:t>Course </a:t>
-            </a:r>
             <a:r>
               <a:rPr lang="en-US" sz="2000" dirty="0">
                 <a:solidFill>
                   <a:srgbClr val="FFFF00"/>
                 </a:solidFill>
-                <a:latin typeface="Adobe Fan Heiti Std B" panose="020B0700000000000000" pitchFamily="34" charset="-128"/>
+                <a:latin typeface="Arial Rounded MT Bold" panose="020F0704030504030204" pitchFamily="34" charset="0"/>
                 <a:ea typeface="Adobe Fan Heiti Std B" panose="020B0700000000000000" pitchFamily="34" charset="-128"/>
               </a:rPr>
-              <a:t>Teacher</a:t>
+              <a:t>Course Teacher</a:t>
             </a:r>
             <a:r>
               <a:rPr lang="en-US" sz="2000" dirty="0">
-                <a:latin typeface="Adobe Fan Heiti Std B" panose="020B0700000000000000" pitchFamily="34" charset="-128"/>
+                <a:latin typeface="Arial Rounded MT Bold" panose="020F0704030504030204" pitchFamily="34" charset="0"/>
                 <a:ea typeface="Adobe Fan Heiti Std B" panose="020B0700000000000000" pitchFamily="34" charset="-128"/>
               </a:rPr>
               <a:t>:</a:t>
@@ -12617,7 +16193,7 @@
             </a:pPr>
             <a:r>
               <a:rPr lang="en-US" sz="2000" dirty="0">
-                <a:latin typeface="Adobe Fan Heiti Std B" panose="020B0700000000000000" pitchFamily="34" charset="-128"/>
+                <a:latin typeface="Arial Rounded MT Bold" panose="020F0704030504030204" pitchFamily="34" charset="0"/>
                 <a:ea typeface="Adobe Fan Heiti Std B" panose="020B0700000000000000" pitchFamily="34" charset="-128"/>
                 <a:hlinkClick r:id="rId2"/>
               </a:rPr>
@@ -12630,7 +16206,7 @@
             </a:pPr>
             <a:r>
               <a:rPr lang="en-US" sz="2000" dirty="0">
-                <a:latin typeface="Adobe Fan Heiti Std B" panose="020B0700000000000000" pitchFamily="34" charset="-128"/>
+                <a:latin typeface="Arial Rounded MT Bold" panose="020F0704030504030204" pitchFamily="34" charset="0"/>
                 <a:ea typeface="Adobe Fan Heiti Std B" panose="020B0700000000000000" pitchFamily="34" charset="-128"/>
               </a:rPr>
               <a:t>Assistant Professor</a:t>
@@ -12642,7 +16218,7 @@
             </a:pPr>
             <a:r>
               <a:rPr lang="en-US" sz="2000" dirty="0">
-                <a:latin typeface="Adobe Fan Heiti Std B" panose="020B0700000000000000" pitchFamily="34" charset="-128"/>
+                <a:latin typeface="Arial Rounded MT Bold" panose="020F0704030504030204" pitchFamily="34" charset="0"/>
                 <a:ea typeface="Adobe Fan Heiti Std B" panose="020B0700000000000000" pitchFamily="34" charset="-128"/>
               </a:rPr>
               <a:t>Department of Computer Science and Engineering</a:t>
@@ -12654,7 +16230,7 @@
             </a:pPr>
             <a:r>
               <a:rPr lang="en-US" sz="2000" dirty="0">
-                <a:latin typeface="Adobe Fan Heiti Std B" panose="020B0700000000000000" pitchFamily="34" charset="-128"/>
+                <a:latin typeface="Arial Rounded MT Bold" panose="020F0704030504030204" pitchFamily="34" charset="0"/>
                 <a:ea typeface="Adobe Fan Heiti Std B" panose="020B0700000000000000" pitchFamily="34" charset="-128"/>
               </a:rPr>
               <a:t>Khulna University of Engineering and Technology</a:t>
@@ -12666,22 +16242,11 @@
             </a:pPr>
             <a:r>
               <a:rPr lang="en-US" sz="2000" dirty="0">
-                <a:latin typeface="Adobe Fan Heiti Std B" panose="020B0700000000000000" pitchFamily="34" charset="-128"/>
+                <a:latin typeface="Arial Rounded MT Bold" panose="020F0704030504030204" pitchFamily="34" charset="0"/>
                 <a:ea typeface="Adobe Fan Heiti Std B" panose="020B0700000000000000" pitchFamily="34" charset="-128"/>
               </a:rPr>
-              <a:t>Khulna -9203 ,</a:t>
+              <a:t>Khulna -9203 ,Bangladesh</a:t>
             </a:r>
-            <a:r>
-              <a:rPr lang="en-US" sz="2000" dirty="0" smtClean="0">
-                <a:latin typeface="Adobe Fan Heiti Std B" panose="020B0700000000000000" pitchFamily="34" charset="-128"/>
-                <a:ea typeface="Adobe Fan Heiti Std B" panose="020B0700000000000000" pitchFamily="34" charset="-128"/>
-              </a:rPr>
-              <a:t>Bangladesh</a:t>
-            </a:r>
-            <a:endParaRPr lang="en-US" sz="2000" dirty="0">
-              <a:latin typeface="Adobe Fan Heiti Std B" panose="020B0700000000000000" pitchFamily="34" charset="-128"/>
-              <a:ea typeface="Adobe Fan Heiti Std B" panose="020B0700000000000000" pitchFamily="34" charset="-128"/>
-            </a:endParaRPr>
           </a:p>
         </p:txBody>
       </p:sp>
@@ -12775,224 +16340,10 @@
       </p:transition>
     </mc:Fallback>
   </mc:AlternateContent>
-  <p:timing>
-    <p:tnLst>
-      <p:par>
-        <p:cTn id="1" dur="indefinite" restart="never" nodeType="tmRoot"/>
-      </p:par>
-    </p:tnLst>
-  </p:timing>
 </p:sld>
 </file>
 
 <file path=ppt/slides/slide10.xml><?xml version="1.0" encoding="utf-8"?>
-<p:sld xmlns:a="http://schemas.openxmlformats.org/drawingml/2006/main" xmlns:r="http://schemas.openxmlformats.org/officeDocument/2006/relationships" xmlns:p="http://schemas.openxmlformats.org/presentationml/2006/main">
-  <p:cSld>
-    <p:spTree>
-      <p:nvGrpSpPr>
-        <p:cNvPr id="1" name=""/>
-        <p:cNvGrpSpPr/>
-        <p:nvPr/>
-      </p:nvGrpSpPr>
-      <p:grpSpPr>
-        <a:xfrm>
-          <a:off x="0" y="0"/>
-          <a:ext cx="0" cy="0"/>
-          <a:chOff x="0" y="0"/>
-          <a:chExt cx="0" cy="0"/>
-        </a:xfrm>
-      </p:grpSpPr>
-      <p:sp>
-        <p:nvSpPr>
-          <p:cNvPr id="2" name="Title 1">
-            <a:extLst>
-              <a:ext uri="{FF2B5EF4-FFF2-40B4-BE49-F238E27FC236}">
-                <a16:creationId xmlns:a16="http://schemas.microsoft.com/office/drawing/2014/main" id="{CA1919B7-C60A-4B09-AF90-7D3EE0E53A5C}"/>
-              </a:ext>
-            </a:extLst>
-          </p:cNvPr>
-          <p:cNvSpPr>
-            <a:spLocks noGrp="1"/>
-          </p:cNvSpPr>
-          <p:nvPr>
-            <p:ph type="title"/>
-          </p:nvPr>
-        </p:nvSpPr>
-        <p:spPr/>
-        <p:txBody>
-          <a:bodyPr>
-            <a:normAutofit/>
-          </a:bodyPr>
-          <a:lstStyle/>
-          <a:p>
-            <a:r>
-              <a:rPr lang="en-US" sz="4400" dirty="0">
-                <a:solidFill>
-                  <a:srgbClr val="C00000"/>
-                </a:solidFill>
-              </a:rPr>
-              <a:t>SDLC Analysis of Bangladesh Bank</a:t>
-            </a:r>
-          </a:p>
-        </p:txBody>
-      </p:sp>
-      <p:sp>
-        <p:nvSpPr>
-          <p:cNvPr id="3" name="Content Placeholder 2">
-            <a:extLst>
-              <a:ext uri="{FF2B5EF4-FFF2-40B4-BE49-F238E27FC236}">
-                <a16:creationId xmlns:a16="http://schemas.microsoft.com/office/drawing/2014/main" id="{B9017C41-6062-4EE4-A161-12986F764999}"/>
-              </a:ext>
-            </a:extLst>
-          </p:cNvPr>
-          <p:cNvSpPr>
-            <a:spLocks noGrp="1"/>
-          </p:cNvSpPr>
-          <p:nvPr>
-            <p:ph idx="1"/>
-          </p:nvPr>
-        </p:nvSpPr>
-        <p:spPr>
-          <a:xfrm>
-            <a:off x="2351485" y="1928062"/>
-            <a:ext cx="7831933" cy="4072689"/>
-          </a:xfrm>
-        </p:spPr>
-        <p:txBody>
-          <a:bodyPr>
-            <a:noAutofit/>
-          </a:bodyPr>
-          <a:lstStyle/>
-          <a:p>
-            <a:pPr>
-              <a:buFont typeface="Wingdings" panose="05000000000000000000" pitchFamily="2" charset="2"/>
-              <a:buChar char="Ø"/>
-            </a:pPr>
-            <a:r>
-              <a:rPr lang="en-US" sz="2000" dirty="0">
-                <a:latin typeface="Adobe Fan Heiti Std B" panose="020B0700000000000000" pitchFamily="34" charset="-128"/>
-                <a:ea typeface="Adobe Fan Heiti Std B" panose="020B0700000000000000" pitchFamily="34" charset="-128"/>
-              </a:rPr>
-              <a:t>During this stage, the problem is defined so that a clear understanding can be gained of what the system should do, i.e. what the inputs to the system are, what the output should be, and the operational parameters within which the system is expected to work.</a:t>
-            </a:r>
-          </a:p>
-          <a:p>
-            <a:pPr>
-              <a:buFont typeface="Wingdings" panose="05000000000000000000" pitchFamily="2" charset="2"/>
-              <a:buChar char="Ø"/>
-            </a:pPr>
-            <a:r>
-              <a:rPr lang="en-US" sz="2000" dirty="0">
-                <a:latin typeface="Adobe Fan Heiti Std B" panose="020B0700000000000000" pitchFamily="34" charset="-128"/>
-                <a:ea typeface="Adobe Fan Heiti Std B" panose="020B0700000000000000" pitchFamily="34" charset="-128"/>
-              </a:rPr>
-              <a:t>The documentation of the program fulfils two main objectives . The first is to provide a technical reference to facilitate ongoing maintenance and development of the software itself. The second is to provide user documentation, i.e. a set of instructions that inform the user about the features of the software and how to use them.</a:t>
-            </a:r>
-          </a:p>
-          <a:p>
-            <a:pPr>
-              <a:buFont typeface="Wingdings" panose="05000000000000000000" pitchFamily="2" charset="2"/>
-              <a:buChar char="Ø"/>
-            </a:pPr>
-            <a:endParaRPr lang="en-US" sz="2000" dirty="0">
-              <a:latin typeface="Adobe Fan Heiti Std B" panose="020B0700000000000000" pitchFamily="34" charset="-128"/>
-              <a:ea typeface="Adobe Fan Heiti Std B" panose="020B0700000000000000" pitchFamily="34" charset="-128"/>
-            </a:endParaRPr>
-          </a:p>
-        </p:txBody>
-      </p:sp>
-      <p:sp>
-        <p:nvSpPr>
-          <p:cNvPr id="4" name="Date Placeholder 3"/>
-          <p:cNvSpPr>
-            <a:spLocks noGrp="1"/>
-          </p:cNvSpPr>
-          <p:nvPr>
-            <p:ph type="dt" sz="half" idx="10"/>
-          </p:nvPr>
-        </p:nvSpPr>
-        <p:spPr/>
-        <p:txBody>
-          <a:bodyPr/>
-          <a:lstStyle/>
-          <a:p>
-            <a:fld id="{C8AFF773-AC21-4977-AABA-89A6EC97229D}" type="datetime3">
-              <a:rPr lang="en-US" smtClean="0"/>
-              <a:t>26 June 2019</a:t>
-            </a:fld>
-            <a:endParaRPr lang="en-US"/>
-          </a:p>
-        </p:txBody>
-      </p:sp>
-      <p:sp>
-        <p:nvSpPr>
-          <p:cNvPr id="5" name="Footer Placeholder 4"/>
-          <p:cNvSpPr>
-            <a:spLocks noGrp="1"/>
-          </p:cNvSpPr>
-          <p:nvPr>
-            <p:ph type="ftr" sz="quarter" idx="11"/>
-          </p:nvPr>
-        </p:nvSpPr>
-        <p:spPr/>
-        <p:txBody>
-          <a:bodyPr/>
-          <a:lstStyle/>
-          <a:p>
-            <a:r>
-              <a:rPr lang="en-US"/>
-              <a:t>CSE 2k16 KUET</a:t>
-            </a:r>
-          </a:p>
-        </p:txBody>
-      </p:sp>
-      <p:sp>
-        <p:nvSpPr>
-          <p:cNvPr id="6" name="Slide Number Placeholder 5"/>
-          <p:cNvSpPr>
-            <a:spLocks noGrp="1"/>
-          </p:cNvSpPr>
-          <p:nvPr>
-            <p:ph type="sldNum" sz="quarter" idx="12"/>
-          </p:nvPr>
-        </p:nvSpPr>
-        <p:spPr/>
-        <p:txBody>
-          <a:bodyPr/>
-          <a:lstStyle/>
-          <a:p>
-            <a:fld id="{F3DB9925-D457-4BD3-AC41-F897F13CD95E}" type="slidenum">
-              <a:rPr lang="en-US" smtClean="0"/>
-              <a:t>10</a:t>
-            </a:fld>
-            <a:endParaRPr lang="en-US"/>
-          </a:p>
-        </p:txBody>
-      </p:sp>
-    </p:spTree>
-    <p:extLst>
-      <p:ext uri="{BB962C8B-B14F-4D97-AF65-F5344CB8AC3E}">
-        <p14:creationId xmlns:p14="http://schemas.microsoft.com/office/powerpoint/2010/main" val="493250786"/>
-      </p:ext>
-    </p:extLst>
-  </p:cSld>
-  <p:clrMapOvr>
-    <a:masterClrMapping/>
-  </p:clrMapOvr>
-  <p:transition spd="med">
-    <p:pull/>
-  </p:transition>
-  <p:timing>
-    <p:tnLst>
-      <p:par>
-        <p:cTn id="1" dur="indefinite" restart="never" nodeType="tmRoot"/>
-      </p:par>
-    </p:tnLst>
-  </p:timing>
-</p:sld>
-</file>
-
-<file path=ppt/slides/slide11.xml><?xml version="1.0" encoding="utf-8"?>
 <p:sld xmlns:a="http://schemas.openxmlformats.org/drawingml/2006/main" xmlns:r="http://schemas.openxmlformats.org/officeDocument/2006/relationships" xmlns:p="http://schemas.openxmlformats.org/presentationml/2006/main">
   <p:cSld>
     <p:spTree>
@@ -13191,7 +16542,7 @@
           <a:p>
             <a:fld id="{F3DB9925-D457-4BD3-AC41-F897F13CD95E}" type="slidenum">
               <a:rPr lang="en-US" smtClean="0"/>
-              <a:t>11</a:t>
+              <a:t>10</a:t>
             </a:fld>
             <a:endParaRPr lang="en-US"/>
           </a:p>
@@ -13210,17 +16561,10 @@
   <p:transition spd="slow">
     <p:wipe/>
   </p:transition>
-  <p:timing>
-    <p:tnLst>
-      <p:par>
-        <p:cTn id="1" dur="indefinite" restart="never" nodeType="tmRoot"/>
-      </p:par>
-    </p:tnLst>
-  </p:timing>
 </p:sld>
 </file>
 
-<file path=ppt/slides/slide12.xml><?xml version="1.0" encoding="utf-8"?>
+<file path=ppt/slides/slide11.xml><?xml version="1.0" encoding="utf-8"?>
 <p:sld xmlns:a="http://schemas.openxmlformats.org/drawingml/2006/main" xmlns:r="http://schemas.openxmlformats.org/officeDocument/2006/relationships" xmlns:p="http://schemas.openxmlformats.org/presentationml/2006/main">
   <p:cSld>
     <p:spTree>
@@ -13287,25 +16631,11 @@
               <a:buChar char="Ø"/>
             </a:pPr>
             <a:r>
-              <a:rPr lang="en-US" sz="2000" dirty="0" smtClean="0">
+              <a:rPr lang="en-US" sz="2000" dirty="0">
                 <a:latin typeface="Adobe Fan Heiti Std B" panose="020B0700000000000000" pitchFamily="34" charset="-128"/>
                 <a:ea typeface="Adobe Fan Heiti Std B" panose="020B0700000000000000" pitchFamily="34" charset="-128"/>
               </a:rPr>
-              <a:t>Determine </a:t>
-            </a:r>
-            <a:r>
-              <a:rPr lang="en-US" sz="2000" dirty="0" smtClean="0">
-                <a:latin typeface="Adobe Fan Heiti Std B" panose="020B0700000000000000" pitchFamily="34" charset="-128"/>
-                <a:ea typeface="Adobe Fan Heiti Std B" panose="020B0700000000000000" pitchFamily="34" charset="-128"/>
-              </a:rPr>
-              <a:t>how </a:t>
-            </a:r>
-            <a:r>
-              <a:rPr lang="en-US" sz="2000" dirty="0" smtClean="0">
-                <a:latin typeface="Adobe Fan Heiti Std B" panose="020B0700000000000000" pitchFamily="34" charset="-128"/>
-                <a:ea typeface="Adobe Fan Heiti Std B" panose="020B0700000000000000" pitchFamily="34" charset="-128"/>
-              </a:rPr>
-              <a:t>the output is produced</a:t>
+              <a:t>Determine how the output is produced</a:t>
             </a:r>
           </a:p>
           <a:p>
@@ -13314,18 +16644,11 @@
               <a:buChar char="Ø"/>
             </a:pPr>
             <a:r>
-              <a:rPr lang="en-US" sz="2000" dirty="0" smtClean="0">
-                <a:latin typeface="Adobe Fan Heiti Std B" panose="020B0700000000000000" pitchFamily="34" charset="-128"/>
-                <a:ea typeface="Adobe Fan Heiti Std B" panose="020B0700000000000000" pitchFamily="34" charset="-128"/>
-              </a:rPr>
-              <a:t>How </a:t>
-            </a:r>
-            <a:r>
               <a:rPr lang="en-US" sz="2000" dirty="0">
                 <a:latin typeface="Adobe Fan Heiti Std B" panose="020B0700000000000000" pitchFamily="34" charset="-128"/>
                 <a:ea typeface="Adobe Fan Heiti Std B" panose="020B0700000000000000" pitchFamily="34" charset="-128"/>
               </a:rPr>
-              <a:t>must be problem solved?</a:t>
+              <a:t>How must be problem solved?</a:t>
             </a:r>
           </a:p>
           <a:p>
@@ -13462,7 +16785,7 @@
           <a:p>
             <a:fld id="{F3DB9925-D457-4BD3-AC41-F897F13CD95E}" type="slidenum">
               <a:rPr lang="en-US" smtClean="0"/>
-              <a:t>12</a:t>
+              <a:t>11</a:t>
             </a:fld>
             <a:endParaRPr lang="en-US"/>
           </a:p>
@@ -13490,17 +16813,10 @@
       </p:transition>
     </mc:Fallback>
   </mc:AlternateContent>
-  <p:timing>
-    <p:tnLst>
-      <p:par>
-        <p:cTn id="1" dur="indefinite" restart="never" nodeType="tmRoot"/>
-      </p:par>
-    </p:tnLst>
-  </p:timing>
 </p:sld>
 </file>
 
-<file path=ppt/slides/slide13.xml><?xml version="1.0" encoding="utf-8"?>
+<file path=ppt/slides/slide12.xml><?xml version="1.0" encoding="utf-8"?>
 <p:sld xmlns:a="http://schemas.openxmlformats.org/drawingml/2006/main" xmlns:r="http://schemas.openxmlformats.org/officeDocument/2006/relationships" xmlns:p="http://schemas.openxmlformats.org/presentationml/2006/main">
   <p:cSld>
     <p:spTree>
@@ -13631,25 +16947,18 @@
               <a:buChar char="ü"/>
             </a:pPr>
             <a:r>
-              <a:rPr lang="en-US" sz="2000" smtClean="0">
+              <a:rPr lang="en-US" sz="2000">
                 <a:latin typeface="Adobe Fan Heiti Std B" panose="020B0700000000000000" pitchFamily="34" charset="-128"/>
                 <a:ea typeface="Adobe Fan Heiti Std B" panose="020B0700000000000000" pitchFamily="34" charset="-128"/>
               </a:rPr>
               <a:t>Dont</a:t>
             </a:r>
             <a:r>
-              <a:rPr lang="en-US" sz="2000" dirty="0" smtClean="0">
-                <a:latin typeface="Adobe Fan Heiti Std B" panose="020B0700000000000000" pitchFamily="34" charset="-128"/>
-                <a:ea typeface="Adobe Fan Heiti Std B" panose="020B0700000000000000" pitchFamily="34" charset="-128"/>
-              </a:rPr>
-              <a:t> </a:t>
-            </a:r>
-            <a:r>
               <a:rPr lang="en-US" sz="2000" dirty="0">
                 <a:latin typeface="Adobe Fan Heiti Std B" panose="020B0700000000000000" pitchFamily="34" charset="-128"/>
                 <a:ea typeface="Adobe Fan Heiti Std B" panose="020B0700000000000000" pitchFamily="34" charset="-128"/>
               </a:rPr>
-              <a:t>browse unnecessary software from office pc</a:t>
+              <a:t> browse unnecessary software from office pc</a:t>
             </a:r>
           </a:p>
         </p:txBody>
@@ -13716,7 +17025,7 @@
           <a:p>
             <a:fld id="{F3DB9925-D457-4BD3-AC41-F897F13CD95E}" type="slidenum">
               <a:rPr lang="en-US" smtClean="0"/>
-              <a:t>13</a:t>
+              <a:t>12</a:t>
             </a:fld>
             <a:endParaRPr lang="en-US"/>
           </a:p>
@@ -13735,17 +17044,10 @@
   <p:transition spd="slow">
     <p:comb/>
   </p:transition>
-  <p:timing>
-    <p:tnLst>
-      <p:par>
-        <p:cTn id="1" dur="indefinite" restart="never" nodeType="tmRoot"/>
-      </p:par>
-    </p:tnLst>
-  </p:timing>
 </p:sld>
 </file>
 
-<file path=ppt/slides/slide14.xml><?xml version="1.0" encoding="utf-8"?>
+<file path=ppt/slides/slide13.xml><?xml version="1.0" encoding="utf-8"?>
 <p:sld xmlns:a="http://schemas.openxmlformats.org/drawingml/2006/main" xmlns:r="http://schemas.openxmlformats.org/officeDocument/2006/relationships" xmlns:p="http://schemas.openxmlformats.org/presentationml/2006/main">
   <p:cSld>
     <p:spTree>
@@ -13843,21 +17145,7 @@
                 <a:latin typeface="Adobe Fan Heiti Std B" panose="020B0700000000000000" pitchFamily="34" charset="-128"/>
                 <a:ea typeface="Adobe Fan Heiti Std B" panose="020B0700000000000000" pitchFamily="34" charset="-128"/>
               </a:rPr>
-              <a:t>The majority of the code for different programs and </a:t>
-            </a:r>
-            <a:r>
-              <a:rPr lang="en-GB" sz="2000" dirty="0" smtClean="0">
-                <a:latin typeface="Adobe Fan Heiti Std B" panose="020B0700000000000000" pitchFamily="34" charset="-128"/>
-                <a:ea typeface="Adobe Fan Heiti Std B" panose="020B0700000000000000" pitchFamily="34" charset="-128"/>
-              </a:rPr>
-              <a:t>software </a:t>
-            </a:r>
-            <a:r>
-              <a:rPr lang="en-GB" sz="2000" dirty="0">
-                <a:latin typeface="Adobe Fan Heiti Std B" panose="020B0700000000000000" pitchFamily="34" charset="-128"/>
-                <a:ea typeface="Adobe Fan Heiti Std B" panose="020B0700000000000000" pitchFamily="34" charset="-128"/>
-              </a:rPr>
-              <a:t>are written in this implementation phase .</a:t>
+              <a:t>The majority of the code for different programs and software are written in this implementation phase .</a:t>
             </a:r>
           </a:p>
           <a:p>
@@ -13941,7 +17229,7 @@
           <a:p>
             <a:fld id="{F3DB9925-D457-4BD3-AC41-F897F13CD95E}" type="slidenum">
               <a:rPr lang="en-US" smtClean="0"/>
-              <a:t>14</a:t>
+              <a:t>13</a:t>
             </a:fld>
             <a:endParaRPr lang="en-US"/>
           </a:p>
@@ -13969,17 +17257,10 @@
       </p:transition>
     </mc:Fallback>
   </mc:AlternateContent>
-  <p:timing>
-    <p:tnLst>
-      <p:par>
-        <p:cTn id="1" dur="indefinite" restart="never" nodeType="tmRoot"/>
-      </p:par>
-    </p:tnLst>
-  </p:timing>
 </p:sld>
 </file>
 
-<file path=ppt/slides/slide15.xml><?xml version="1.0" encoding="utf-8"?>
+<file path=ppt/slides/slide14.xml><?xml version="1.0" encoding="utf-8"?>
 <p:sld xmlns:a="http://schemas.openxmlformats.org/drawingml/2006/main" xmlns:r="http://schemas.openxmlformats.org/officeDocument/2006/relationships" xmlns:p="http://schemas.openxmlformats.org/presentationml/2006/main">
   <p:cSld>
     <p:spTree>
@@ -14012,14 +17293,14 @@
           <a:lstStyle/>
           <a:p>
             <a:r>
-              <a:rPr lang="en-US" dirty="0" smtClean="0">
+              <a:rPr lang="en-US" sz="4400" dirty="0">
                 <a:solidFill>
                   <a:srgbClr val="C00000"/>
                 </a:solidFill>
               </a:rPr>
               <a:t>implementation</a:t>
             </a:r>
-            <a:endParaRPr lang="en-US" dirty="0"/>
+            <a:endParaRPr lang="en-US" sz="4400" dirty="0"/>
           </a:p>
         </p:txBody>
       </p:sp>
@@ -14129,7 +17410,7 @@
           <a:p>
             <a:fld id="{F3DB9925-D457-4BD3-AC41-F897F13CD95E}" type="slidenum">
               <a:rPr lang="en-US" smtClean="0"/>
-              <a:t>15</a:t>
+              <a:t>14</a:t>
             </a:fld>
             <a:endParaRPr lang="en-US"/>
           </a:p>
@@ -14157,13 +17438,181 @@
       </p:transition>
     </mc:Fallback>
   </mc:AlternateContent>
-  <p:timing>
-    <p:tnLst>
-      <p:par>
-        <p:cTn id="1" dur="indefinite" restart="never" nodeType="tmRoot"/>
-      </p:par>
-    </p:tnLst>
-  </p:timing>
+</p:sld>
+</file>
+
+<file path=ppt/slides/slide15.xml><?xml version="1.0" encoding="utf-8"?>
+<p:sld xmlns:a="http://schemas.openxmlformats.org/drawingml/2006/main" xmlns:r="http://schemas.openxmlformats.org/officeDocument/2006/relationships" xmlns:p="http://schemas.openxmlformats.org/presentationml/2006/main">
+  <p:cSld>
+    <p:spTree>
+      <p:nvGrpSpPr>
+        <p:cNvPr id="1" name=""/>
+        <p:cNvGrpSpPr/>
+        <p:nvPr/>
+      </p:nvGrpSpPr>
+      <p:grpSpPr>
+        <a:xfrm>
+          <a:off x="0" y="0"/>
+          <a:ext cx="0" cy="0"/>
+          <a:chOff x="0" y="0"/>
+          <a:chExt cx="0" cy="0"/>
+        </a:xfrm>
+      </p:grpSpPr>
+      <p:sp>
+        <p:nvSpPr>
+          <p:cNvPr id="6" name="Title 5"/>
+          <p:cNvSpPr>
+            <a:spLocks noGrp="1"/>
+          </p:cNvSpPr>
+          <p:nvPr>
+            <p:ph type="title"/>
+          </p:nvPr>
+        </p:nvSpPr>
+        <p:spPr/>
+        <p:txBody>
+          <a:bodyPr/>
+          <a:lstStyle/>
+          <a:p>
+            <a:r>
+              <a:rPr lang="en-US" dirty="0">
+                <a:solidFill>
+                  <a:srgbClr val="FF0000"/>
+                </a:solidFill>
+              </a:rPr>
+              <a:t>Visiting Document</a:t>
+            </a:r>
+          </a:p>
+        </p:txBody>
+      </p:sp>
+      <p:pic>
+        <p:nvPicPr>
+          <p:cNvPr id="4" name="Content Placeholder 3" descr="53218982_292194611448608_4249940452301602816_n.jpg"/>
+          <p:cNvPicPr>
+            <a:picLocks noGrp="1" noChangeAspect="1"/>
+          </p:cNvPicPr>
+          <p:nvPr>
+            <p:ph idx="1"/>
+          </p:nvPr>
+        </p:nvPicPr>
+        <p:blipFill>
+          <a:blip r:embed="rId2" cstate="print"/>
+          <a:stretch>
+            <a:fillRect/>
+          </a:stretch>
+        </p:blipFill>
+        <p:spPr>
+          <a:xfrm>
+            <a:off x="3180196" y="1838055"/>
+            <a:ext cx="5417704" cy="4045219"/>
+          </a:xfrm>
+          <a:prstGeom prst="roundRect">
+            <a:avLst>
+              <a:gd name="adj" fmla="val 11111"/>
+            </a:avLst>
+          </a:prstGeom>
+          <a:ln w="190500" cap="rnd">
+            <a:solidFill>
+              <a:srgbClr val="C8C6BD"/>
+            </a:solidFill>
+            <a:prstDash val="solid"/>
+          </a:ln>
+          <a:effectLst>
+            <a:outerShdw blurRad="101600" dist="50800" dir="7200000" algn="tl" rotWithShape="0">
+              <a:srgbClr val="000000">
+                <a:alpha val="45000"/>
+              </a:srgbClr>
+            </a:outerShdw>
+          </a:effectLst>
+          <a:scene3d>
+            <a:camera prst="perspectiveFront" fov="5400000"/>
+            <a:lightRig rig="threePt" dir="t">
+              <a:rot lat="0" lon="0" rev="19200000"/>
+            </a:lightRig>
+          </a:scene3d>
+          <a:sp3d extrusionH="25400">
+            <a:bevelT w="304800" h="152400" prst="hardEdge"/>
+            <a:extrusionClr>
+              <a:srgbClr val="FFFFFF"/>
+            </a:extrusionClr>
+          </a:sp3d>
+        </p:spPr>
+      </p:pic>
+      <p:sp>
+        <p:nvSpPr>
+          <p:cNvPr id="2" name="Date Placeholder 1"/>
+          <p:cNvSpPr>
+            <a:spLocks noGrp="1"/>
+          </p:cNvSpPr>
+          <p:nvPr>
+            <p:ph type="dt" sz="half" idx="10"/>
+          </p:nvPr>
+        </p:nvSpPr>
+        <p:spPr/>
+        <p:txBody>
+          <a:bodyPr/>
+          <a:lstStyle/>
+          <a:p>
+            <a:fld id="{60B99116-18BC-4866-95E6-DD86EF68EE17}" type="datetime3">
+              <a:rPr lang="en-US" smtClean="0"/>
+              <a:t>26 June 2019</a:t>
+            </a:fld>
+            <a:endParaRPr lang="en-US"/>
+          </a:p>
+        </p:txBody>
+      </p:sp>
+      <p:sp>
+        <p:nvSpPr>
+          <p:cNvPr id="3" name="Footer Placeholder 2"/>
+          <p:cNvSpPr>
+            <a:spLocks noGrp="1"/>
+          </p:cNvSpPr>
+          <p:nvPr>
+            <p:ph type="ftr" sz="quarter" idx="11"/>
+          </p:nvPr>
+        </p:nvSpPr>
+        <p:spPr/>
+        <p:txBody>
+          <a:bodyPr/>
+          <a:lstStyle/>
+          <a:p>
+            <a:r>
+              <a:rPr lang="en-US"/>
+              <a:t>CSE 2k16 KUET</a:t>
+            </a:r>
+          </a:p>
+        </p:txBody>
+      </p:sp>
+      <p:sp>
+        <p:nvSpPr>
+          <p:cNvPr id="5" name="Slide Number Placeholder 4"/>
+          <p:cNvSpPr>
+            <a:spLocks noGrp="1"/>
+          </p:cNvSpPr>
+          <p:nvPr>
+            <p:ph type="sldNum" sz="quarter" idx="12"/>
+          </p:nvPr>
+        </p:nvSpPr>
+        <p:spPr/>
+        <p:txBody>
+          <a:bodyPr/>
+          <a:lstStyle/>
+          <a:p>
+            <a:fld id="{F3DB9925-D457-4BD3-AC41-F897F13CD95E}" type="slidenum">
+              <a:rPr lang="en-US" smtClean="0"/>
+              <a:t>15</a:t>
+            </a:fld>
+            <a:endParaRPr lang="en-US"/>
+          </a:p>
+        </p:txBody>
+      </p:sp>
+    </p:spTree>
+  </p:cSld>
+  <p:clrMapOvr>
+    <a:masterClrMapping/>
+  </p:clrMapOvr>
+  <p:transition spd="slow">
+    <p:wipe/>
+  </p:transition>
 </p:sld>
 </file>
 
@@ -14286,7 +17735,7 @@
         </p:blipFill>
         <p:spPr>
           <a:xfrm>
-            <a:off x="0" y="1371600"/>
+            <a:off x="3784600" y="1447800"/>
             <a:ext cx="5270500" cy="3957638"/>
           </a:xfrm>
           <a:prstGeom prst="rect">
@@ -14348,13 +17797,6 @@
       </p:transition>
     </mc:Fallback>
   </mc:AlternateContent>
-  <p:timing>
-    <p:tnLst>
-      <p:par>
-        <p:cTn id="1" dur="indefinite" restart="never" nodeType="tmRoot"/>
-      </p:par>
-    </p:tnLst>
-  </p:timing>
 </p:sld>
 </file>
 
@@ -14643,13 +18085,6 @@
       </p:transition>
     </mc:Fallback>
   </mc:AlternateContent>
-  <p:timing>
-    <p:tnLst>
-      <p:par>
-        <p:cTn id="1" dur="indefinite" restart="never" nodeType="tmRoot"/>
-      </p:par>
-    </p:tnLst>
-  </p:timing>
 </p:sld>
 </file>
 
@@ -14828,13 +18263,6 @@
       </p:transition>
     </mc:Fallback>
   </mc:AlternateContent>
-  <p:timing>
-    <p:tnLst>
-      <p:par>
-        <p:cTn id="1" dur="indefinite" restart="never" nodeType="tmRoot"/>
-      </p:par>
-    </p:tnLst>
-  </p:timing>
 </p:sld>
 </file>
 
@@ -14889,29 +18317,6 @@
           </a:p>
         </p:txBody>
       </p:sp>
-      <p:pic>
-        <p:nvPicPr>
-          <p:cNvPr id="4" name="Content Placeholder 3" descr="sdlc.png"/>
-          <p:cNvPicPr>
-            <a:picLocks noGrp="1" noChangeAspect="1"/>
-          </p:cNvPicPr>
-          <p:nvPr>
-            <p:ph idx="1"/>
-          </p:nvPr>
-        </p:nvPicPr>
-        <p:blipFill>
-          <a:blip r:embed="rId2" cstate="print"/>
-          <a:stretch>
-            <a:fillRect/>
-          </a:stretch>
-        </p:blipFill>
-        <p:spPr>
-          <a:xfrm>
-            <a:off x="4091878" y="1587964"/>
-            <a:ext cx="4389437" cy="4389437"/>
-          </a:xfrm>
-        </p:spPr>
-      </p:pic>
       <p:sp>
         <p:nvSpPr>
           <p:cNvPr id="3" name="Date Placeholder 2"/>
@@ -14980,6 +18385,37 @@
           </a:p>
         </p:txBody>
       </p:sp>
+      <p:graphicFrame>
+        <p:nvGraphicFramePr>
+          <p:cNvPr id="14" name="Content Placeholder 13">
+            <a:extLst>
+              <a:ext uri="{FF2B5EF4-FFF2-40B4-BE49-F238E27FC236}">
+                <a16:creationId xmlns:a16="http://schemas.microsoft.com/office/drawing/2014/main" id="{767D8154-AB83-48E5-85D9-653BF36DDAA0}"/>
+              </a:ext>
+            </a:extLst>
+          </p:cNvPr>
+          <p:cNvGraphicFramePr>
+            <a:graphicFrameLocks noGrp="1"/>
+          </p:cNvGraphicFramePr>
+          <p:nvPr>
+            <p:ph idx="1"/>
+            <p:extLst>
+              <p:ext uri="{D42A27DB-BD31-4B8C-83A1-F6EECF244321}">
+                <p14:modId xmlns:p14="http://schemas.microsoft.com/office/powerpoint/2010/main" val="1866670765"/>
+              </p:ext>
+            </p:extLst>
+          </p:nvPr>
+        </p:nvGraphicFramePr>
+        <p:xfrm>
+          <a:off x="1278383" y="1455939"/>
+          <a:ext cx="9769029" cy="4792460"/>
+        </p:xfrm>
+        <a:graphic>
+          <a:graphicData uri="http://schemas.openxmlformats.org/drawingml/2006/diagram">
+            <dgm:relIds xmlns:dgm="http://schemas.openxmlformats.org/drawingml/2006/diagram" xmlns:r="http://schemas.openxmlformats.org/officeDocument/2006/relationships" r:dm="rId2" r:lo="rId3" r:qs="rId4" r:cs="rId5"/>
+          </a:graphicData>
+        </a:graphic>
+      </p:graphicFrame>
     </p:spTree>
   </p:cSld>
   <p:clrMapOvr>
@@ -14997,135 +18433,6 @@
       </p:transition>
     </mc:Fallback>
   </mc:AlternateContent>
-  <p:timing>
-    <p:tnLst>
-      <p:par>
-        <p:cTn id="1" dur="indefinite" restart="never" nodeType="tmRoot">
-          <p:childTnLst>
-            <p:seq concurrent="1" nextAc="seek">
-              <p:cTn id="2" dur="indefinite" nodeType="mainSeq">
-                <p:childTnLst>
-                  <p:par>
-                    <p:cTn id="3" fill="hold">
-                      <p:stCondLst>
-                        <p:cond delay="indefinite"/>
-                      </p:stCondLst>
-                      <p:childTnLst>
-                        <p:par>
-                          <p:cTn id="4" fill="hold">
-                            <p:stCondLst>
-                              <p:cond delay="0"/>
-                            </p:stCondLst>
-                            <p:childTnLst>
-                              <p:par>
-                                <p:cTn id="5" presetID="42" presetClass="entr" presetSubtype="0" fill="hold" nodeType="clickEffect">
-                                  <p:stCondLst>
-                                    <p:cond delay="0"/>
-                                  </p:stCondLst>
-                                  <p:childTnLst>
-                                    <p:set>
-                                      <p:cBhvr>
-                                        <p:cTn id="6" dur="1" fill="hold">
-                                          <p:stCondLst>
-                                            <p:cond delay="0"/>
-                                          </p:stCondLst>
-                                        </p:cTn>
-                                        <p:tgtEl>
-                                          <p:spTgt spid="4"/>
-                                        </p:tgtEl>
-                                        <p:attrNameLst>
-                                          <p:attrName>style.visibility</p:attrName>
-                                        </p:attrNameLst>
-                                      </p:cBhvr>
-                                      <p:to>
-                                        <p:strVal val="visible"/>
-                                      </p:to>
-                                    </p:set>
-                                    <p:animEffect transition="in" filter="fade">
-                                      <p:cBhvr>
-                                        <p:cTn id="7" dur="1000"/>
-                                        <p:tgtEl>
-                                          <p:spTgt spid="4"/>
-                                        </p:tgtEl>
-                                      </p:cBhvr>
-                                    </p:animEffect>
-                                    <p:anim calcmode="lin" valueType="num">
-                                      <p:cBhvr>
-                                        <p:cTn id="8" dur="1000" fill="hold"/>
-                                        <p:tgtEl>
-                                          <p:spTgt spid="4"/>
-                                        </p:tgtEl>
-                                        <p:attrNameLst>
-                                          <p:attrName>ppt_x</p:attrName>
-                                        </p:attrNameLst>
-                                      </p:cBhvr>
-                                      <p:tavLst>
-                                        <p:tav tm="0">
-                                          <p:val>
-                                            <p:strVal val="#ppt_x"/>
-                                          </p:val>
-                                        </p:tav>
-                                        <p:tav tm="100000">
-                                          <p:val>
-                                            <p:strVal val="#ppt_x"/>
-                                          </p:val>
-                                        </p:tav>
-                                      </p:tavLst>
-                                    </p:anim>
-                                    <p:anim calcmode="lin" valueType="num">
-                                      <p:cBhvr>
-                                        <p:cTn id="9" dur="1000" fill="hold"/>
-                                        <p:tgtEl>
-                                          <p:spTgt spid="4"/>
-                                        </p:tgtEl>
-                                        <p:attrNameLst>
-                                          <p:attrName>ppt_y</p:attrName>
-                                        </p:attrNameLst>
-                                      </p:cBhvr>
-                                      <p:tavLst>
-                                        <p:tav tm="0">
-                                          <p:val>
-                                            <p:strVal val="#ppt_y+.1"/>
-                                          </p:val>
-                                        </p:tav>
-                                        <p:tav tm="100000">
-                                          <p:val>
-                                            <p:strVal val="#ppt_y"/>
-                                          </p:val>
-                                        </p:tav>
-                                      </p:tavLst>
-                                    </p:anim>
-                                  </p:childTnLst>
-                                </p:cTn>
-                              </p:par>
-                            </p:childTnLst>
-                          </p:cTn>
-                        </p:par>
-                      </p:childTnLst>
-                    </p:cTn>
-                  </p:par>
-                </p:childTnLst>
-              </p:cTn>
-              <p:prevCondLst>
-                <p:cond evt="onPrev" delay="0">
-                  <p:tgtEl>
-                    <p:sldTgt/>
-                  </p:tgtEl>
-                </p:cond>
-              </p:prevCondLst>
-              <p:nextCondLst>
-                <p:cond evt="onNext" delay="0">
-                  <p:tgtEl>
-                    <p:sldTgt/>
-                  </p:tgtEl>
-                </p:cond>
-              </p:nextCondLst>
-            </p:seq>
-          </p:childTnLst>
-        </p:cTn>
-      </p:par>
-    </p:tnLst>
-  </p:timing>
 </p:sld>
 </file>
 
@@ -15186,7 +18493,9 @@
         </p:nvSpPr>
         <p:spPr/>
         <p:txBody>
-          <a:bodyPr/>
+          <a:bodyPr>
+            <a:normAutofit/>
+          </a:bodyPr>
           <a:lstStyle/>
           <a:p>
             <a:pPr>
@@ -15194,7 +18503,9 @@
               <a:buChar char="o"/>
             </a:pPr>
             <a:r>
-              <a:rPr lang="en-US" dirty="0"/>
+              <a:rPr lang="en-US" sz="2000" dirty="0">
+                <a:latin typeface="Arial Rounded MT Bold" panose="020F0704030504030204" pitchFamily="34" charset="0"/>
+              </a:rPr>
               <a:t>Lack of usage of digitized systems in transaction management and monetary affairs.</a:t>
             </a:r>
           </a:p>
@@ -15204,7 +18515,9 @@
               <a:buChar char="o"/>
             </a:pPr>
             <a:r>
-              <a:rPr lang="en-US" dirty="0"/>
+              <a:rPr lang="en-US" sz="2000" dirty="0">
+                <a:latin typeface="Arial Rounded MT Bold" panose="020F0704030504030204" pitchFamily="34" charset="0"/>
+              </a:rPr>
               <a:t>Irregular Update of software and website. Information found on sites and software is severely outdated.</a:t>
             </a:r>
           </a:p>
@@ -15214,7 +18527,9 @@
               <a:buChar char="o"/>
             </a:pPr>
             <a:r>
-              <a:rPr lang="en-US" dirty="0"/>
+              <a:rPr lang="en-US" sz="2000" dirty="0">
+                <a:latin typeface="Arial Rounded MT Bold" panose="020F0704030504030204" pitchFamily="34" charset="0"/>
+              </a:rPr>
               <a:t>The system relies on manual staff in all areas of error detection and checking, in place of using automation. This has previously proven to be an ineffective approach.</a:t>
             </a:r>
           </a:p>
@@ -15296,174 +18611,10 @@
   <p:transition spd="slow">
     <p:push dir="u"/>
   </p:transition>
-  <p:timing>
-    <p:tnLst>
-      <p:par>
-        <p:cTn id="1" dur="indefinite" restart="never" nodeType="tmRoot"/>
-      </p:par>
-    </p:tnLst>
-  </p:timing>
 </p:sld>
 </file>
 
 <file path=ppt/slides/slide6.xml><?xml version="1.0" encoding="utf-8"?>
-<p:sld xmlns:a="http://schemas.openxmlformats.org/drawingml/2006/main" xmlns:r="http://schemas.openxmlformats.org/officeDocument/2006/relationships" xmlns:p="http://schemas.openxmlformats.org/presentationml/2006/main">
-  <p:cSld>
-    <p:spTree>
-      <p:nvGrpSpPr>
-        <p:cNvPr id="1" name=""/>
-        <p:cNvGrpSpPr/>
-        <p:nvPr/>
-      </p:nvGrpSpPr>
-      <p:grpSpPr>
-        <a:xfrm>
-          <a:off x="0" y="0"/>
-          <a:ext cx="0" cy="0"/>
-          <a:chOff x="0" y="0"/>
-          <a:chExt cx="0" cy="0"/>
-        </a:xfrm>
-      </p:grpSpPr>
-      <p:pic>
-        <p:nvPicPr>
-          <p:cNvPr id="4" name="Content Placeholder 3" descr="53218982_292194611448608_4249940452301602816_n.jpg"/>
-          <p:cNvPicPr>
-            <a:picLocks noGrp="1" noChangeAspect="1"/>
-          </p:cNvPicPr>
-          <p:nvPr>
-            <p:ph idx="1"/>
-          </p:nvPr>
-        </p:nvPicPr>
-        <p:blipFill>
-          <a:blip r:embed="rId2" cstate="print"/>
-          <a:srcRect l="2761" t="3698" r="8887" b="13102"/>
-          <a:stretch>
-            <a:fillRect/>
-          </a:stretch>
-        </p:blipFill>
-        <p:spPr>
-          <a:xfrm>
-            <a:off x="2895600" y="1447801"/>
-            <a:ext cx="6629400" cy="4661297"/>
-          </a:xfrm>
-          <a:prstGeom prst="roundRect">
-            <a:avLst>
-              <a:gd name="adj" fmla="val 11111"/>
-            </a:avLst>
-          </a:prstGeom>
-          <a:ln w="190500" cap="rnd">
-            <a:solidFill>
-              <a:srgbClr val="C8C6BD"/>
-            </a:solidFill>
-            <a:prstDash val="solid"/>
-          </a:ln>
-          <a:effectLst>
-            <a:outerShdw blurRad="101600" dist="50800" dir="7200000" algn="tl" rotWithShape="0">
-              <a:srgbClr val="000000">
-                <a:alpha val="45000"/>
-              </a:srgbClr>
-            </a:outerShdw>
-          </a:effectLst>
-          <a:scene3d>
-            <a:camera prst="perspectiveFront" fov="5400000"/>
-            <a:lightRig rig="threePt" dir="t">
-              <a:rot lat="0" lon="0" rev="19200000"/>
-            </a:lightRig>
-          </a:scene3d>
-          <a:sp3d extrusionH="25400">
-            <a:bevelT w="304800" h="152400" prst="hardEdge"/>
-            <a:extrusionClr>
-              <a:srgbClr val="FFFFFF"/>
-            </a:extrusionClr>
-          </a:sp3d>
-        </p:spPr>
-      </p:pic>
-      <p:sp>
-        <p:nvSpPr>
-          <p:cNvPr id="2" name="Date Placeholder 1"/>
-          <p:cNvSpPr>
-            <a:spLocks noGrp="1"/>
-          </p:cNvSpPr>
-          <p:nvPr>
-            <p:ph type="dt" sz="half" idx="10"/>
-          </p:nvPr>
-        </p:nvSpPr>
-        <p:spPr/>
-        <p:txBody>
-          <a:bodyPr/>
-          <a:lstStyle/>
-          <a:p>
-            <a:fld id="{60B99116-18BC-4866-95E6-DD86EF68EE17}" type="datetime3">
-              <a:rPr lang="en-US" smtClean="0"/>
-              <a:t>26 June 2019</a:t>
-            </a:fld>
-            <a:endParaRPr lang="en-US"/>
-          </a:p>
-        </p:txBody>
-      </p:sp>
-      <p:sp>
-        <p:nvSpPr>
-          <p:cNvPr id="3" name="Footer Placeholder 2"/>
-          <p:cNvSpPr>
-            <a:spLocks noGrp="1"/>
-          </p:cNvSpPr>
-          <p:nvPr>
-            <p:ph type="ftr" sz="quarter" idx="11"/>
-          </p:nvPr>
-        </p:nvSpPr>
-        <p:spPr/>
-        <p:txBody>
-          <a:bodyPr/>
-          <a:lstStyle/>
-          <a:p>
-            <a:r>
-              <a:rPr lang="en-US"/>
-              <a:t>CSE 2k16 KUET</a:t>
-            </a:r>
-          </a:p>
-        </p:txBody>
-      </p:sp>
-      <p:sp>
-        <p:nvSpPr>
-          <p:cNvPr id="5" name="Slide Number Placeholder 4"/>
-          <p:cNvSpPr>
-            <a:spLocks noGrp="1"/>
-          </p:cNvSpPr>
-          <p:nvPr>
-            <p:ph type="sldNum" sz="quarter" idx="12"/>
-          </p:nvPr>
-        </p:nvSpPr>
-        <p:spPr/>
-        <p:txBody>
-          <a:bodyPr/>
-          <a:lstStyle/>
-          <a:p>
-            <a:fld id="{F3DB9925-D457-4BD3-AC41-F897F13CD95E}" type="slidenum">
-              <a:rPr lang="en-US" smtClean="0"/>
-              <a:t>6</a:t>
-            </a:fld>
-            <a:endParaRPr lang="en-US"/>
-          </a:p>
-        </p:txBody>
-      </p:sp>
-    </p:spTree>
-  </p:cSld>
-  <p:clrMapOvr>
-    <a:masterClrMapping/>
-  </p:clrMapOvr>
-  <p:transition spd="slow">
-    <p:wipe/>
-  </p:transition>
-  <p:timing>
-    <p:tnLst>
-      <p:par>
-        <p:cTn id="1" dur="indefinite" restart="never" nodeType="tmRoot"/>
-      </p:par>
-    </p:tnLst>
-  </p:timing>
-</p:sld>
-</file>
-
-<file path=ppt/slides/slide7.xml><?xml version="1.0" encoding="utf-8"?>
 <p:sld xmlns:a="http://schemas.openxmlformats.org/drawingml/2006/main" xmlns:r="http://schemas.openxmlformats.org/officeDocument/2006/relationships" xmlns:p="http://schemas.openxmlformats.org/presentationml/2006/main">
   <p:cSld>
     <p:spTree>
@@ -15539,16 +18690,12 @@
               <a:buNone/>
             </a:pPr>
             <a:r>
-              <a:rPr lang="en-US" dirty="0" smtClean="0">
+              <a:rPr lang="en-US" dirty="0">
                 <a:latin typeface="Adobe Fan Heiti Std B" panose="020B0700000000000000" pitchFamily="34" charset="-128"/>
                 <a:ea typeface="Adobe Fan Heiti Std B" panose="020B0700000000000000" pitchFamily="34" charset="-128"/>
               </a:rPr>
               <a:t>Bangladesh Bank Management System</a:t>
             </a:r>
-            <a:endParaRPr lang="en-US" dirty="0">
-              <a:latin typeface="Adobe Fan Heiti Std B" panose="020B0700000000000000" pitchFamily="34" charset="-128"/>
-              <a:ea typeface="Adobe Fan Heiti Std B" panose="020B0700000000000000" pitchFamily="34" charset="-128"/>
-            </a:endParaRPr>
           </a:p>
         </p:txBody>
       </p:sp>
@@ -15614,7 +18761,7 @@
           <a:p>
             <a:fld id="{5FC457BC-9B43-45CE-9CE3-D8F487871FE0}" type="slidenum">
               <a:rPr lang="en-US" smtClean="0"/>
-              <a:t>7</a:t>
+              <a:t>6</a:t>
             </a:fld>
             <a:endParaRPr lang="en-US"/>
           </a:p>
@@ -15642,17 +18789,10 @@
       </p:transition>
     </mc:Fallback>
   </mc:AlternateContent>
-  <p:timing>
-    <p:tnLst>
-      <p:par>
-        <p:cTn id="1" dur="indefinite" restart="never" nodeType="tmRoot"/>
-      </p:par>
-    </p:tnLst>
-  </p:timing>
 </p:sld>
 </file>
 
-<file path=ppt/slides/slide8.xml><?xml version="1.0" encoding="utf-8"?>
+<file path=ppt/slides/slide7.xml><?xml version="1.0" encoding="utf-8"?>
 <p:sld xmlns:a="http://schemas.openxmlformats.org/drawingml/2006/main" xmlns:r="http://schemas.openxmlformats.org/officeDocument/2006/relationships" xmlns:p="http://schemas.openxmlformats.org/presentationml/2006/main">
   <p:cSld>
     <p:spTree>
@@ -15848,7 +18988,7 @@
           <a:p>
             <a:fld id="{F3DB9925-D457-4BD3-AC41-F897F13CD95E}" type="slidenum">
               <a:rPr lang="en-US" smtClean="0"/>
-              <a:t>8</a:t>
+              <a:t>7</a:t>
             </a:fld>
             <a:endParaRPr lang="en-US"/>
           </a:p>
@@ -15867,17 +19007,10 @@
   <p:transition spd="slow">
     <p:randomBar dir="vert"/>
   </p:transition>
-  <p:timing>
-    <p:tnLst>
-      <p:par>
-        <p:cTn id="1" dur="indefinite" restart="never" nodeType="tmRoot"/>
-      </p:par>
-    </p:tnLst>
-  </p:timing>
 </p:sld>
 </file>
 
-<file path=ppt/slides/slide9.xml><?xml version="1.0" encoding="utf-8"?>
+<file path=ppt/slides/slide8.xml><?xml version="1.0" encoding="utf-8"?>
 <p:sld xmlns:a="http://schemas.openxmlformats.org/drawingml/2006/main" xmlns:r="http://schemas.openxmlformats.org/officeDocument/2006/relationships" xmlns:p="http://schemas.openxmlformats.org/presentationml/2006/main">
   <p:cSld>
     <p:spTree>
@@ -16018,7 +19151,7 @@
           <a:p>
             <a:fld id="{F3DB9925-D457-4BD3-AC41-F897F13CD95E}" type="slidenum">
               <a:rPr lang="en-US" smtClean="0"/>
-              <a:t>9</a:t>
+              <a:t>8</a:t>
             </a:fld>
             <a:endParaRPr lang="en-US"/>
           </a:p>
@@ -16046,13 +19179,206 @@
       </p:transition>
     </mc:Fallback>
   </mc:AlternateContent>
-  <p:timing>
-    <p:tnLst>
-      <p:par>
-        <p:cTn id="1" dur="indefinite" restart="never" nodeType="tmRoot"/>
-      </p:par>
-    </p:tnLst>
-  </p:timing>
+</p:sld>
+</file>
+
+<file path=ppt/slides/slide9.xml><?xml version="1.0" encoding="utf-8"?>
+<p:sld xmlns:a="http://schemas.openxmlformats.org/drawingml/2006/main" xmlns:r="http://schemas.openxmlformats.org/officeDocument/2006/relationships" xmlns:p="http://schemas.openxmlformats.org/presentationml/2006/main">
+  <p:cSld>
+    <p:spTree>
+      <p:nvGrpSpPr>
+        <p:cNvPr id="1" name=""/>
+        <p:cNvGrpSpPr/>
+        <p:nvPr/>
+      </p:nvGrpSpPr>
+      <p:grpSpPr>
+        <a:xfrm>
+          <a:off x="0" y="0"/>
+          <a:ext cx="0" cy="0"/>
+          <a:chOff x="0" y="0"/>
+          <a:chExt cx="0" cy="0"/>
+        </a:xfrm>
+      </p:grpSpPr>
+      <p:sp>
+        <p:nvSpPr>
+          <p:cNvPr id="2" name="Title 1">
+            <a:extLst>
+              <a:ext uri="{FF2B5EF4-FFF2-40B4-BE49-F238E27FC236}">
+                <a16:creationId xmlns:a16="http://schemas.microsoft.com/office/drawing/2014/main" id="{CA1919B7-C60A-4B09-AF90-7D3EE0E53A5C}"/>
+              </a:ext>
+            </a:extLst>
+          </p:cNvPr>
+          <p:cNvSpPr>
+            <a:spLocks noGrp="1"/>
+          </p:cNvSpPr>
+          <p:nvPr>
+            <p:ph type="title"/>
+          </p:nvPr>
+        </p:nvSpPr>
+        <p:spPr/>
+        <p:txBody>
+          <a:bodyPr>
+            <a:normAutofit/>
+          </a:bodyPr>
+          <a:lstStyle/>
+          <a:p>
+            <a:r>
+              <a:rPr lang="en-US" sz="4400" dirty="0">
+                <a:solidFill>
+                  <a:srgbClr val="C00000"/>
+                </a:solidFill>
+              </a:rPr>
+              <a:t>SDLC Analysis of Bangladesh Bank</a:t>
+            </a:r>
+          </a:p>
+        </p:txBody>
+      </p:sp>
+      <p:sp>
+        <p:nvSpPr>
+          <p:cNvPr id="3" name="Content Placeholder 2">
+            <a:extLst>
+              <a:ext uri="{FF2B5EF4-FFF2-40B4-BE49-F238E27FC236}">
+                <a16:creationId xmlns:a16="http://schemas.microsoft.com/office/drawing/2014/main" id="{B9017C41-6062-4EE4-A161-12986F764999}"/>
+              </a:ext>
+            </a:extLst>
+          </p:cNvPr>
+          <p:cNvSpPr>
+            <a:spLocks noGrp="1"/>
+          </p:cNvSpPr>
+          <p:nvPr>
+            <p:ph idx="1"/>
+          </p:nvPr>
+        </p:nvSpPr>
+        <p:spPr>
+          <a:xfrm>
+            <a:off x="2351485" y="1928062"/>
+            <a:ext cx="7831933" cy="4072689"/>
+          </a:xfrm>
+        </p:spPr>
+        <p:txBody>
+          <a:bodyPr>
+            <a:noAutofit/>
+          </a:bodyPr>
+          <a:lstStyle/>
+          <a:p>
+            <a:pPr>
+              <a:buFont typeface="Wingdings" panose="05000000000000000000" pitchFamily="2" charset="2"/>
+              <a:buChar char="Ø"/>
+            </a:pPr>
+            <a:r>
+              <a:rPr lang="en-US" sz="2000" dirty="0">
+                <a:latin typeface="Adobe Fan Heiti Std B" panose="020B0700000000000000" pitchFamily="34" charset="-128"/>
+                <a:ea typeface="Adobe Fan Heiti Std B" panose="020B0700000000000000" pitchFamily="34" charset="-128"/>
+              </a:rPr>
+              <a:t>During this stage, the problem is defined so that a clear understanding can be gained of what the system should do, i.e. what the inputs to the system are, what the output should be, and the operational parameters within which the system is expected to work.</a:t>
+            </a:r>
+          </a:p>
+          <a:p>
+            <a:pPr>
+              <a:buFont typeface="Wingdings" panose="05000000000000000000" pitchFamily="2" charset="2"/>
+              <a:buChar char="Ø"/>
+            </a:pPr>
+            <a:r>
+              <a:rPr lang="en-US" sz="2000" dirty="0">
+                <a:latin typeface="Adobe Fan Heiti Std B" panose="020B0700000000000000" pitchFamily="34" charset="-128"/>
+                <a:ea typeface="Adobe Fan Heiti Std B" panose="020B0700000000000000" pitchFamily="34" charset="-128"/>
+              </a:rPr>
+              <a:t>The documentation of the program fulfils two main objectives . The first is to provide a technical reference to facilitate ongoing maintenance and development of the software itself. The second is to provide user documentation, i.e. a set of instructions that inform the user about the features of the software and how to use them.</a:t>
+            </a:r>
+          </a:p>
+          <a:p>
+            <a:pPr>
+              <a:buFont typeface="Wingdings" panose="05000000000000000000" pitchFamily="2" charset="2"/>
+              <a:buChar char="Ø"/>
+            </a:pPr>
+            <a:endParaRPr lang="en-US" sz="2000" dirty="0">
+              <a:latin typeface="Adobe Fan Heiti Std B" panose="020B0700000000000000" pitchFamily="34" charset="-128"/>
+              <a:ea typeface="Adobe Fan Heiti Std B" panose="020B0700000000000000" pitchFamily="34" charset="-128"/>
+            </a:endParaRPr>
+          </a:p>
+        </p:txBody>
+      </p:sp>
+      <p:sp>
+        <p:nvSpPr>
+          <p:cNvPr id="4" name="Date Placeholder 3"/>
+          <p:cNvSpPr>
+            <a:spLocks noGrp="1"/>
+          </p:cNvSpPr>
+          <p:nvPr>
+            <p:ph type="dt" sz="half" idx="10"/>
+          </p:nvPr>
+        </p:nvSpPr>
+        <p:spPr/>
+        <p:txBody>
+          <a:bodyPr/>
+          <a:lstStyle/>
+          <a:p>
+            <a:fld id="{C8AFF773-AC21-4977-AABA-89A6EC97229D}" type="datetime3">
+              <a:rPr lang="en-US" smtClean="0"/>
+              <a:t>26 June 2019</a:t>
+            </a:fld>
+            <a:endParaRPr lang="en-US"/>
+          </a:p>
+        </p:txBody>
+      </p:sp>
+      <p:sp>
+        <p:nvSpPr>
+          <p:cNvPr id="5" name="Footer Placeholder 4"/>
+          <p:cNvSpPr>
+            <a:spLocks noGrp="1"/>
+          </p:cNvSpPr>
+          <p:nvPr>
+            <p:ph type="ftr" sz="quarter" idx="11"/>
+          </p:nvPr>
+        </p:nvSpPr>
+        <p:spPr/>
+        <p:txBody>
+          <a:bodyPr/>
+          <a:lstStyle/>
+          <a:p>
+            <a:r>
+              <a:rPr lang="en-US"/>
+              <a:t>CSE 2k16 KUET</a:t>
+            </a:r>
+          </a:p>
+        </p:txBody>
+      </p:sp>
+      <p:sp>
+        <p:nvSpPr>
+          <p:cNvPr id="6" name="Slide Number Placeholder 5"/>
+          <p:cNvSpPr>
+            <a:spLocks noGrp="1"/>
+          </p:cNvSpPr>
+          <p:nvPr>
+            <p:ph type="sldNum" sz="quarter" idx="12"/>
+          </p:nvPr>
+        </p:nvSpPr>
+        <p:spPr/>
+        <p:txBody>
+          <a:bodyPr/>
+          <a:lstStyle/>
+          <a:p>
+            <a:fld id="{F3DB9925-D457-4BD3-AC41-F897F13CD95E}" type="slidenum">
+              <a:rPr lang="en-US" smtClean="0"/>
+              <a:t>9</a:t>
+            </a:fld>
+            <a:endParaRPr lang="en-US"/>
+          </a:p>
+        </p:txBody>
+      </p:sp>
+    </p:spTree>
+    <p:extLst>
+      <p:ext uri="{BB962C8B-B14F-4D97-AF65-F5344CB8AC3E}">
+        <p14:creationId xmlns:p14="http://schemas.microsoft.com/office/powerpoint/2010/main" val="493250786"/>
+      </p:ext>
+    </p:extLst>
+  </p:cSld>
+  <p:clrMapOvr>
+    <a:masterClrMapping/>
+  </p:clrMapOvr>
+  <p:transition spd="med">
+    <p:pull/>
+  </p:transition>
 </p:sld>
 </file>
 
